--- a/Document/Presentation.pptx
+++ b/Document/Presentation.pptx
@@ -3,30 +3,32 @@
 <p:presentation xmlns:a="http://schemas.openxmlformats.org/drawingml/2006/main" xmlns:r="http://schemas.openxmlformats.org/officeDocument/2006/relationships" xmlns:p="http://schemas.openxmlformats.org/presentationml/2006/main" saveSubsetFonts="1">
   <p:sldMasterIdLst>
     <p:sldMasterId id="2147483743" r:id="rId4"/>
+    <p:sldMasterId id="2147483762" r:id="rId5"/>
   </p:sldMasterIdLst>
   <p:notesMasterIdLst>
-    <p:notesMasterId r:id="rId24"/>
+    <p:notesMasterId r:id="rId26"/>
   </p:notesMasterIdLst>
   <p:sldIdLst>
-    <p:sldId id="256" r:id="rId5"/>
-    <p:sldId id="272" r:id="rId6"/>
-    <p:sldId id="273" r:id="rId7"/>
-    <p:sldId id="274" r:id="rId8"/>
-    <p:sldId id="275" r:id="rId9"/>
-    <p:sldId id="277" r:id="rId10"/>
-    <p:sldId id="276" r:id="rId11"/>
-    <p:sldId id="278" r:id="rId12"/>
-    <p:sldId id="279" r:id="rId13"/>
-    <p:sldId id="280" r:id="rId14"/>
-    <p:sldId id="281" r:id="rId15"/>
-    <p:sldId id="282" r:id="rId16"/>
-    <p:sldId id="283" r:id="rId17"/>
-    <p:sldId id="284" r:id="rId18"/>
-    <p:sldId id="285" r:id="rId19"/>
-    <p:sldId id="286" r:id="rId20"/>
-    <p:sldId id="287" r:id="rId21"/>
-    <p:sldId id="288" r:id="rId22"/>
-    <p:sldId id="271" r:id="rId23"/>
+    <p:sldId id="290" r:id="rId6"/>
+    <p:sldId id="256" r:id="rId7"/>
+    <p:sldId id="272" r:id="rId8"/>
+    <p:sldId id="273" r:id="rId9"/>
+    <p:sldId id="274" r:id="rId10"/>
+    <p:sldId id="275" r:id="rId11"/>
+    <p:sldId id="277" r:id="rId12"/>
+    <p:sldId id="276" r:id="rId13"/>
+    <p:sldId id="278" r:id="rId14"/>
+    <p:sldId id="279" r:id="rId15"/>
+    <p:sldId id="280" r:id="rId16"/>
+    <p:sldId id="281" r:id="rId17"/>
+    <p:sldId id="282" r:id="rId18"/>
+    <p:sldId id="283" r:id="rId19"/>
+    <p:sldId id="284" r:id="rId20"/>
+    <p:sldId id="285" r:id="rId21"/>
+    <p:sldId id="286" r:id="rId22"/>
+    <p:sldId id="287" r:id="rId23"/>
+    <p:sldId id="288" r:id="rId24"/>
+    <p:sldId id="271" r:id="rId25"/>
   </p:sldIdLst>
   <p:sldSz cx="12192000" cy="6858000"/>
   <p:notesSz cx="6858000" cy="9144000"/>
@@ -564,6 +566,90 @@
     </p:spTree>
     <p:extLst>
       <p:ext uri="{BB962C8B-B14F-4D97-AF65-F5344CB8AC3E}">
+        <p14:creationId xmlns:p14="http://schemas.microsoft.com/office/powerpoint/2010/main" val="3676013736"/>
+      </p:ext>
+    </p:extLst>
+  </p:cSld>
+  <p:clrMapOvr>
+    <a:masterClrMapping/>
+  </p:clrMapOvr>
+</p:notes>
+</file>
+
+<file path=ppt/notesSlides/notesSlide2.xml><?xml version="1.0" encoding="utf-8"?>
+<p:notes xmlns:a="http://schemas.openxmlformats.org/drawingml/2006/main" xmlns:r="http://schemas.openxmlformats.org/officeDocument/2006/relationships" xmlns:p="http://schemas.openxmlformats.org/presentationml/2006/main">
+  <p:cSld>
+    <p:spTree>
+      <p:nvGrpSpPr>
+        <p:cNvPr id="1" name=""/>
+        <p:cNvGrpSpPr/>
+        <p:nvPr/>
+      </p:nvGrpSpPr>
+      <p:grpSpPr>
+        <a:xfrm>
+          <a:off x="0" y="0"/>
+          <a:ext cx="0" cy="0"/>
+          <a:chOff x="0" y="0"/>
+          <a:chExt cx="0" cy="0"/>
+        </a:xfrm>
+      </p:grpSpPr>
+      <p:sp>
+        <p:nvSpPr>
+          <p:cNvPr id="2" name="ตัวแทนรูปบนสไลด์ 1"/>
+          <p:cNvSpPr>
+            <a:spLocks noGrp="1" noRot="1" noChangeAspect="1"/>
+          </p:cNvSpPr>
+          <p:nvPr>
+            <p:ph type="sldImg"/>
+          </p:nvPr>
+        </p:nvSpPr>
+        <p:spPr/>
+      </p:sp>
+      <p:sp>
+        <p:nvSpPr>
+          <p:cNvPr id="3" name="ตัวแทนบันทึกย่อ 2"/>
+          <p:cNvSpPr>
+            <a:spLocks noGrp="1"/>
+          </p:cNvSpPr>
+          <p:nvPr>
+            <p:ph type="body" idx="1"/>
+          </p:nvPr>
+        </p:nvSpPr>
+        <p:spPr/>
+        <p:txBody>
+          <a:bodyPr/>
+          <a:lstStyle/>
+          <a:p>
+            <a:endParaRPr lang="th-TH" dirty="0"/>
+          </a:p>
+        </p:txBody>
+      </p:sp>
+      <p:sp>
+        <p:nvSpPr>
+          <p:cNvPr id="4" name="ตัวแทนหมายเลขสไลด์ 3"/>
+          <p:cNvSpPr>
+            <a:spLocks noGrp="1"/>
+          </p:cNvSpPr>
+          <p:nvPr>
+            <p:ph type="sldNum" sz="quarter" idx="5"/>
+          </p:nvPr>
+        </p:nvSpPr>
+        <p:spPr/>
+        <p:txBody>
+          <a:bodyPr/>
+          <a:lstStyle/>
+          <a:p>
+            <a:fld id="{5EE058ED-5ECD-412D-89EB-71531BA16AF3}" type="slidenum">
+              <a:rPr lang="th-TH" smtClean="0"/>
+              <a:t>2</a:t>
+            </a:fld>
+            <a:endParaRPr lang="th-TH"/>
+          </a:p>
+        </p:txBody>
+      </p:sp>
+    </p:spTree>
+    <p:extLst>
+      <p:ext uri="{BB962C8B-B14F-4D97-AF65-F5344CB8AC3E}">
         <p14:creationId xmlns:p14="http://schemas.microsoft.com/office/powerpoint/2010/main" val="3393064018"/>
       </p:ext>
     </p:extLst>
@@ -4110,6 +4196,323 @@
 </p:sldLayout>
 </file>
 
+<file path=ppt/slideLayouts/slideLayout19.xml><?xml version="1.0" encoding="utf-8"?>
+<p:sldLayout xmlns:a="http://schemas.openxmlformats.org/drawingml/2006/main" xmlns:r="http://schemas.openxmlformats.org/officeDocument/2006/relationships" xmlns:p="http://schemas.openxmlformats.org/presentationml/2006/main" showMasterSp="0" type="title" preserve="1">
+  <p:cSld name="Title Slide">
+    <p:spTree>
+      <p:nvGrpSpPr>
+        <p:cNvPr id="1" name=""/>
+        <p:cNvGrpSpPr/>
+        <p:nvPr/>
+      </p:nvGrpSpPr>
+      <p:grpSpPr>
+        <a:xfrm>
+          <a:off x="0" y="0"/>
+          <a:ext cx="0" cy="0"/>
+          <a:chOff x="0" y="0"/>
+          <a:chExt cx="0" cy="0"/>
+        </a:xfrm>
+      </p:grpSpPr>
+      <p:sp>
+        <p:nvSpPr>
+          <p:cNvPr id="10" name="Rectangle 9">
+            <a:extLst>
+              <a:ext uri="{FF2B5EF4-FFF2-40B4-BE49-F238E27FC236}">
+                <a16:creationId xmlns:a16="http://schemas.microsoft.com/office/drawing/2014/main" id="{39E3965E-AC41-4711-9D10-E25ABB132D86}"/>
+              </a:ext>
+            </a:extLst>
+          </p:cNvPr>
+          <p:cNvSpPr/>
+          <p:nvPr/>
+        </p:nvSpPr>
+        <p:spPr>
+          <a:xfrm>
+            <a:off x="3175" y="6400800"/>
+            <a:ext cx="12188825" cy="457200"/>
+          </a:xfrm>
+          <a:prstGeom prst="rect">
+            <a:avLst/>
+          </a:prstGeom>
+          <a:solidFill>
+            <a:srgbClr val="262626"/>
+          </a:solidFill>
+          <a:ln>
+            <a:noFill/>
+          </a:ln>
+        </p:spPr>
+        <p:style>
+          <a:lnRef idx="2">
+            <a:schemeClr val="accent1">
+              <a:shade val="50000"/>
+            </a:schemeClr>
+          </a:lnRef>
+          <a:fillRef idx="1">
+            <a:schemeClr val="accent1"/>
+          </a:fillRef>
+          <a:effectRef idx="0">
+            <a:schemeClr val="accent1"/>
+          </a:effectRef>
+          <a:fontRef idx="minor">
+            <a:schemeClr val="lt1"/>
+          </a:fontRef>
+        </p:style>
+      </p:sp>
+      <p:sp>
+        <p:nvSpPr>
+          <p:cNvPr id="2" name="Title 1"/>
+          <p:cNvSpPr>
+            <a:spLocks noGrp="1"/>
+          </p:cNvSpPr>
+          <p:nvPr>
+            <p:ph type="ctrTitle"/>
+          </p:nvPr>
+        </p:nvSpPr>
+        <p:spPr>
+          <a:xfrm>
+            <a:off x="1097280" y="758952"/>
+            <a:ext cx="10058400" cy="3566160"/>
+          </a:xfrm>
+        </p:spPr>
+        <p:txBody>
+          <a:bodyPr anchor="b">
+            <a:normAutofit/>
+          </a:bodyPr>
+          <a:lstStyle>
+            <a:lvl1pPr algn="l">
+              <a:lnSpc>
+                <a:spcPct val="90000"/>
+              </a:lnSpc>
+              <a:defRPr sz="8000" spc="-50" baseline="0">
+                <a:solidFill>
+                  <a:schemeClr val="tx1">
+                    <a:lumMod val="85000"/>
+                    <a:lumOff val="15000"/>
+                  </a:schemeClr>
+                </a:solidFill>
+              </a:defRPr>
+            </a:lvl1pPr>
+          </a:lstStyle>
+          <a:p>
+            <a:r>
+              <a:rPr lang="en-US"/>
+              <a:t>Click to edit Master title style</a:t>
+            </a:r>
+            <a:endParaRPr lang="en-US" dirty="0"/>
+          </a:p>
+        </p:txBody>
+      </p:sp>
+      <p:sp>
+        <p:nvSpPr>
+          <p:cNvPr id="3" name="Subtitle 2"/>
+          <p:cNvSpPr>
+            <a:spLocks noGrp="1"/>
+          </p:cNvSpPr>
+          <p:nvPr>
+            <p:ph type="subTitle" idx="1"/>
+          </p:nvPr>
+        </p:nvSpPr>
+        <p:spPr>
+          <a:xfrm>
+            <a:off x="1100051" y="4645152"/>
+            <a:ext cx="10058400" cy="1143000"/>
+          </a:xfrm>
+        </p:spPr>
+        <p:txBody>
+          <a:bodyPr lIns="91440" rIns="91440">
+            <a:normAutofit/>
+          </a:bodyPr>
+          <a:lstStyle>
+            <a:lvl1pPr marL="0" indent="0" algn="l">
+              <a:buNone/>
+              <a:defRPr sz="2400" cap="all" spc="200" baseline="0">
+                <a:solidFill>
+                  <a:schemeClr val="tx1"/>
+                </a:solidFill>
+                <a:latin typeface="+mn-lt"/>
+              </a:defRPr>
+            </a:lvl1pPr>
+            <a:lvl2pPr marL="457200" indent="0" algn="ctr">
+              <a:buNone/>
+              <a:defRPr sz="2400"/>
+            </a:lvl2pPr>
+            <a:lvl3pPr marL="914400" indent="0" algn="ctr">
+              <a:buNone/>
+              <a:defRPr sz="2400"/>
+            </a:lvl3pPr>
+            <a:lvl4pPr marL="1371600" indent="0" algn="ctr">
+              <a:buNone/>
+              <a:defRPr sz="2000"/>
+            </a:lvl4pPr>
+            <a:lvl5pPr marL="1828800" indent="0" algn="ctr">
+              <a:buNone/>
+              <a:defRPr sz="2000"/>
+            </a:lvl5pPr>
+            <a:lvl6pPr marL="2286000" indent="0" algn="ctr">
+              <a:buNone/>
+              <a:defRPr sz="2000"/>
+            </a:lvl6pPr>
+            <a:lvl7pPr marL="2743200" indent="0" algn="ctr">
+              <a:buNone/>
+              <a:defRPr sz="2000"/>
+            </a:lvl7pPr>
+            <a:lvl8pPr marL="3200400" indent="0" algn="ctr">
+              <a:buNone/>
+              <a:defRPr sz="2000"/>
+            </a:lvl8pPr>
+            <a:lvl9pPr marL="3657600" indent="0" algn="ctr">
+              <a:buNone/>
+              <a:defRPr sz="2000"/>
+            </a:lvl9pPr>
+          </a:lstStyle>
+          <a:p>
+            <a:r>
+              <a:rPr lang="en-US"/>
+              <a:t>Click to edit Master subtitle style</a:t>
+            </a:r>
+            <a:endParaRPr lang="en-US" dirty="0"/>
+          </a:p>
+        </p:txBody>
+      </p:sp>
+      <p:cxnSp>
+        <p:nvCxnSpPr>
+          <p:cNvPr id="9" name="Straight Connector 8">
+            <a:extLst>
+              <a:ext uri="{FF2B5EF4-FFF2-40B4-BE49-F238E27FC236}">
+                <a16:creationId xmlns:a16="http://schemas.microsoft.com/office/drawing/2014/main" id="{1F5DC8C3-BA5F-4EED-BB9A-A14272BD82A1}"/>
+              </a:ext>
+            </a:extLst>
+          </p:cNvPr>
+          <p:cNvCxnSpPr/>
+          <p:nvPr/>
+        </p:nvCxnSpPr>
+        <p:spPr>
+          <a:xfrm>
+            <a:off x="1207658" y="4474741"/>
+            <a:ext cx="9875520" cy="0"/>
+          </a:xfrm>
+          <a:prstGeom prst="line">
+            <a:avLst/>
+          </a:prstGeom>
+          <a:ln w="12700">
+            <a:solidFill>
+              <a:schemeClr val="tx1">
+                <a:lumMod val="75000"/>
+                <a:lumOff val="25000"/>
+              </a:schemeClr>
+            </a:solidFill>
+          </a:ln>
+        </p:spPr>
+        <p:style>
+          <a:lnRef idx="1">
+            <a:schemeClr val="accent1"/>
+          </a:lnRef>
+          <a:fillRef idx="0">
+            <a:schemeClr val="accent1"/>
+          </a:fillRef>
+          <a:effectRef idx="0">
+            <a:schemeClr val="accent1"/>
+          </a:effectRef>
+          <a:fontRef idx="minor">
+            <a:schemeClr val="tx1"/>
+          </a:fontRef>
+        </p:style>
+      </p:cxnSp>
+      <p:sp>
+        <p:nvSpPr>
+          <p:cNvPr id="4" name="Date Placeholder 3">
+            <a:extLst>
+              <a:ext uri="{FF2B5EF4-FFF2-40B4-BE49-F238E27FC236}">
+                <a16:creationId xmlns:a16="http://schemas.microsoft.com/office/drawing/2014/main" id="{9925CCF1-92C0-4AF3-BFAF-4921631915AB}"/>
+              </a:ext>
+            </a:extLst>
+          </p:cNvPr>
+          <p:cNvSpPr>
+            <a:spLocks noGrp="1"/>
+          </p:cNvSpPr>
+          <p:nvPr>
+            <p:ph type="dt" sz="half" idx="10"/>
+          </p:nvPr>
+        </p:nvSpPr>
+        <p:spPr/>
+        <p:txBody>
+          <a:bodyPr/>
+          <a:lstStyle/>
+          <a:p>
+            <a:fld id="{9184DA70-C731-4C70-880D-CCD4705E623C}" type="datetime1">
+              <a:rPr lang="en-US" smtClean="0"/>
+              <a:t>6/28/2021</a:t>
+            </a:fld>
+            <a:endParaRPr lang="en-US" dirty="0"/>
+          </a:p>
+        </p:txBody>
+      </p:sp>
+      <p:sp>
+        <p:nvSpPr>
+          <p:cNvPr id="5" name="Footer Placeholder 4">
+            <a:extLst>
+              <a:ext uri="{FF2B5EF4-FFF2-40B4-BE49-F238E27FC236}">
+                <a16:creationId xmlns:a16="http://schemas.microsoft.com/office/drawing/2014/main" id="{051A78A9-3DFF-4937-A9F2-5D8CF495F367}"/>
+              </a:ext>
+            </a:extLst>
+          </p:cNvPr>
+          <p:cNvSpPr>
+            <a:spLocks noGrp="1"/>
+          </p:cNvSpPr>
+          <p:nvPr>
+            <p:ph type="ftr" sz="quarter" idx="11"/>
+          </p:nvPr>
+        </p:nvSpPr>
+        <p:spPr/>
+        <p:txBody>
+          <a:bodyPr/>
+          <a:lstStyle/>
+          <a:p>
+            <a:endParaRPr lang="en-US" dirty="0"/>
+          </a:p>
+        </p:txBody>
+      </p:sp>
+      <p:sp>
+        <p:nvSpPr>
+          <p:cNvPr id="6" name="Slide Number Placeholder 5">
+            <a:extLst>
+              <a:ext uri="{FF2B5EF4-FFF2-40B4-BE49-F238E27FC236}">
+                <a16:creationId xmlns:a16="http://schemas.microsoft.com/office/drawing/2014/main" id="{5FAEB271-5CC0-4759-BC6E-8BE53AB227C0}"/>
+              </a:ext>
+            </a:extLst>
+          </p:cNvPr>
+          <p:cNvSpPr>
+            <a:spLocks noGrp="1"/>
+          </p:cNvSpPr>
+          <p:nvPr>
+            <p:ph type="sldNum" sz="quarter" idx="12"/>
+          </p:nvPr>
+        </p:nvSpPr>
+        <p:spPr/>
+        <p:txBody>
+          <a:bodyPr/>
+          <a:lstStyle/>
+          <a:p>
+            <a:fld id="{3A98EE3D-8CD1-4C3F-BD1C-C98C9596463C}" type="slidenum">
+              <a:rPr lang="en-US" smtClean="0"/>
+              <a:t>‹#›</a:t>
+            </a:fld>
+            <a:endParaRPr lang="en-US" dirty="0"/>
+          </a:p>
+        </p:txBody>
+      </p:sp>
+    </p:spTree>
+    <p:extLst>
+      <p:ext uri="{BB962C8B-B14F-4D97-AF65-F5344CB8AC3E}">
+        <p14:creationId xmlns:p14="http://schemas.microsoft.com/office/powerpoint/2010/main" val="1357727122"/>
+      </p:ext>
+    </p:extLst>
+  </p:cSld>
+  <p:clrMapOvr>
+    <a:masterClrMapping/>
+  </p:clrMapOvr>
+</p:sldLayout>
+</file>
+
 <file path=ppt/slideLayouts/slideLayout2.xml><?xml version="1.0" encoding="utf-8"?>
 <p:sldLayout xmlns:a="http://schemas.openxmlformats.org/drawingml/2006/main" xmlns:r="http://schemas.openxmlformats.org/officeDocument/2006/relationships" xmlns:p="http://schemas.openxmlformats.org/presentationml/2006/main" type="obj" preserve="1">
   <p:cSld name="Title and Content">
@@ -4313,6 +4716,2615 @@
     <a:masterClrMapping/>
   </p:clrMapOvr>
   <p:hf sldNum="0" hdr="0" ftr="0" dt="0"/>
+</p:sldLayout>
+</file>
+
+<file path=ppt/slideLayouts/slideLayout20.xml><?xml version="1.0" encoding="utf-8"?>
+<p:sldLayout xmlns:a="http://schemas.openxmlformats.org/drawingml/2006/main" xmlns:r="http://schemas.openxmlformats.org/officeDocument/2006/relationships" xmlns:p="http://schemas.openxmlformats.org/presentationml/2006/main" type="obj" preserve="1">
+  <p:cSld name="Title and Content">
+    <p:spTree>
+      <p:nvGrpSpPr>
+        <p:cNvPr id="1" name=""/>
+        <p:cNvGrpSpPr/>
+        <p:nvPr/>
+      </p:nvGrpSpPr>
+      <p:grpSpPr>
+        <a:xfrm>
+          <a:off x="0" y="0"/>
+          <a:ext cx="0" cy="0"/>
+          <a:chOff x="0" y="0"/>
+          <a:chExt cx="0" cy="0"/>
+        </a:xfrm>
+      </p:grpSpPr>
+      <p:sp>
+        <p:nvSpPr>
+          <p:cNvPr id="2" name="Title 1"/>
+          <p:cNvSpPr>
+            <a:spLocks noGrp="1"/>
+          </p:cNvSpPr>
+          <p:nvPr>
+            <p:ph type="title"/>
+          </p:nvPr>
+        </p:nvSpPr>
+        <p:spPr/>
+        <p:txBody>
+          <a:bodyPr/>
+          <a:lstStyle/>
+          <a:p>
+            <a:r>
+              <a:rPr lang="en-US"/>
+              <a:t>Click to edit Master title style</a:t>
+            </a:r>
+            <a:endParaRPr lang="en-US" dirty="0"/>
+          </a:p>
+        </p:txBody>
+      </p:sp>
+      <p:sp>
+        <p:nvSpPr>
+          <p:cNvPr id="3" name="Content Placeholder 2"/>
+          <p:cNvSpPr>
+            <a:spLocks noGrp="1"/>
+          </p:cNvSpPr>
+          <p:nvPr>
+            <p:ph idx="1"/>
+          </p:nvPr>
+        </p:nvSpPr>
+        <p:spPr/>
+        <p:txBody>
+          <a:bodyPr/>
+          <a:lstStyle/>
+          <a:p>
+            <a:pPr lvl="0"/>
+            <a:r>
+              <a:rPr lang="en-US"/>
+              <a:t>Click to edit Master text styles</a:t>
+            </a:r>
+          </a:p>
+          <a:p>
+            <a:pPr lvl="1"/>
+            <a:r>
+              <a:rPr lang="en-US"/>
+              <a:t>Second level</a:t>
+            </a:r>
+          </a:p>
+          <a:p>
+            <a:pPr lvl="2"/>
+            <a:r>
+              <a:rPr lang="en-US"/>
+              <a:t>Third level</a:t>
+            </a:r>
+          </a:p>
+          <a:p>
+            <a:pPr lvl="3"/>
+            <a:r>
+              <a:rPr lang="en-US"/>
+              <a:t>Fourth level</a:t>
+            </a:r>
+          </a:p>
+          <a:p>
+            <a:pPr lvl="4"/>
+            <a:r>
+              <a:rPr lang="en-US"/>
+              <a:t>Fifth level</a:t>
+            </a:r>
+            <a:endParaRPr lang="en-US" dirty="0"/>
+          </a:p>
+        </p:txBody>
+      </p:sp>
+      <p:sp>
+        <p:nvSpPr>
+          <p:cNvPr id="7" name="Date Placeholder 6">
+            <a:extLst>
+              <a:ext uri="{FF2B5EF4-FFF2-40B4-BE49-F238E27FC236}">
+                <a16:creationId xmlns:a16="http://schemas.microsoft.com/office/drawing/2014/main" id="{354D8B55-9EA8-4B81-8E84-9B93B0A27559}"/>
+              </a:ext>
+            </a:extLst>
+          </p:cNvPr>
+          <p:cNvSpPr>
+            <a:spLocks noGrp="1"/>
+          </p:cNvSpPr>
+          <p:nvPr>
+            <p:ph type="dt" sz="half" idx="10"/>
+          </p:nvPr>
+        </p:nvSpPr>
+        <p:spPr/>
+        <p:txBody>
+          <a:bodyPr/>
+          <a:lstStyle/>
+          <a:p>
+            <a:fld id="{4BE1D723-8F53-4F53-90B0-1982A396982E}" type="datetime1">
+              <a:rPr lang="en-US" smtClean="0"/>
+              <a:t>6/28/2021</a:t>
+            </a:fld>
+            <a:endParaRPr lang="en-US" dirty="0"/>
+          </a:p>
+        </p:txBody>
+      </p:sp>
+      <p:sp>
+        <p:nvSpPr>
+          <p:cNvPr id="8" name="Footer Placeholder 7">
+            <a:extLst>
+              <a:ext uri="{FF2B5EF4-FFF2-40B4-BE49-F238E27FC236}">
+                <a16:creationId xmlns:a16="http://schemas.microsoft.com/office/drawing/2014/main" id="{062CA021-2578-47CB-822C-BDDFF7223B28}"/>
+              </a:ext>
+            </a:extLst>
+          </p:cNvPr>
+          <p:cNvSpPr>
+            <a:spLocks noGrp="1"/>
+          </p:cNvSpPr>
+          <p:nvPr>
+            <p:ph type="ftr" sz="quarter" idx="11"/>
+          </p:nvPr>
+        </p:nvSpPr>
+        <p:spPr/>
+        <p:txBody>
+          <a:bodyPr/>
+          <a:lstStyle/>
+          <a:p>
+            <a:endParaRPr lang="en-US" dirty="0"/>
+          </a:p>
+        </p:txBody>
+      </p:sp>
+      <p:sp>
+        <p:nvSpPr>
+          <p:cNvPr id="9" name="Slide Number Placeholder 8">
+            <a:extLst>
+              <a:ext uri="{FF2B5EF4-FFF2-40B4-BE49-F238E27FC236}">
+                <a16:creationId xmlns:a16="http://schemas.microsoft.com/office/drawing/2014/main" id="{C4AAB51D-4141-4682-9375-DAFD5FB9DD10}"/>
+              </a:ext>
+            </a:extLst>
+          </p:cNvPr>
+          <p:cNvSpPr>
+            <a:spLocks noGrp="1"/>
+          </p:cNvSpPr>
+          <p:nvPr>
+            <p:ph type="sldNum" sz="quarter" idx="12"/>
+          </p:nvPr>
+        </p:nvSpPr>
+        <p:spPr/>
+        <p:txBody>
+          <a:bodyPr/>
+          <a:lstStyle/>
+          <a:p>
+            <a:fld id="{3A98EE3D-8CD1-4C3F-BD1C-C98C9596463C}" type="slidenum">
+              <a:rPr lang="en-US" smtClean="0"/>
+              <a:t>‹#›</a:t>
+            </a:fld>
+            <a:endParaRPr lang="en-US" dirty="0"/>
+          </a:p>
+        </p:txBody>
+      </p:sp>
+    </p:spTree>
+    <p:extLst>
+      <p:ext uri="{BB962C8B-B14F-4D97-AF65-F5344CB8AC3E}">
+        <p14:creationId xmlns:p14="http://schemas.microsoft.com/office/powerpoint/2010/main" val="547810519"/>
+      </p:ext>
+    </p:extLst>
+  </p:cSld>
+  <p:clrMapOvr>
+    <a:masterClrMapping/>
+  </p:clrMapOvr>
+</p:sldLayout>
+</file>
+
+<file path=ppt/slideLayouts/slideLayout21.xml><?xml version="1.0" encoding="utf-8"?>
+<p:sldLayout xmlns:a="http://schemas.openxmlformats.org/drawingml/2006/main" xmlns:r="http://schemas.openxmlformats.org/officeDocument/2006/relationships" xmlns:p="http://schemas.openxmlformats.org/presentationml/2006/main" showMasterSp="0" type="secHead" preserve="1">
+  <p:cSld name="Section Header">
+    <p:bg>
+      <p:bgPr>
+        <a:solidFill>
+          <a:schemeClr val="bg1"/>
+        </a:solidFill>
+        <a:effectLst/>
+      </p:bgPr>
+    </p:bg>
+    <p:spTree>
+      <p:nvGrpSpPr>
+        <p:cNvPr id="1" name=""/>
+        <p:cNvGrpSpPr/>
+        <p:nvPr/>
+      </p:nvGrpSpPr>
+      <p:grpSpPr>
+        <a:xfrm>
+          <a:off x="0" y="0"/>
+          <a:ext cx="0" cy="0"/>
+          <a:chOff x="0" y="0"/>
+          <a:chExt cx="0" cy="0"/>
+        </a:xfrm>
+      </p:grpSpPr>
+      <p:sp>
+        <p:nvSpPr>
+          <p:cNvPr id="10" name="Rectangle 9">
+            <a:extLst>
+              <a:ext uri="{FF2B5EF4-FFF2-40B4-BE49-F238E27FC236}">
+                <a16:creationId xmlns:a16="http://schemas.microsoft.com/office/drawing/2014/main" id="{A585C21A-8B93-4657-B5DF-7EAEAD3BE127}"/>
+              </a:ext>
+            </a:extLst>
+          </p:cNvPr>
+          <p:cNvSpPr/>
+          <p:nvPr/>
+        </p:nvSpPr>
+        <p:spPr>
+          <a:xfrm>
+            <a:off x="3175" y="6400800"/>
+            <a:ext cx="12188825" cy="457200"/>
+          </a:xfrm>
+          <a:prstGeom prst="rect">
+            <a:avLst/>
+          </a:prstGeom>
+          <a:solidFill>
+            <a:srgbClr val="262626"/>
+          </a:solidFill>
+          <a:ln>
+            <a:noFill/>
+          </a:ln>
+        </p:spPr>
+        <p:style>
+          <a:lnRef idx="2">
+            <a:schemeClr val="accent1">
+              <a:shade val="50000"/>
+            </a:schemeClr>
+          </a:lnRef>
+          <a:fillRef idx="1">
+            <a:schemeClr val="accent1"/>
+          </a:fillRef>
+          <a:effectRef idx="0">
+            <a:schemeClr val="accent1"/>
+          </a:effectRef>
+          <a:fontRef idx="minor">
+            <a:schemeClr val="lt1"/>
+          </a:fontRef>
+        </p:style>
+      </p:sp>
+      <p:sp>
+        <p:nvSpPr>
+          <p:cNvPr id="2" name="Title 1"/>
+          <p:cNvSpPr>
+            <a:spLocks noGrp="1"/>
+          </p:cNvSpPr>
+          <p:nvPr>
+            <p:ph type="title"/>
+          </p:nvPr>
+        </p:nvSpPr>
+        <p:spPr>
+          <a:xfrm>
+            <a:off x="1097280" y="758952"/>
+            <a:ext cx="10058400" cy="3566160"/>
+          </a:xfrm>
+        </p:spPr>
+        <p:txBody>
+          <a:bodyPr anchor="b" anchorCtr="0">
+            <a:normAutofit/>
+          </a:bodyPr>
+          <a:lstStyle>
+            <a:lvl1pPr>
+              <a:lnSpc>
+                <a:spcPct val="90000"/>
+              </a:lnSpc>
+              <a:defRPr sz="8000" b="0">
+                <a:solidFill>
+                  <a:schemeClr val="tx1">
+                    <a:lumMod val="85000"/>
+                    <a:lumOff val="15000"/>
+                  </a:schemeClr>
+                </a:solidFill>
+              </a:defRPr>
+            </a:lvl1pPr>
+          </a:lstStyle>
+          <a:p>
+            <a:r>
+              <a:rPr lang="en-US"/>
+              <a:t>Click to edit Master title style</a:t>
+            </a:r>
+            <a:endParaRPr lang="en-US" dirty="0"/>
+          </a:p>
+        </p:txBody>
+      </p:sp>
+      <p:sp>
+        <p:nvSpPr>
+          <p:cNvPr id="3" name="Text Placeholder 2"/>
+          <p:cNvSpPr>
+            <a:spLocks noGrp="1"/>
+          </p:cNvSpPr>
+          <p:nvPr>
+            <p:ph type="body" idx="1"/>
+          </p:nvPr>
+        </p:nvSpPr>
+        <p:spPr>
+          <a:xfrm>
+            <a:off x="1097280" y="4663440"/>
+            <a:ext cx="10058400" cy="1143000"/>
+          </a:xfrm>
+        </p:spPr>
+        <p:txBody>
+          <a:bodyPr lIns="91440" rIns="91440" anchor="t" anchorCtr="0">
+            <a:normAutofit/>
+          </a:bodyPr>
+          <a:lstStyle>
+            <a:lvl1pPr marL="0" indent="0">
+              <a:buNone/>
+              <a:defRPr sz="2400" cap="all" spc="200" baseline="0">
+                <a:solidFill>
+                  <a:schemeClr val="tx1"/>
+                </a:solidFill>
+                <a:latin typeface="+mn-lt"/>
+              </a:defRPr>
+            </a:lvl1pPr>
+            <a:lvl2pPr marL="457200" indent="0">
+              <a:buNone/>
+              <a:defRPr sz="1800">
+                <a:solidFill>
+                  <a:schemeClr val="tx1">
+                    <a:tint val="75000"/>
+                  </a:schemeClr>
+                </a:solidFill>
+              </a:defRPr>
+            </a:lvl2pPr>
+            <a:lvl3pPr marL="914400" indent="0">
+              <a:buNone/>
+              <a:defRPr sz="1600">
+                <a:solidFill>
+                  <a:schemeClr val="tx1">
+                    <a:tint val="75000"/>
+                  </a:schemeClr>
+                </a:solidFill>
+              </a:defRPr>
+            </a:lvl3pPr>
+            <a:lvl4pPr marL="1371600" indent="0">
+              <a:buNone/>
+              <a:defRPr sz="1400">
+                <a:solidFill>
+                  <a:schemeClr val="tx1">
+                    <a:tint val="75000"/>
+                  </a:schemeClr>
+                </a:solidFill>
+              </a:defRPr>
+            </a:lvl4pPr>
+            <a:lvl5pPr marL="1828800" indent="0">
+              <a:buNone/>
+              <a:defRPr sz="1400">
+                <a:solidFill>
+                  <a:schemeClr val="tx1">
+                    <a:tint val="75000"/>
+                  </a:schemeClr>
+                </a:solidFill>
+              </a:defRPr>
+            </a:lvl5pPr>
+            <a:lvl6pPr marL="2286000" indent="0">
+              <a:buNone/>
+              <a:defRPr sz="1400">
+                <a:solidFill>
+                  <a:schemeClr val="tx1">
+                    <a:tint val="75000"/>
+                  </a:schemeClr>
+                </a:solidFill>
+              </a:defRPr>
+            </a:lvl6pPr>
+            <a:lvl7pPr marL="2743200" indent="0">
+              <a:buNone/>
+              <a:defRPr sz="1400">
+                <a:solidFill>
+                  <a:schemeClr val="tx1">
+                    <a:tint val="75000"/>
+                  </a:schemeClr>
+                </a:solidFill>
+              </a:defRPr>
+            </a:lvl7pPr>
+            <a:lvl8pPr marL="3200400" indent="0">
+              <a:buNone/>
+              <a:defRPr sz="1400">
+                <a:solidFill>
+                  <a:schemeClr val="tx1">
+                    <a:tint val="75000"/>
+                  </a:schemeClr>
+                </a:solidFill>
+              </a:defRPr>
+            </a:lvl8pPr>
+            <a:lvl9pPr marL="3657600" indent="0">
+              <a:buNone/>
+              <a:defRPr sz="1400">
+                <a:solidFill>
+                  <a:schemeClr val="tx1">
+                    <a:tint val="75000"/>
+                  </a:schemeClr>
+                </a:solidFill>
+              </a:defRPr>
+            </a:lvl9pPr>
+          </a:lstStyle>
+          <a:p>
+            <a:pPr lvl="0"/>
+            <a:r>
+              <a:rPr lang="en-US"/>
+              <a:t>Click to edit Master text styles</a:t>
+            </a:r>
+          </a:p>
+        </p:txBody>
+      </p:sp>
+      <p:cxnSp>
+        <p:nvCxnSpPr>
+          <p:cNvPr id="9" name="Straight Connector 8">
+            <a:extLst>
+              <a:ext uri="{FF2B5EF4-FFF2-40B4-BE49-F238E27FC236}">
+                <a16:creationId xmlns:a16="http://schemas.microsoft.com/office/drawing/2014/main" id="{459DE2C1-4C52-40A3-8959-27B2C1BEBFF6}"/>
+              </a:ext>
+            </a:extLst>
+          </p:cNvPr>
+          <p:cNvCxnSpPr/>
+          <p:nvPr/>
+        </p:nvCxnSpPr>
+        <p:spPr>
+          <a:xfrm>
+            <a:off x="1207658" y="4485132"/>
+            <a:ext cx="9875520" cy="0"/>
+          </a:xfrm>
+          <a:prstGeom prst="line">
+            <a:avLst/>
+          </a:prstGeom>
+          <a:ln w="12700">
+            <a:solidFill>
+              <a:schemeClr val="tx1">
+                <a:lumMod val="75000"/>
+                <a:lumOff val="25000"/>
+              </a:schemeClr>
+            </a:solidFill>
+          </a:ln>
+        </p:spPr>
+        <p:style>
+          <a:lnRef idx="1">
+            <a:schemeClr val="accent1"/>
+          </a:lnRef>
+          <a:fillRef idx="0">
+            <a:schemeClr val="accent1"/>
+          </a:fillRef>
+          <a:effectRef idx="0">
+            <a:schemeClr val="accent1"/>
+          </a:effectRef>
+          <a:fontRef idx="minor">
+            <a:schemeClr val="tx1"/>
+          </a:fontRef>
+        </p:style>
+      </p:cxnSp>
+      <p:sp>
+        <p:nvSpPr>
+          <p:cNvPr id="7" name="Date Placeholder 6">
+            <a:extLst>
+              <a:ext uri="{FF2B5EF4-FFF2-40B4-BE49-F238E27FC236}">
+                <a16:creationId xmlns:a16="http://schemas.microsoft.com/office/drawing/2014/main" id="{AAF2E137-EC28-48F8-9198-1F02539029B6}"/>
+              </a:ext>
+            </a:extLst>
+          </p:cNvPr>
+          <p:cNvSpPr>
+            <a:spLocks noGrp="1"/>
+          </p:cNvSpPr>
+          <p:nvPr>
+            <p:ph type="dt" sz="half" idx="10"/>
+          </p:nvPr>
+        </p:nvSpPr>
+        <p:spPr/>
+        <p:txBody>
+          <a:bodyPr/>
+          <a:lstStyle/>
+          <a:p>
+            <a:fld id="{97669AF7-7BEB-44E4-9852-375E34362B5B}" type="datetime1">
+              <a:rPr lang="en-US" smtClean="0"/>
+              <a:t>6/28/2021</a:t>
+            </a:fld>
+            <a:endParaRPr lang="en-US" dirty="0"/>
+          </a:p>
+        </p:txBody>
+      </p:sp>
+      <p:sp>
+        <p:nvSpPr>
+          <p:cNvPr id="8" name="Footer Placeholder 7">
+            <a:extLst>
+              <a:ext uri="{FF2B5EF4-FFF2-40B4-BE49-F238E27FC236}">
+                <a16:creationId xmlns:a16="http://schemas.microsoft.com/office/drawing/2014/main" id="{189422CD-6F62-4DD6-89EF-07A60B42D219}"/>
+              </a:ext>
+            </a:extLst>
+          </p:cNvPr>
+          <p:cNvSpPr>
+            <a:spLocks noGrp="1"/>
+          </p:cNvSpPr>
+          <p:nvPr>
+            <p:ph type="ftr" sz="quarter" idx="11"/>
+          </p:nvPr>
+        </p:nvSpPr>
+        <p:spPr/>
+        <p:txBody>
+          <a:bodyPr/>
+          <a:lstStyle/>
+          <a:p>
+            <a:endParaRPr lang="en-US" dirty="0"/>
+          </a:p>
+        </p:txBody>
+      </p:sp>
+      <p:sp>
+        <p:nvSpPr>
+          <p:cNvPr id="11" name="Slide Number Placeholder 10">
+            <a:extLst>
+              <a:ext uri="{FF2B5EF4-FFF2-40B4-BE49-F238E27FC236}">
+                <a16:creationId xmlns:a16="http://schemas.microsoft.com/office/drawing/2014/main" id="{69C6AFF8-42B4-4D05-969B-9F5FB3355555}"/>
+              </a:ext>
+            </a:extLst>
+          </p:cNvPr>
+          <p:cNvSpPr>
+            <a:spLocks noGrp="1"/>
+          </p:cNvSpPr>
+          <p:nvPr>
+            <p:ph type="sldNum" sz="quarter" idx="12"/>
+          </p:nvPr>
+        </p:nvSpPr>
+        <p:spPr/>
+        <p:txBody>
+          <a:bodyPr/>
+          <a:lstStyle/>
+          <a:p>
+            <a:fld id="{3A98EE3D-8CD1-4C3F-BD1C-C98C9596463C}" type="slidenum">
+              <a:rPr lang="en-US" smtClean="0"/>
+              <a:t>‹#›</a:t>
+            </a:fld>
+            <a:endParaRPr lang="en-US" dirty="0"/>
+          </a:p>
+        </p:txBody>
+      </p:sp>
+    </p:spTree>
+    <p:extLst>
+      <p:ext uri="{BB962C8B-B14F-4D97-AF65-F5344CB8AC3E}">
+        <p14:creationId xmlns:p14="http://schemas.microsoft.com/office/powerpoint/2010/main" val="4045462773"/>
+      </p:ext>
+    </p:extLst>
+  </p:cSld>
+  <p:clrMapOvr>
+    <a:masterClrMapping/>
+  </p:clrMapOvr>
+</p:sldLayout>
+</file>
+
+<file path=ppt/slideLayouts/slideLayout22.xml><?xml version="1.0" encoding="utf-8"?>
+<p:sldLayout xmlns:a="http://schemas.openxmlformats.org/drawingml/2006/main" xmlns:r="http://schemas.openxmlformats.org/officeDocument/2006/relationships" xmlns:p="http://schemas.openxmlformats.org/presentationml/2006/main" type="twoObj" preserve="1">
+  <p:cSld name="Two Content">
+    <p:spTree>
+      <p:nvGrpSpPr>
+        <p:cNvPr id="1" name=""/>
+        <p:cNvGrpSpPr/>
+        <p:nvPr/>
+      </p:nvGrpSpPr>
+      <p:grpSpPr>
+        <a:xfrm>
+          <a:off x="0" y="0"/>
+          <a:ext cx="0" cy="0"/>
+          <a:chOff x="0" y="0"/>
+          <a:chExt cx="0" cy="0"/>
+        </a:xfrm>
+      </p:grpSpPr>
+      <p:sp>
+        <p:nvSpPr>
+          <p:cNvPr id="8" name="Title 7"/>
+          <p:cNvSpPr>
+            <a:spLocks noGrp="1"/>
+          </p:cNvSpPr>
+          <p:nvPr>
+            <p:ph type="title"/>
+          </p:nvPr>
+        </p:nvSpPr>
+        <p:spPr>
+          <a:xfrm>
+            <a:off x="1097280" y="286603"/>
+            <a:ext cx="10058400" cy="1450757"/>
+          </a:xfrm>
+        </p:spPr>
+        <p:txBody>
+          <a:bodyPr/>
+          <a:lstStyle/>
+          <a:p>
+            <a:r>
+              <a:rPr lang="en-US"/>
+              <a:t>Click to edit Master title style</a:t>
+            </a:r>
+            <a:endParaRPr lang="en-US" dirty="0"/>
+          </a:p>
+        </p:txBody>
+      </p:sp>
+      <p:sp>
+        <p:nvSpPr>
+          <p:cNvPr id="3" name="Content Placeholder 2"/>
+          <p:cNvSpPr>
+            <a:spLocks noGrp="1"/>
+          </p:cNvSpPr>
+          <p:nvPr>
+            <p:ph sz="half" idx="1"/>
+          </p:nvPr>
+        </p:nvSpPr>
+        <p:spPr>
+          <a:xfrm>
+            <a:off x="1097280" y="2120900"/>
+            <a:ext cx="4639736" cy="3748193"/>
+          </a:xfrm>
+        </p:spPr>
+        <p:txBody>
+          <a:bodyPr/>
+          <a:lstStyle/>
+          <a:p>
+            <a:pPr lvl="0"/>
+            <a:r>
+              <a:rPr lang="en-US"/>
+              <a:t>Click to edit Master text styles</a:t>
+            </a:r>
+          </a:p>
+          <a:p>
+            <a:pPr lvl="1"/>
+            <a:r>
+              <a:rPr lang="en-US"/>
+              <a:t>Second level</a:t>
+            </a:r>
+          </a:p>
+          <a:p>
+            <a:pPr lvl="2"/>
+            <a:r>
+              <a:rPr lang="en-US"/>
+              <a:t>Third level</a:t>
+            </a:r>
+          </a:p>
+          <a:p>
+            <a:pPr lvl="3"/>
+            <a:r>
+              <a:rPr lang="en-US"/>
+              <a:t>Fourth level</a:t>
+            </a:r>
+          </a:p>
+          <a:p>
+            <a:pPr lvl="4"/>
+            <a:r>
+              <a:rPr lang="en-US"/>
+              <a:t>Fifth level</a:t>
+            </a:r>
+            <a:endParaRPr lang="en-US" dirty="0"/>
+          </a:p>
+        </p:txBody>
+      </p:sp>
+      <p:sp>
+        <p:nvSpPr>
+          <p:cNvPr id="4" name="Content Placeholder 3"/>
+          <p:cNvSpPr>
+            <a:spLocks noGrp="1"/>
+          </p:cNvSpPr>
+          <p:nvPr>
+            <p:ph sz="half" idx="2"/>
+          </p:nvPr>
+        </p:nvSpPr>
+        <p:spPr>
+          <a:xfrm>
+            <a:off x="6515944" y="2120900"/>
+            <a:ext cx="4639736" cy="3748194"/>
+          </a:xfrm>
+        </p:spPr>
+        <p:txBody>
+          <a:bodyPr/>
+          <a:lstStyle/>
+          <a:p>
+            <a:pPr lvl="0"/>
+            <a:r>
+              <a:rPr lang="en-US"/>
+              <a:t>Click to edit Master text styles</a:t>
+            </a:r>
+          </a:p>
+          <a:p>
+            <a:pPr lvl="1"/>
+            <a:r>
+              <a:rPr lang="en-US"/>
+              <a:t>Second level</a:t>
+            </a:r>
+          </a:p>
+          <a:p>
+            <a:pPr lvl="2"/>
+            <a:r>
+              <a:rPr lang="en-US"/>
+              <a:t>Third level</a:t>
+            </a:r>
+          </a:p>
+          <a:p>
+            <a:pPr lvl="3"/>
+            <a:r>
+              <a:rPr lang="en-US"/>
+              <a:t>Fourth level</a:t>
+            </a:r>
+          </a:p>
+          <a:p>
+            <a:pPr lvl="4"/>
+            <a:r>
+              <a:rPr lang="en-US"/>
+              <a:t>Fifth level</a:t>
+            </a:r>
+            <a:endParaRPr lang="en-US" dirty="0"/>
+          </a:p>
+        </p:txBody>
+      </p:sp>
+      <p:sp>
+        <p:nvSpPr>
+          <p:cNvPr id="2" name="Date Placeholder 1">
+            <a:extLst>
+              <a:ext uri="{FF2B5EF4-FFF2-40B4-BE49-F238E27FC236}">
+                <a16:creationId xmlns:a16="http://schemas.microsoft.com/office/drawing/2014/main" id="{5782D47D-B0DC-4C40-BCC6-BBBA32584A38}"/>
+              </a:ext>
+            </a:extLst>
+          </p:cNvPr>
+          <p:cNvSpPr>
+            <a:spLocks noGrp="1"/>
+          </p:cNvSpPr>
+          <p:nvPr>
+            <p:ph type="dt" sz="half" idx="10"/>
+          </p:nvPr>
+        </p:nvSpPr>
+        <p:spPr/>
+        <p:txBody>
+          <a:bodyPr/>
+          <a:lstStyle/>
+          <a:p>
+            <a:fld id="{BAAAC38D-0552-4C82-B593-E6124DFADBE2}" type="datetime1">
+              <a:rPr lang="en-US" smtClean="0"/>
+              <a:t>6/28/2021</a:t>
+            </a:fld>
+            <a:endParaRPr lang="en-US" dirty="0"/>
+          </a:p>
+        </p:txBody>
+      </p:sp>
+      <p:sp>
+        <p:nvSpPr>
+          <p:cNvPr id="9" name="Footer Placeholder 8">
+            <a:extLst>
+              <a:ext uri="{FF2B5EF4-FFF2-40B4-BE49-F238E27FC236}">
+                <a16:creationId xmlns:a16="http://schemas.microsoft.com/office/drawing/2014/main" id="{4690D34E-7EBD-44B2-83CA-4C126A18D7EF}"/>
+              </a:ext>
+            </a:extLst>
+          </p:cNvPr>
+          <p:cNvSpPr>
+            <a:spLocks noGrp="1"/>
+          </p:cNvSpPr>
+          <p:nvPr>
+            <p:ph type="ftr" sz="quarter" idx="11"/>
+          </p:nvPr>
+        </p:nvSpPr>
+        <p:spPr/>
+        <p:txBody>
+          <a:bodyPr/>
+          <a:lstStyle/>
+          <a:p>
+            <a:endParaRPr lang="en-US" dirty="0"/>
+          </a:p>
+        </p:txBody>
+      </p:sp>
+      <p:sp>
+        <p:nvSpPr>
+          <p:cNvPr id="10" name="Slide Number Placeholder 9">
+            <a:extLst>
+              <a:ext uri="{FF2B5EF4-FFF2-40B4-BE49-F238E27FC236}">
+                <a16:creationId xmlns:a16="http://schemas.microsoft.com/office/drawing/2014/main" id="{2AC511A1-9BBD-42DE-92FB-2AF44F8E97A9}"/>
+              </a:ext>
+            </a:extLst>
+          </p:cNvPr>
+          <p:cNvSpPr>
+            <a:spLocks noGrp="1"/>
+          </p:cNvSpPr>
+          <p:nvPr>
+            <p:ph type="sldNum" sz="quarter" idx="12"/>
+          </p:nvPr>
+        </p:nvSpPr>
+        <p:spPr/>
+        <p:txBody>
+          <a:bodyPr/>
+          <a:lstStyle/>
+          <a:p>
+            <a:fld id="{3A98EE3D-8CD1-4C3F-BD1C-C98C9596463C}" type="slidenum">
+              <a:rPr lang="en-US" smtClean="0"/>
+              <a:t>‹#›</a:t>
+            </a:fld>
+            <a:endParaRPr lang="en-US" dirty="0"/>
+          </a:p>
+        </p:txBody>
+      </p:sp>
+    </p:spTree>
+    <p:extLst>
+      <p:ext uri="{BB962C8B-B14F-4D97-AF65-F5344CB8AC3E}">
+        <p14:creationId xmlns:p14="http://schemas.microsoft.com/office/powerpoint/2010/main" val="518222537"/>
+      </p:ext>
+    </p:extLst>
+  </p:cSld>
+  <p:clrMapOvr>
+    <a:masterClrMapping/>
+  </p:clrMapOvr>
+</p:sldLayout>
+</file>
+
+<file path=ppt/slideLayouts/slideLayout23.xml><?xml version="1.0" encoding="utf-8"?>
+<p:sldLayout xmlns:a="http://schemas.openxmlformats.org/drawingml/2006/main" xmlns:r="http://schemas.openxmlformats.org/officeDocument/2006/relationships" xmlns:p="http://schemas.openxmlformats.org/presentationml/2006/main" type="twoTxTwoObj" preserve="1">
+  <p:cSld name="Comparison">
+    <p:spTree>
+      <p:nvGrpSpPr>
+        <p:cNvPr id="1" name=""/>
+        <p:cNvGrpSpPr/>
+        <p:nvPr/>
+      </p:nvGrpSpPr>
+      <p:grpSpPr>
+        <a:xfrm>
+          <a:off x="0" y="0"/>
+          <a:ext cx="0" cy="0"/>
+          <a:chOff x="0" y="0"/>
+          <a:chExt cx="0" cy="0"/>
+        </a:xfrm>
+      </p:grpSpPr>
+      <p:sp>
+        <p:nvSpPr>
+          <p:cNvPr id="10" name="Title 9"/>
+          <p:cNvSpPr>
+            <a:spLocks noGrp="1"/>
+          </p:cNvSpPr>
+          <p:nvPr>
+            <p:ph type="title"/>
+          </p:nvPr>
+        </p:nvSpPr>
+        <p:spPr>
+          <a:xfrm>
+            <a:off x="1097280" y="286603"/>
+            <a:ext cx="10058400" cy="1450757"/>
+          </a:xfrm>
+        </p:spPr>
+        <p:txBody>
+          <a:bodyPr/>
+          <a:lstStyle/>
+          <a:p>
+            <a:r>
+              <a:rPr lang="en-US"/>
+              <a:t>Click to edit Master title style</a:t>
+            </a:r>
+            <a:endParaRPr lang="en-US" dirty="0"/>
+          </a:p>
+        </p:txBody>
+      </p:sp>
+      <p:sp>
+        <p:nvSpPr>
+          <p:cNvPr id="3" name="Text Placeholder 2"/>
+          <p:cNvSpPr>
+            <a:spLocks noGrp="1"/>
+          </p:cNvSpPr>
+          <p:nvPr>
+            <p:ph type="body" idx="1"/>
+          </p:nvPr>
+        </p:nvSpPr>
+        <p:spPr>
+          <a:xfrm>
+            <a:off x="1097280" y="2057400"/>
+            <a:ext cx="4639736" cy="736282"/>
+          </a:xfrm>
+        </p:spPr>
+        <p:txBody>
+          <a:bodyPr lIns="91440" rIns="91440" anchor="ctr">
+            <a:normAutofit/>
+          </a:bodyPr>
+          <a:lstStyle>
+            <a:lvl1pPr marL="0" indent="0">
+              <a:buNone/>
+              <a:defRPr sz="2000" b="0" cap="all" baseline="0">
+                <a:solidFill>
+                  <a:schemeClr val="tx1"/>
+                </a:solidFill>
+              </a:defRPr>
+            </a:lvl1pPr>
+            <a:lvl2pPr marL="457200" indent="0">
+              <a:buNone/>
+              <a:defRPr sz="2000" b="1"/>
+            </a:lvl2pPr>
+            <a:lvl3pPr marL="914400" indent="0">
+              <a:buNone/>
+              <a:defRPr sz="1800" b="1"/>
+            </a:lvl3pPr>
+            <a:lvl4pPr marL="1371600" indent="0">
+              <a:buNone/>
+              <a:defRPr sz="1600" b="1"/>
+            </a:lvl4pPr>
+            <a:lvl5pPr marL="1828800" indent="0">
+              <a:buNone/>
+              <a:defRPr sz="1600" b="1"/>
+            </a:lvl5pPr>
+            <a:lvl6pPr marL="2286000" indent="0">
+              <a:buNone/>
+              <a:defRPr sz="1600" b="1"/>
+            </a:lvl6pPr>
+            <a:lvl7pPr marL="2743200" indent="0">
+              <a:buNone/>
+              <a:defRPr sz="1600" b="1"/>
+            </a:lvl7pPr>
+            <a:lvl8pPr marL="3200400" indent="0">
+              <a:buNone/>
+              <a:defRPr sz="1600" b="1"/>
+            </a:lvl8pPr>
+            <a:lvl9pPr marL="3657600" indent="0">
+              <a:buNone/>
+              <a:defRPr sz="1600" b="1"/>
+            </a:lvl9pPr>
+          </a:lstStyle>
+          <a:p>
+            <a:pPr lvl="0"/>
+            <a:r>
+              <a:rPr lang="en-US"/>
+              <a:t>Click to edit Master text styles</a:t>
+            </a:r>
+          </a:p>
+        </p:txBody>
+      </p:sp>
+      <p:sp>
+        <p:nvSpPr>
+          <p:cNvPr id="4" name="Content Placeholder 3"/>
+          <p:cNvSpPr>
+            <a:spLocks noGrp="1"/>
+          </p:cNvSpPr>
+          <p:nvPr>
+            <p:ph sz="half" idx="2"/>
+          </p:nvPr>
+        </p:nvSpPr>
+        <p:spPr>
+          <a:xfrm>
+            <a:off x="1097280" y="2958274"/>
+            <a:ext cx="4639736" cy="2910821"/>
+          </a:xfrm>
+        </p:spPr>
+        <p:txBody>
+          <a:bodyPr/>
+          <a:lstStyle/>
+          <a:p>
+            <a:pPr lvl="0"/>
+            <a:r>
+              <a:rPr lang="en-US"/>
+              <a:t>Click to edit Master text styles</a:t>
+            </a:r>
+          </a:p>
+          <a:p>
+            <a:pPr lvl="1"/>
+            <a:r>
+              <a:rPr lang="en-US"/>
+              <a:t>Second level</a:t>
+            </a:r>
+          </a:p>
+          <a:p>
+            <a:pPr lvl="2"/>
+            <a:r>
+              <a:rPr lang="en-US"/>
+              <a:t>Third level</a:t>
+            </a:r>
+          </a:p>
+          <a:p>
+            <a:pPr lvl="3"/>
+            <a:r>
+              <a:rPr lang="en-US"/>
+              <a:t>Fourth level</a:t>
+            </a:r>
+          </a:p>
+          <a:p>
+            <a:pPr lvl="4"/>
+            <a:r>
+              <a:rPr lang="en-US"/>
+              <a:t>Fifth level</a:t>
+            </a:r>
+            <a:endParaRPr lang="en-US" dirty="0"/>
+          </a:p>
+        </p:txBody>
+      </p:sp>
+      <p:sp>
+        <p:nvSpPr>
+          <p:cNvPr id="5" name="Text Placeholder 4"/>
+          <p:cNvSpPr>
+            <a:spLocks noGrp="1"/>
+          </p:cNvSpPr>
+          <p:nvPr>
+            <p:ph type="body" sz="quarter" idx="3"/>
+          </p:nvPr>
+        </p:nvSpPr>
+        <p:spPr>
+          <a:xfrm>
+            <a:off x="6515944" y="2057400"/>
+            <a:ext cx="4639736" cy="736282"/>
+          </a:xfrm>
+        </p:spPr>
+        <p:txBody>
+          <a:bodyPr lIns="91440" rIns="91440" anchor="ctr">
+            <a:normAutofit/>
+          </a:bodyPr>
+          <a:lstStyle>
+            <a:lvl1pPr marL="0" indent="0">
+              <a:buNone/>
+              <a:defRPr sz="2000" b="0" cap="all" baseline="0">
+                <a:solidFill>
+                  <a:schemeClr val="tx1"/>
+                </a:solidFill>
+              </a:defRPr>
+            </a:lvl1pPr>
+            <a:lvl2pPr marL="457200" indent="0">
+              <a:buNone/>
+              <a:defRPr sz="2000" b="1"/>
+            </a:lvl2pPr>
+            <a:lvl3pPr marL="914400" indent="0">
+              <a:buNone/>
+              <a:defRPr sz="1800" b="1"/>
+            </a:lvl3pPr>
+            <a:lvl4pPr marL="1371600" indent="0">
+              <a:buNone/>
+              <a:defRPr sz="1600" b="1"/>
+            </a:lvl4pPr>
+            <a:lvl5pPr marL="1828800" indent="0">
+              <a:buNone/>
+              <a:defRPr sz="1600" b="1"/>
+            </a:lvl5pPr>
+            <a:lvl6pPr marL="2286000" indent="0">
+              <a:buNone/>
+              <a:defRPr sz="1600" b="1"/>
+            </a:lvl6pPr>
+            <a:lvl7pPr marL="2743200" indent="0">
+              <a:buNone/>
+              <a:defRPr sz="1600" b="1"/>
+            </a:lvl7pPr>
+            <a:lvl8pPr marL="3200400" indent="0">
+              <a:buNone/>
+              <a:defRPr sz="1600" b="1"/>
+            </a:lvl8pPr>
+            <a:lvl9pPr marL="3657600" indent="0">
+              <a:buNone/>
+              <a:defRPr sz="1600" b="1"/>
+            </a:lvl9pPr>
+          </a:lstStyle>
+          <a:p>
+            <a:pPr lvl="0"/>
+            <a:r>
+              <a:rPr lang="en-US"/>
+              <a:t>Click to edit Master text styles</a:t>
+            </a:r>
+          </a:p>
+        </p:txBody>
+      </p:sp>
+      <p:sp>
+        <p:nvSpPr>
+          <p:cNvPr id="6" name="Content Placeholder 5"/>
+          <p:cNvSpPr>
+            <a:spLocks noGrp="1"/>
+          </p:cNvSpPr>
+          <p:nvPr>
+            <p:ph sz="quarter" idx="4"/>
+          </p:nvPr>
+        </p:nvSpPr>
+        <p:spPr>
+          <a:xfrm>
+            <a:off x="6515944" y="2958273"/>
+            <a:ext cx="4639736" cy="2910821"/>
+          </a:xfrm>
+        </p:spPr>
+        <p:txBody>
+          <a:bodyPr/>
+          <a:lstStyle/>
+          <a:p>
+            <a:pPr lvl="0"/>
+            <a:r>
+              <a:rPr lang="en-US"/>
+              <a:t>Click to edit Master text styles</a:t>
+            </a:r>
+          </a:p>
+          <a:p>
+            <a:pPr lvl="1"/>
+            <a:r>
+              <a:rPr lang="en-US"/>
+              <a:t>Second level</a:t>
+            </a:r>
+          </a:p>
+          <a:p>
+            <a:pPr lvl="2"/>
+            <a:r>
+              <a:rPr lang="en-US"/>
+              <a:t>Third level</a:t>
+            </a:r>
+          </a:p>
+          <a:p>
+            <a:pPr lvl="3"/>
+            <a:r>
+              <a:rPr lang="en-US"/>
+              <a:t>Fourth level</a:t>
+            </a:r>
+          </a:p>
+          <a:p>
+            <a:pPr lvl="4"/>
+            <a:r>
+              <a:rPr lang="en-US"/>
+              <a:t>Fifth level</a:t>
+            </a:r>
+            <a:endParaRPr lang="en-US" dirty="0"/>
+          </a:p>
+        </p:txBody>
+      </p:sp>
+      <p:sp>
+        <p:nvSpPr>
+          <p:cNvPr id="2" name="Date Placeholder 1">
+            <a:extLst>
+              <a:ext uri="{FF2B5EF4-FFF2-40B4-BE49-F238E27FC236}">
+                <a16:creationId xmlns:a16="http://schemas.microsoft.com/office/drawing/2014/main" id="{8AF8A515-AA94-45D1-9223-5C2272618D85}"/>
+              </a:ext>
+            </a:extLst>
+          </p:cNvPr>
+          <p:cNvSpPr>
+            <a:spLocks noGrp="1"/>
+          </p:cNvSpPr>
+          <p:nvPr>
+            <p:ph type="dt" sz="half" idx="10"/>
+          </p:nvPr>
+        </p:nvSpPr>
+        <p:spPr/>
+        <p:txBody>
+          <a:bodyPr/>
+          <a:lstStyle/>
+          <a:p>
+            <a:fld id="{D9DF0F1C-5577-4ACB-BB62-DF8F3C494C7E}" type="datetime1">
+              <a:rPr lang="en-US" smtClean="0"/>
+              <a:t>6/28/2021</a:t>
+            </a:fld>
+            <a:endParaRPr lang="en-US" dirty="0"/>
+          </a:p>
+        </p:txBody>
+      </p:sp>
+      <p:sp>
+        <p:nvSpPr>
+          <p:cNvPr id="11" name="Footer Placeholder 10">
+            <a:extLst>
+              <a:ext uri="{FF2B5EF4-FFF2-40B4-BE49-F238E27FC236}">
+                <a16:creationId xmlns:a16="http://schemas.microsoft.com/office/drawing/2014/main" id="{D052F5BC-98E0-4D60-AD67-9547738B7DD4}"/>
+              </a:ext>
+            </a:extLst>
+          </p:cNvPr>
+          <p:cNvSpPr>
+            <a:spLocks noGrp="1"/>
+          </p:cNvSpPr>
+          <p:nvPr>
+            <p:ph type="ftr" sz="quarter" idx="11"/>
+          </p:nvPr>
+        </p:nvSpPr>
+        <p:spPr/>
+        <p:txBody>
+          <a:bodyPr/>
+          <a:lstStyle/>
+          <a:p>
+            <a:endParaRPr lang="en-US" dirty="0"/>
+          </a:p>
+        </p:txBody>
+      </p:sp>
+      <p:sp>
+        <p:nvSpPr>
+          <p:cNvPr id="12" name="Slide Number Placeholder 11">
+            <a:extLst>
+              <a:ext uri="{FF2B5EF4-FFF2-40B4-BE49-F238E27FC236}">
+                <a16:creationId xmlns:a16="http://schemas.microsoft.com/office/drawing/2014/main" id="{A38552DC-952E-41EA-AAAF-C2187523C0B0}"/>
+              </a:ext>
+            </a:extLst>
+          </p:cNvPr>
+          <p:cNvSpPr>
+            <a:spLocks noGrp="1"/>
+          </p:cNvSpPr>
+          <p:nvPr>
+            <p:ph type="sldNum" sz="quarter" idx="12"/>
+          </p:nvPr>
+        </p:nvSpPr>
+        <p:spPr/>
+        <p:txBody>
+          <a:bodyPr/>
+          <a:lstStyle/>
+          <a:p>
+            <a:fld id="{3A98EE3D-8CD1-4C3F-BD1C-C98C9596463C}" type="slidenum">
+              <a:rPr lang="en-US" smtClean="0"/>
+              <a:t>‹#›</a:t>
+            </a:fld>
+            <a:endParaRPr lang="en-US" dirty="0"/>
+          </a:p>
+        </p:txBody>
+      </p:sp>
+    </p:spTree>
+    <p:extLst>
+      <p:ext uri="{BB962C8B-B14F-4D97-AF65-F5344CB8AC3E}">
+        <p14:creationId xmlns:p14="http://schemas.microsoft.com/office/powerpoint/2010/main" val="4091346313"/>
+      </p:ext>
+    </p:extLst>
+  </p:cSld>
+  <p:clrMapOvr>
+    <a:masterClrMapping/>
+  </p:clrMapOvr>
+</p:sldLayout>
+</file>
+
+<file path=ppt/slideLayouts/slideLayout24.xml><?xml version="1.0" encoding="utf-8"?>
+<p:sldLayout xmlns:a="http://schemas.openxmlformats.org/drawingml/2006/main" xmlns:r="http://schemas.openxmlformats.org/officeDocument/2006/relationships" xmlns:p="http://schemas.openxmlformats.org/presentationml/2006/main" type="titleOnly" preserve="1">
+  <p:cSld name="Title Only">
+    <p:spTree>
+      <p:nvGrpSpPr>
+        <p:cNvPr id="1" name=""/>
+        <p:cNvGrpSpPr/>
+        <p:nvPr/>
+      </p:nvGrpSpPr>
+      <p:grpSpPr>
+        <a:xfrm>
+          <a:off x="0" y="0"/>
+          <a:ext cx="0" cy="0"/>
+          <a:chOff x="0" y="0"/>
+          <a:chExt cx="0" cy="0"/>
+        </a:xfrm>
+      </p:grpSpPr>
+      <p:sp>
+        <p:nvSpPr>
+          <p:cNvPr id="2" name="Title 1"/>
+          <p:cNvSpPr>
+            <a:spLocks noGrp="1"/>
+          </p:cNvSpPr>
+          <p:nvPr>
+            <p:ph type="title"/>
+          </p:nvPr>
+        </p:nvSpPr>
+        <p:spPr/>
+        <p:txBody>
+          <a:bodyPr/>
+          <a:lstStyle/>
+          <a:p>
+            <a:r>
+              <a:rPr lang="en-US"/>
+              <a:t>Click to edit Master title style</a:t>
+            </a:r>
+            <a:endParaRPr lang="en-US" dirty="0"/>
+          </a:p>
+        </p:txBody>
+      </p:sp>
+      <p:sp>
+        <p:nvSpPr>
+          <p:cNvPr id="6" name="Date Placeholder 5">
+            <a:extLst>
+              <a:ext uri="{FF2B5EF4-FFF2-40B4-BE49-F238E27FC236}">
+                <a16:creationId xmlns:a16="http://schemas.microsoft.com/office/drawing/2014/main" id="{7392073F-158F-44A3-8913-917AFFC1BC20}"/>
+              </a:ext>
+            </a:extLst>
+          </p:cNvPr>
+          <p:cNvSpPr>
+            <a:spLocks noGrp="1"/>
+          </p:cNvSpPr>
+          <p:nvPr>
+            <p:ph type="dt" sz="half" idx="10"/>
+          </p:nvPr>
+        </p:nvSpPr>
+        <p:spPr/>
+        <p:txBody>
+          <a:bodyPr/>
+          <a:lstStyle/>
+          <a:p>
+            <a:fld id="{1775B394-D9F9-4F0C-B15D-605F45CB9E9F}" type="datetime1">
+              <a:rPr lang="en-US" smtClean="0"/>
+              <a:t>6/28/2021</a:t>
+            </a:fld>
+            <a:endParaRPr lang="en-US" dirty="0"/>
+          </a:p>
+        </p:txBody>
+      </p:sp>
+      <p:sp>
+        <p:nvSpPr>
+          <p:cNvPr id="7" name="Footer Placeholder 6">
+            <a:extLst>
+              <a:ext uri="{FF2B5EF4-FFF2-40B4-BE49-F238E27FC236}">
+                <a16:creationId xmlns:a16="http://schemas.microsoft.com/office/drawing/2014/main" id="{EED72207-24CA-42B7-A975-2F8E41CBA904}"/>
+              </a:ext>
+            </a:extLst>
+          </p:cNvPr>
+          <p:cNvSpPr>
+            <a:spLocks noGrp="1"/>
+          </p:cNvSpPr>
+          <p:nvPr>
+            <p:ph type="ftr" sz="quarter" idx="11"/>
+          </p:nvPr>
+        </p:nvSpPr>
+        <p:spPr/>
+        <p:txBody>
+          <a:bodyPr/>
+          <a:lstStyle/>
+          <a:p>
+            <a:endParaRPr lang="en-US" dirty="0"/>
+          </a:p>
+        </p:txBody>
+      </p:sp>
+      <p:sp>
+        <p:nvSpPr>
+          <p:cNvPr id="8" name="Slide Number Placeholder 7">
+            <a:extLst>
+              <a:ext uri="{FF2B5EF4-FFF2-40B4-BE49-F238E27FC236}">
+                <a16:creationId xmlns:a16="http://schemas.microsoft.com/office/drawing/2014/main" id="{D01080F2-251A-4B88-9A62-16F46D724F83}"/>
+              </a:ext>
+            </a:extLst>
+          </p:cNvPr>
+          <p:cNvSpPr>
+            <a:spLocks noGrp="1"/>
+          </p:cNvSpPr>
+          <p:nvPr>
+            <p:ph type="sldNum" sz="quarter" idx="12"/>
+          </p:nvPr>
+        </p:nvSpPr>
+        <p:spPr/>
+        <p:txBody>
+          <a:bodyPr/>
+          <a:lstStyle/>
+          <a:p>
+            <a:fld id="{3A98EE3D-8CD1-4C3F-BD1C-C98C9596463C}" type="slidenum">
+              <a:rPr lang="en-US" smtClean="0"/>
+              <a:t>‹#›</a:t>
+            </a:fld>
+            <a:endParaRPr lang="en-US" dirty="0"/>
+          </a:p>
+        </p:txBody>
+      </p:sp>
+    </p:spTree>
+    <p:extLst>
+      <p:ext uri="{BB962C8B-B14F-4D97-AF65-F5344CB8AC3E}">
+        <p14:creationId xmlns:p14="http://schemas.microsoft.com/office/powerpoint/2010/main" val="1687198065"/>
+      </p:ext>
+    </p:extLst>
+  </p:cSld>
+  <p:clrMapOvr>
+    <a:masterClrMapping/>
+  </p:clrMapOvr>
+</p:sldLayout>
+</file>
+
+<file path=ppt/slideLayouts/slideLayout25.xml><?xml version="1.0" encoding="utf-8"?>
+<p:sldLayout xmlns:a="http://schemas.openxmlformats.org/drawingml/2006/main" xmlns:r="http://schemas.openxmlformats.org/officeDocument/2006/relationships" xmlns:p="http://schemas.openxmlformats.org/presentationml/2006/main" showMasterSp="0" type="blank" preserve="1">
+  <p:cSld name="Blank">
+    <p:spTree>
+      <p:nvGrpSpPr>
+        <p:cNvPr id="1" name=""/>
+        <p:cNvGrpSpPr/>
+        <p:nvPr/>
+      </p:nvGrpSpPr>
+      <p:grpSpPr>
+        <a:xfrm>
+          <a:off x="0" y="0"/>
+          <a:ext cx="0" cy="0"/>
+          <a:chOff x="0" y="0"/>
+          <a:chExt cx="0" cy="0"/>
+        </a:xfrm>
+      </p:grpSpPr>
+      <p:sp>
+        <p:nvSpPr>
+          <p:cNvPr id="10" name="Rectangle 9">
+            <a:extLst>
+              <a:ext uri="{FF2B5EF4-FFF2-40B4-BE49-F238E27FC236}">
+                <a16:creationId xmlns:a16="http://schemas.microsoft.com/office/drawing/2014/main" id="{A8E9C91B-7EAD-4562-AB0E-DFB9663AECE3}"/>
+              </a:ext>
+            </a:extLst>
+          </p:cNvPr>
+          <p:cNvSpPr/>
+          <p:nvPr/>
+        </p:nvSpPr>
+        <p:spPr>
+          <a:xfrm>
+            <a:off x="3175" y="6400800"/>
+            <a:ext cx="12188825" cy="457200"/>
+          </a:xfrm>
+          <a:prstGeom prst="rect">
+            <a:avLst/>
+          </a:prstGeom>
+          <a:solidFill>
+            <a:srgbClr val="262626"/>
+          </a:solidFill>
+          <a:ln>
+            <a:noFill/>
+          </a:ln>
+        </p:spPr>
+        <p:style>
+          <a:lnRef idx="2">
+            <a:schemeClr val="accent1">
+              <a:shade val="50000"/>
+            </a:schemeClr>
+          </a:lnRef>
+          <a:fillRef idx="1">
+            <a:schemeClr val="accent1"/>
+          </a:fillRef>
+          <a:effectRef idx="0">
+            <a:schemeClr val="accent1"/>
+          </a:effectRef>
+          <a:fontRef idx="minor">
+            <a:schemeClr val="lt1"/>
+          </a:fontRef>
+        </p:style>
+      </p:sp>
+      <p:sp>
+        <p:nvSpPr>
+          <p:cNvPr id="2" name="Date Placeholder 1">
+            <a:extLst>
+              <a:ext uri="{FF2B5EF4-FFF2-40B4-BE49-F238E27FC236}">
+                <a16:creationId xmlns:a16="http://schemas.microsoft.com/office/drawing/2014/main" id="{94E9223F-721F-47BF-9FD5-0F8D12FF0DE1}"/>
+              </a:ext>
+            </a:extLst>
+          </p:cNvPr>
+          <p:cNvSpPr>
+            <a:spLocks noGrp="1"/>
+          </p:cNvSpPr>
+          <p:nvPr>
+            <p:ph type="dt" sz="half" idx="10"/>
+          </p:nvPr>
+        </p:nvSpPr>
+        <p:spPr/>
+        <p:txBody>
+          <a:bodyPr/>
+          <a:lstStyle/>
+          <a:p>
+            <a:fld id="{39667345-2558-425A-8533-9BFDBCE15005}" type="datetime1">
+              <a:rPr lang="en-US" smtClean="0"/>
+              <a:t>6/28/2021</a:t>
+            </a:fld>
+            <a:endParaRPr lang="en-US" dirty="0"/>
+          </a:p>
+        </p:txBody>
+      </p:sp>
+      <p:sp>
+        <p:nvSpPr>
+          <p:cNvPr id="3" name="Footer Placeholder 2">
+            <a:extLst>
+              <a:ext uri="{FF2B5EF4-FFF2-40B4-BE49-F238E27FC236}">
+                <a16:creationId xmlns:a16="http://schemas.microsoft.com/office/drawing/2014/main" id="{05915714-6BBA-4593-8591-4E26F7D58D9F}"/>
+              </a:ext>
+            </a:extLst>
+          </p:cNvPr>
+          <p:cNvSpPr>
+            <a:spLocks noGrp="1"/>
+          </p:cNvSpPr>
+          <p:nvPr>
+            <p:ph type="ftr" sz="quarter" idx="11"/>
+          </p:nvPr>
+        </p:nvSpPr>
+        <p:spPr/>
+        <p:txBody>
+          <a:bodyPr/>
+          <a:lstStyle/>
+          <a:p>
+            <a:endParaRPr lang="en-US" dirty="0"/>
+          </a:p>
+        </p:txBody>
+      </p:sp>
+      <p:sp>
+        <p:nvSpPr>
+          <p:cNvPr id="4" name="Slide Number Placeholder 3">
+            <a:extLst>
+              <a:ext uri="{FF2B5EF4-FFF2-40B4-BE49-F238E27FC236}">
+                <a16:creationId xmlns:a16="http://schemas.microsoft.com/office/drawing/2014/main" id="{BE06F857-D2E1-44DD-ABDD-EBB739645B67}"/>
+              </a:ext>
+            </a:extLst>
+          </p:cNvPr>
+          <p:cNvSpPr>
+            <a:spLocks noGrp="1"/>
+          </p:cNvSpPr>
+          <p:nvPr>
+            <p:ph type="sldNum" sz="quarter" idx="12"/>
+          </p:nvPr>
+        </p:nvSpPr>
+        <p:spPr/>
+        <p:txBody>
+          <a:bodyPr/>
+          <a:lstStyle/>
+          <a:p>
+            <a:fld id="{3A98EE3D-8CD1-4C3F-BD1C-C98C9596463C}" type="slidenum">
+              <a:rPr lang="en-US" smtClean="0"/>
+              <a:t>‹#›</a:t>
+            </a:fld>
+            <a:endParaRPr lang="en-US" dirty="0"/>
+          </a:p>
+        </p:txBody>
+      </p:sp>
+    </p:spTree>
+    <p:extLst>
+      <p:ext uri="{BB962C8B-B14F-4D97-AF65-F5344CB8AC3E}">
+        <p14:creationId xmlns:p14="http://schemas.microsoft.com/office/powerpoint/2010/main" val="3079319726"/>
+      </p:ext>
+    </p:extLst>
+  </p:cSld>
+  <p:clrMapOvr>
+    <a:masterClrMapping/>
+  </p:clrMapOvr>
+</p:sldLayout>
+</file>
+
+<file path=ppt/slideLayouts/slideLayout26.xml><?xml version="1.0" encoding="utf-8"?>
+<p:sldLayout xmlns:a="http://schemas.openxmlformats.org/drawingml/2006/main" xmlns:r="http://schemas.openxmlformats.org/officeDocument/2006/relationships" xmlns:p="http://schemas.openxmlformats.org/presentationml/2006/main" showMasterSp="0" type="objTx" preserve="1">
+  <p:cSld name="Content with Caption">
+    <p:spTree>
+      <p:nvGrpSpPr>
+        <p:cNvPr id="1" name=""/>
+        <p:cNvGrpSpPr/>
+        <p:nvPr/>
+      </p:nvGrpSpPr>
+      <p:grpSpPr>
+        <a:xfrm>
+          <a:off x="0" y="0"/>
+          <a:ext cx="0" cy="0"/>
+          <a:chOff x="0" y="0"/>
+          <a:chExt cx="0" cy="0"/>
+        </a:xfrm>
+      </p:grpSpPr>
+      <p:sp>
+        <p:nvSpPr>
+          <p:cNvPr id="8" name="Rectangle 7">
+            <a:extLst>
+              <a:ext uri="{FF2B5EF4-FFF2-40B4-BE49-F238E27FC236}">
+                <a16:creationId xmlns:a16="http://schemas.microsoft.com/office/drawing/2014/main" id="{16D90D66-BCB9-4229-A829-628874352AC0}"/>
+              </a:ext>
+            </a:extLst>
+          </p:cNvPr>
+          <p:cNvSpPr/>
+          <p:nvPr/>
+        </p:nvSpPr>
+        <p:spPr>
+          <a:xfrm>
+            <a:off x="16" y="0"/>
+            <a:ext cx="4654296" cy="6858000"/>
+          </a:xfrm>
+          <a:prstGeom prst="rect">
+            <a:avLst/>
+          </a:prstGeom>
+          <a:solidFill>
+            <a:srgbClr val="262626"/>
+          </a:solidFill>
+          <a:ln>
+            <a:noFill/>
+          </a:ln>
+        </p:spPr>
+        <p:style>
+          <a:lnRef idx="2">
+            <a:schemeClr val="accent1">
+              <a:shade val="50000"/>
+            </a:schemeClr>
+          </a:lnRef>
+          <a:fillRef idx="1">
+            <a:schemeClr val="accent1"/>
+          </a:fillRef>
+          <a:effectRef idx="0">
+            <a:schemeClr val="accent1"/>
+          </a:effectRef>
+          <a:fontRef idx="minor">
+            <a:schemeClr val="lt1"/>
+          </a:fontRef>
+        </p:style>
+      </p:sp>
+      <p:sp>
+        <p:nvSpPr>
+          <p:cNvPr id="2" name="Title 1"/>
+          <p:cNvSpPr>
+            <a:spLocks noGrp="1"/>
+          </p:cNvSpPr>
+          <p:nvPr>
+            <p:ph type="title"/>
+          </p:nvPr>
+        </p:nvSpPr>
+        <p:spPr>
+          <a:xfrm>
+            <a:off x="643466" y="786383"/>
+            <a:ext cx="3517567" cy="2093975"/>
+          </a:xfrm>
+        </p:spPr>
+        <p:txBody>
+          <a:bodyPr anchor="b">
+            <a:normAutofit/>
+          </a:bodyPr>
+          <a:lstStyle>
+            <a:lvl1pPr>
+              <a:lnSpc>
+                <a:spcPct val="90000"/>
+              </a:lnSpc>
+              <a:defRPr sz="3600" b="0">
+                <a:solidFill>
+                  <a:srgbClr val="FFFFFF"/>
+                </a:solidFill>
+              </a:defRPr>
+            </a:lvl1pPr>
+          </a:lstStyle>
+          <a:p>
+            <a:r>
+              <a:rPr lang="en-US"/>
+              <a:t>Click to edit Master title style</a:t>
+            </a:r>
+            <a:endParaRPr lang="en-US" dirty="0"/>
+          </a:p>
+        </p:txBody>
+      </p:sp>
+      <p:sp>
+        <p:nvSpPr>
+          <p:cNvPr id="3" name="Content Placeholder 2"/>
+          <p:cNvSpPr>
+            <a:spLocks noGrp="1"/>
+          </p:cNvSpPr>
+          <p:nvPr>
+            <p:ph idx="1"/>
+          </p:nvPr>
+        </p:nvSpPr>
+        <p:spPr>
+          <a:xfrm>
+            <a:off x="5458984" y="812799"/>
+            <a:ext cx="5928344" cy="5294757"/>
+          </a:xfrm>
+        </p:spPr>
+        <p:txBody>
+          <a:bodyPr/>
+          <a:lstStyle/>
+          <a:p>
+            <a:pPr lvl="0"/>
+            <a:r>
+              <a:rPr lang="en-US"/>
+              <a:t>Click to edit Master text styles</a:t>
+            </a:r>
+          </a:p>
+          <a:p>
+            <a:pPr lvl="1"/>
+            <a:r>
+              <a:rPr lang="en-US"/>
+              <a:t>Second level</a:t>
+            </a:r>
+          </a:p>
+          <a:p>
+            <a:pPr lvl="2"/>
+            <a:r>
+              <a:rPr lang="en-US"/>
+              <a:t>Third level</a:t>
+            </a:r>
+          </a:p>
+          <a:p>
+            <a:pPr lvl="3"/>
+            <a:r>
+              <a:rPr lang="en-US"/>
+              <a:t>Fourth level</a:t>
+            </a:r>
+          </a:p>
+          <a:p>
+            <a:pPr lvl="4"/>
+            <a:r>
+              <a:rPr lang="en-US"/>
+              <a:t>Fifth level</a:t>
+            </a:r>
+            <a:endParaRPr lang="en-US" dirty="0"/>
+          </a:p>
+        </p:txBody>
+      </p:sp>
+      <p:sp>
+        <p:nvSpPr>
+          <p:cNvPr id="4" name="Text Placeholder 3"/>
+          <p:cNvSpPr>
+            <a:spLocks noGrp="1"/>
+          </p:cNvSpPr>
+          <p:nvPr>
+            <p:ph type="body" sz="half" idx="2"/>
+          </p:nvPr>
+        </p:nvSpPr>
+        <p:spPr>
+          <a:xfrm>
+            <a:off x="643465" y="3043050"/>
+            <a:ext cx="3517567" cy="3064505"/>
+          </a:xfrm>
+        </p:spPr>
+        <p:txBody>
+          <a:bodyPr lIns="91440" rIns="91440">
+            <a:normAutofit/>
+          </a:bodyPr>
+          <a:lstStyle>
+            <a:lvl1pPr marL="0" indent="0">
+              <a:buNone/>
+              <a:defRPr sz="1800">
+                <a:solidFill>
+                  <a:srgbClr val="FFFFFF"/>
+                </a:solidFill>
+              </a:defRPr>
+            </a:lvl1pPr>
+            <a:lvl2pPr marL="457200" indent="0">
+              <a:buNone/>
+              <a:defRPr sz="1200"/>
+            </a:lvl2pPr>
+            <a:lvl3pPr marL="914400" indent="0">
+              <a:buNone/>
+              <a:defRPr sz="1000"/>
+            </a:lvl3pPr>
+            <a:lvl4pPr marL="1371600" indent="0">
+              <a:buNone/>
+              <a:defRPr sz="900"/>
+            </a:lvl4pPr>
+            <a:lvl5pPr marL="1828800" indent="0">
+              <a:buNone/>
+              <a:defRPr sz="900"/>
+            </a:lvl5pPr>
+            <a:lvl6pPr marL="2286000" indent="0">
+              <a:buNone/>
+              <a:defRPr sz="900"/>
+            </a:lvl6pPr>
+            <a:lvl7pPr marL="2743200" indent="0">
+              <a:buNone/>
+              <a:defRPr sz="900"/>
+            </a:lvl7pPr>
+            <a:lvl8pPr marL="3200400" indent="0">
+              <a:buNone/>
+              <a:defRPr sz="900"/>
+            </a:lvl8pPr>
+            <a:lvl9pPr marL="3657600" indent="0">
+              <a:buNone/>
+              <a:defRPr sz="900"/>
+            </a:lvl9pPr>
+          </a:lstStyle>
+          <a:p>
+            <a:pPr lvl="0"/>
+            <a:r>
+              <a:rPr lang="en-US"/>
+              <a:t>Click to edit Master text styles</a:t>
+            </a:r>
+          </a:p>
+        </p:txBody>
+      </p:sp>
+      <p:sp>
+        <p:nvSpPr>
+          <p:cNvPr id="5" name="Date Placeholder 4"/>
+          <p:cNvSpPr>
+            <a:spLocks noGrp="1"/>
+          </p:cNvSpPr>
+          <p:nvPr>
+            <p:ph type="dt" sz="half" idx="10"/>
+          </p:nvPr>
+        </p:nvSpPr>
+        <p:spPr>
+          <a:xfrm>
+            <a:off x="643464" y="6446520"/>
+            <a:ext cx="3517568" cy="365125"/>
+          </a:xfrm>
+        </p:spPr>
+        <p:txBody>
+          <a:bodyPr/>
+          <a:lstStyle>
+            <a:lvl1pPr algn="l">
+              <a:defRPr/>
+            </a:lvl1pPr>
+          </a:lstStyle>
+          <a:p>
+            <a:fld id="{92BEA474-078D-4E9B-9B14-09A87B19DC46}" type="datetime1">
+              <a:rPr lang="en-US" smtClean="0"/>
+              <a:t>6/28/2021</a:t>
+            </a:fld>
+            <a:endParaRPr lang="en-US" dirty="0"/>
+          </a:p>
+        </p:txBody>
+      </p:sp>
+      <p:sp>
+        <p:nvSpPr>
+          <p:cNvPr id="6" name="Footer Placeholder 5"/>
+          <p:cNvSpPr>
+            <a:spLocks noGrp="1"/>
+          </p:cNvSpPr>
+          <p:nvPr>
+            <p:ph type="ftr" sz="quarter" idx="11"/>
+          </p:nvPr>
+        </p:nvSpPr>
+        <p:spPr>
+          <a:xfrm>
+            <a:off x="5458983" y="6446520"/>
+            <a:ext cx="5334019" cy="365125"/>
+          </a:xfrm>
+        </p:spPr>
+        <p:txBody>
+          <a:bodyPr/>
+          <a:lstStyle>
+            <a:lvl1pPr algn="l">
+              <a:defRPr>
+                <a:solidFill>
+                  <a:schemeClr val="tx2"/>
+                </a:solidFill>
+              </a:defRPr>
+            </a:lvl1pPr>
+          </a:lstStyle>
+          <a:p>
+            <a:endParaRPr lang="en-US" dirty="0"/>
+          </a:p>
+        </p:txBody>
+      </p:sp>
+      <p:sp>
+        <p:nvSpPr>
+          <p:cNvPr id="7" name="Slide Number Placeholder 6"/>
+          <p:cNvSpPr>
+            <a:spLocks noGrp="1"/>
+          </p:cNvSpPr>
+          <p:nvPr>
+            <p:ph type="sldNum" sz="quarter" idx="12"/>
+          </p:nvPr>
+        </p:nvSpPr>
+        <p:spPr/>
+        <p:txBody>
+          <a:bodyPr/>
+          <a:lstStyle>
+            <a:lvl1pPr>
+              <a:defRPr>
+                <a:solidFill>
+                  <a:schemeClr val="tx2"/>
+                </a:solidFill>
+              </a:defRPr>
+            </a:lvl1pPr>
+          </a:lstStyle>
+          <a:p>
+            <a:fld id="{3A98EE3D-8CD1-4C3F-BD1C-C98C9596463C}" type="slidenum">
+              <a:rPr lang="en-US" smtClean="0"/>
+              <a:pPr/>
+              <a:t>‹#›</a:t>
+            </a:fld>
+            <a:endParaRPr lang="en-US" dirty="0"/>
+          </a:p>
+        </p:txBody>
+      </p:sp>
+    </p:spTree>
+    <p:extLst>
+      <p:ext uri="{BB962C8B-B14F-4D97-AF65-F5344CB8AC3E}">
+        <p14:creationId xmlns:p14="http://schemas.microsoft.com/office/powerpoint/2010/main" val="3151388536"/>
+      </p:ext>
+    </p:extLst>
+  </p:cSld>
+  <p:clrMapOvr>
+    <a:masterClrMapping/>
+  </p:clrMapOvr>
+</p:sldLayout>
+</file>
+
+<file path=ppt/slideLayouts/slideLayout27.xml><?xml version="1.0" encoding="utf-8"?>
+<p:sldLayout xmlns:a="http://schemas.openxmlformats.org/drawingml/2006/main" xmlns:r="http://schemas.openxmlformats.org/officeDocument/2006/relationships" xmlns:p="http://schemas.openxmlformats.org/presentationml/2006/main" showMasterSp="0" type="picTx" preserve="1">
+  <p:cSld name="Picture with Caption">
+    <p:spTree>
+      <p:nvGrpSpPr>
+        <p:cNvPr id="1" name=""/>
+        <p:cNvGrpSpPr/>
+        <p:nvPr/>
+      </p:nvGrpSpPr>
+      <p:grpSpPr>
+        <a:xfrm>
+          <a:off x="0" y="0"/>
+          <a:ext cx="0" cy="0"/>
+          <a:chOff x="0" y="0"/>
+          <a:chExt cx="0" cy="0"/>
+        </a:xfrm>
+      </p:grpSpPr>
+      <p:sp>
+        <p:nvSpPr>
+          <p:cNvPr id="8" name="Rectangle 7">
+            <a:extLst>
+              <a:ext uri="{FF2B5EF4-FFF2-40B4-BE49-F238E27FC236}">
+                <a16:creationId xmlns:a16="http://schemas.microsoft.com/office/drawing/2014/main" id="{DA134939-39C0-4522-A125-A13DFDA66490}"/>
+              </a:ext>
+            </a:extLst>
+          </p:cNvPr>
+          <p:cNvSpPr/>
+          <p:nvPr/>
+        </p:nvSpPr>
+        <p:spPr>
+          <a:xfrm>
+            <a:off x="0" y="4578350"/>
+            <a:ext cx="12188825" cy="2279650"/>
+          </a:xfrm>
+          <a:prstGeom prst="rect">
+            <a:avLst/>
+          </a:prstGeom>
+          <a:solidFill>
+            <a:srgbClr val="262626"/>
+          </a:solidFill>
+          <a:ln>
+            <a:noFill/>
+          </a:ln>
+        </p:spPr>
+        <p:style>
+          <a:lnRef idx="2">
+            <a:schemeClr val="accent1">
+              <a:shade val="50000"/>
+            </a:schemeClr>
+          </a:lnRef>
+          <a:fillRef idx="1">
+            <a:schemeClr val="accent1"/>
+          </a:fillRef>
+          <a:effectRef idx="0">
+            <a:schemeClr val="accent1"/>
+          </a:effectRef>
+          <a:fontRef idx="minor">
+            <a:schemeClr val="lt1"/>
+          </a:fontRef>
+        </p:style>
+      </p:sp>
+      <p:sp>
+        <p:nvSpPr>
+          <p:cNvPr id="3" name="Picture Placeholder 2"/>
+          <p:cNvSpPr>
+            <a:spLocks noGrp="1" noChangeAspect="1"/>
+          </p:cNvSpPr>
+          <p:nvPr>
+            <p:ph type="pic" idx="1"/>
+          </p:nvPr>
+        </p:nvSpPr>
+        <p:spPr>
+          <a:xfrm>
+            <a:off x="15" y="0"/>
+            <a:ext cx="12191985" cy="4578350"/>
+          </a:xfrm>
+          <a:solidFill>
+            <a:schemeClr val="bg1">
+              <a:lumMod val="85000"/>
+            </a:schemeClr>
+          </a:solidFill>
+        </p:spPr>
+        <p:txBody>
+          <a:bodyPr lIns="457200" tIns="457200" anchor="t"/>
+          <a:lstStyle>
+            <a:lvl1pPr marL="0" indent="0">
+              <a:buNone/>
+              <a:defRPr sz="3200"/>
+            </a:lvl1pPr>
+            <a:lvl2pPr marL="457200" indent="0">
+              <a:buNone/>
+              <a:defRPr sz="2800"/>
+            </a:lvl2pPr>
+            <a:lvl3pPr marL="914400" indent="0">
+              <a:buNone/>
+              <a:defRPr sz="2400"/>
+            </a:lvl3pPr>
+            <a:lvl4pPr marL="1371600" indent="0">
+              <a:buNone/>
+              <a:defRPr sz="2000"/>
+            </a:lvl4pPr>
+            <a:lvl5pPr marL="1828800" indent="0">
+              <a:buNone/>
+              <a:defRPr sz="2000"/>
+            </a:lvl5pPr>
+            <a:lvl6pPr marL="2286000" indent="0">
+              <a:buNone/>
+              <a:defRPr sz="2000"/>
+            </a:lvl6pPr>
+            <a:lvl7pPr marL="2743200" indent="0">
+              <a:buNone/>
+              <a:defRPr sz="2000"/>
+            </a:lvl7pPr>
+            <a:lvl8pPr marL="3200400" indent="0">
+              <a:buNone/>
+              <a:defRPr sz="2000"/>
+            </a:lvl8pPr>
+            <a:lvl9pPr marL="3657600" indent="0">
+              <a:buNone/>
+              <a:defRPr sz="2000"/>
+            </a:lvl9pPr>
+          </a:lstStyle>
+          <a:p>
+            <a:r>
+              <a:rPr lang="en-US"/>
+              <a:t>Click icon to add picture</a:t>
+            </a:r>
+            <a:endParaRPr lang="en-US" dirty="0"/>
+          </a:p>
+        </p:txBody>
+      </p:sp>
+      <p:sp>
+        <p:nvSpPr>
+          <p:cNvPr id="2" name="Title 1"/>
+          <p:cNvSpPr>
+            <a:spLocks noGrp="1"/>
+          </p:cNvSpPr>
+          <p:nvPr>
+            <p:ph type="title"/>
+          </p:nvPr>
+        </p:nvSpPr>
+        <p:spPr>
+          <a:xfrm>
+            <a:off x="1097279" y="4799362"/>
+            <a:ext cx="10113645" cy="743682"/>
+          </a:xfrm>
+        </p:spPr>
+        <p:txBody>
+          <a:bodyPr tIns="0" bIns="0" anchor="b">
+            <a:noAutofit/>
+          </a:bodyPr>
+          <a:lstStyle>
+            <a:lvl1pPr>
+              <a:defRPr sz="3600" b="0">
+                <a:solidFill>
+                  <a:srgbClr val="FFFFFF"/>
+                </a:solidFill>
+              </a:defRPr>
+            </a:lvl1pPr>
+          </a:lstStyle>
+          <a:p>
+            <a:r>
+              <a:rPr lang="en-US"/>
+              <a:t>Click to edit Master title style</a:t>
+            </a:r>
+            <a:endParaRPr lang="en-US" dirty="0"/>
+          </a:p>
+        </p:txBody>
+      </p:sp>
+      <p:sp>
+        <p:nvSpPr>
+          <p:cNvPr id="4" name="Text Placeholder 3"/>
+          <p:cNvSpPr>
+            <a:spLocks noGrp="1"/>
+          </p:cNvSpPr>
+          <p:nvPr>
+            <p:ph type="body" sz="half" idx="2"/>
+          </p:nvPr>
+        </p:nvSpPr>
+        <p:spPr>
+          <a:xfrm>
+            <a:off x="1097279" y="5715000"/>
+            <a:ext cx="10113264" cy="609600"/>
+          </a:xfrm>
+        </p:spPr>
+        <p:txBody>
+          <a:bodyPr lIns="91440" tIns="0" rIns="91440" bIns="0">
+            <a:normAutofit/>
+          </a:bodyPr>
+          <a:lstStyle>
+            <a:lvl1pPr marL="0" indent="0">
+              <a:spcBef>
+                <a:spcPts val="0"/>
+              </a:spcBef>
+              <a:spcAft>
+                <a:spcPts val="600"/>
+              </a:spcAft>
+              <a:buNone/>
+              <a:defRPr sz="1800">
+                <a:solidFill>
+                  <a:srgbClr val="FFFFFF"/>
+                </a:solidFill>
+              </a:defRPr>
+            </a:lvl1pPr>
+            <a:lvl2pPr marL="457200" indent="0">
+              <a:buNone/>
+              <a:defRPr sz="1200"/>
+            </a:lvl2pPr>
+            <a:lvl3pPr marL="914400" indent="0">
+              <a:buNone/>
+              <a:defRPr sz="1000"/>
+            </a:lvl3pPr>
+            <a:lvl4pPr marL="1371600" indent="0">
+              <a:buNone/>
+              <a:defRPr sz="900"/>
+            </a:lvl4pPr>
+            <a:lvl5pPr marL="1828800" indent="0">
+              <a:buNone/>
+              <a:defRPr sz="900"/>
+            </a:lvl5pPr>
+            <a:lvl6pPr marL="2286000" indent="0">
+              <a:buNone/>
+              <a:defRPr sz="900"/>
+            </a:lvl6pPr>
+            <a:lvl7pPr marL="2743200" indent="0">
+              <a:buNone/>
+              <a:defRPr sz="900"/>
+            </a:lvl7pPr>
+            <a:lvl8pPr marL="3200400" indent="0">
+              <a:buNone/>
+              <a:defRPr sz="900"/>
+            </a:lvl8pPr>
+            <a:lvl9pPr marL="3657600" indent="0">
+              <a:buNone/>
+              <a:defRPr sz="900"/>
+            </a:lvl9pPr>
+          </a:lstStyle>
+          <a:p>
+            <a:pPr lvl="0"/>
+            <a:r>
+              <a:rPr lang="en-US"/>
+              <a:t>Click to edit Master text styles</a:t>
+            </a:r>
+          </a:p>
+        </p:txBody>
+      </p:sp>
+      <p:sp>
+        <p:nvSpPr>
+          <p:cNvPr id="5" name="Date Placeholder 4"/>
+          <p:cNvSpPr>
+            <a:spLocks noGrp="1"/>
+          </p:cNvSpPr>
+          <p:nvPr>
+            <p:ph type="dt" sz="half" idx="10"/>
+          </p:nvPr>
+        </p:nvSpPr>
+        <p:spPr/>
+        <p:txBody>
+          <a:bodyPr/>
+          <a:lstStyle>
+            <a:lvl1pPr>
+              <a:defRPr/>
+            </a:lvl1pPr>
+          </a:lstStyle>
+          <a:p>
+            <a:fld id="{4907D986-8816-4272-A432-0437A28A9828}" type="datetime1">
+              <a:rPr lang="en-US" smtClean="0"/>
+              <a:t>6/28/2021</a:t>
+            </a:fld>
+            <a:endParaRPr lang="en-US" dirty="0"/>
+          </a:p>
+        </p:txBody>
+      </p:sp>
+      <p:sp>
+        <p:nvSpPr>
+          <p:cNvPr id="6" name="Footer Placeholder 5"/>
+          <p:cNvSpPr>
+            <a:spLocks noGrp="1"/>
+          </p:cNvSpPr>
+          <p:nvPr>
+            <p:ph type="ftr" sz="quarter" idx="11"/>
+          </p:nvPr>
+        </p:nvSpPr>
+        <p:spPr>
+          <a:xfrm>
+            <a:off x="1097279" y="6446838"/>
+            <a:ext cx="6818262" cy="365125"/>
+          </a:xfrm>
+        </p:spPr>
+        <p:txBody>
+          <a:bodyPr/>
+          <a:lstStyle/>
+          <a:p>
+            <a:pPr algn="l"/>
+            <a:endParaRPr lang="en-US" dirty="0"/>
+          </a:p>
+        </p:txBody>
+      </p:sp>
+      <p:sp>
+        <p:nvSpPr>
+          <p:cNvPr id="7" name="Slide Number Placeholder 6"/>
+          <p:cNvSpPr>
+            <a:spLocks noGrp="1"/>
+          </p:cNvSpPr>
+          <p:nvPr>
+            <p:ph type="sldNum" sz="quarter" idx="12"/>
+          </p:nvPr>
+        </p:nvSpPr>
+        <p:spPr/>
+        <p:txBody>
+          <a:bodyPr/>
+          <a:lstStyle/>
+          <a:p>
+            <a:fld id="{3A98EE3D-8CD1-4C3F-BD1C-C98C9596463C}" type="slidenum">
+              <a:rPr lang="en-US" smtClean="0"/>
+              <a:t>‹#›</a:t>
+            </a:fld>
+            <a:endParaRPr lang="en-US" dirty="0"/>
+          </a:p>
+        </p:txBody>
+      </p:sp>
+    </p:spTree>
+    <p:extLst>
+      <p:ext uri="{BB962C8B-B14F-4D97-AF65-F5344CB8AC3E}">
+        <p14:creationId xmlns:p14="http://schemas.microsoft.com/office/powerpoint/2010/main" val="1198776003"/>
+      </p:ext>
+    </p:extLst>
+  </p:cSld>
+  <p:clrMapOvr>
+    <a:masterClrMapping/>
+  </p:clrMapOvr>
+</p:sldLayout>
+</file>
+
+<file path=ppt/slideLayouts/slideLayout28.xml><?xml version="1.0" encoding="utf-8"?>
+<p:sldLayout xmlns:a="http://schemas.openxmlformats.org/drawingml/2006/main" xmlns:r="http://schemas.openxmlformats.org/officeDocument/2006/relationships" xmlns:p="http://schemas.openxmlformats.org/presentationml/2006/main" type="vertTx" preserve="1">
+  <p:cSld name="Title and Vertical Text">
+    <p:spTree>
+      <p:nvGrpSpPr>
+        <p:cNvPr id="1" name=""/>
+        <p:cNvGrpSpPr/>
+        <p:nvPr/>
+      </p:nvGrpSpPr>
+      <p:grpSpPr>
+        <a:xfrm>
+          <a:off x="0" y="0"/>
+          <a:ext cx="0" cy="0"/>
+          <a:chOff x="0" y="0"/>
+          <a:chExt cx="0" cy="0"/>
+        </a:xfrm>
+      </p:grpSpPr>
+      <p:sp>
+        <p:nvSpPr>
+          <p:cNvPr id="2" name="Title 1"/>
+          <p:cNvSpPr>
+            <a:spLocks noGrp="1"/>
+          </p:cNvSpPr>
+          <p:nvPr>
+            <p:ph type="title"/>
+          </p:nvPr>
+        </p:nvSpPr>
+        <p:spPr/>
+        <p:txBody>
+          <a:bodyPr/>
+          <a:lstStyle/>
+          <a:p>
+            <a:r>
+              <a:rPr lang="en-US"/>
+              <a:t>Click to edit Master title style</a:t>
+            </a:r>
+            <a:endParaRPr lang="en-US" dirty="0"/>
+          </a:p>
+        </p:txBody>
+      </p:sp>
+      <p:sp>
+        <p:nvSpPr>
+          <p:cNvPr id="3" name="Vertical Text Placeholder 2"/>
+          <p:cNvSpPr>
+            <a:spLocks noGrp="1"/>
+          </p:cNvSpPr>
+          <p:nvPr>
+            <p:ph type="body" orient="vert" idx="1"/>
+          </p:nvPr>
+        </p:nvSpPr>
+        <p:spPr/>
+        <p:txBody>
+          <a:bodyPr vert="eaVert" lIns="45720" tIns="0" rIns="45720" bIns="0"/>
+          <a:lstStyle/>
+          <a:p>
+            <a:pPr lvl="0"/>
+            <a:r>
+              <a:rPr lang="en-US"/>
+              <a:t>Click to edit Master text styles</a:t>
+            </a:r>
+          </a:p>
+          <a:p>
+            <a:pPr lvl="1"/>
+            <a:r>
+              <a:rPr lang="en-US"/>
+              <a:t>Second level</a:t>
+            </a:r>
+          </a:p>
+          <a:p>
+            <a:pPr lvl="2"/>
+            <a:r>
+              <a:rPr lang="en-US"/>
+              <a:t>Third level</a:t>
+            </a:r>
+          </a:p>
+          <a:p>
+            <a:pPr lvl="3"/>
+            <a:r>
+              <a:rPr lang="en-US"/>
+              <a:t>Fourth level</a:t>
+            </a:r>
+          </a:p>
+          <a:p>
+            <a:pPr lvl="4"/>
+            <a:r>
+              <a:rPr lang="en-US"/>
+              <a:t>Fifth level</a:t>
+            </a:r>
+            <a:endParaRPr lang="en-US" dirty="0"/>
+          </a:p>
+        </p:txBody>
+      </p:sp>
+      <p:sp>
+        <p:nvSpPr>
+          <p:cNvPr id="7" name="Date Placeholder 6">
+            <a:extLst>
+              <a:ext uri="{FF2B5EF4-FFF2-40B4-BE49-F238E27FC236}">
+                <a16:creationId xmlns:a16="http://schemas.microsoft.com/office/drawing/2014/main" id="{7D5506EE-1026-4F35-9ACC-BD05BE0F9B36}"/>
+              </a:ext>
+            </a:extLst>
+          </p:cNvPr>
+          <p:cNvSpPr>
+            <a:spLocks noGrp="1"/>
+          </p:cNvSpPr>
+          <p:nvPr>
+            <p:ph type="dt" sz="half" idx="10"/>
+          </p:nvPr>
+        </p:nvSpPr>
+        <p:spPr/>
+        <p:txBody>
+          <a:bodyPr/>
+          <a:lstStyle/>
+          <a:p>
+            <a:fld id="{B612A279-0833-481D-8C56-F67FD0AC6C50}" type="datetime1">
+              <a:rPr lang="en-US" smtClean="0"/>
+              <a:t>6/28/2021</a:t>
+            </a:fld>
+            <a:endParaRPr lang="en-US" dirty="0"/>
+          </a:p>
+        </p:txBody>
+      </p:sp>
+      <p:sp>
+        <p:nvSpPr>
+          <p:cNvPr id="8" name="Footer Placeholder 7">
+            <a:extLst>
+              <a:ext uri="{FF2B5EF4-FFF2-40B4-BE49-F238E27FC236}">
+                <a16:creationId xmlns:a16="http://schemas.microsoft.com/office/drawing/2014/main" id="{B7696E5F-8D95-4450-AE52-5438E6EDE2BF}"/>
+              </a:ext>
+            </a:extLst>
+          </p:cNvPr>
+          <p:cNvSpPr>
+            <a:spLocks noGrp="1"/>
+          </p:cNvSpPr>
+          <p:nvPr>
+            <p:ph type="ftr" sz="quarter" idx="11"/>
+          </p:nvPr>
+        </p:nvSpPr>
+        <p:spPr/>
+        <p:txBody>
+          <a:bodyPr/>
+          <a:lstStyle/>
+          <a:p>
+            <a:endParaRPr lang="en-US" dirty="0"/>
+          </a:p>
+        </p:txBody>
+      </p:sp>
+      <p:sp>
+        <p:nvSpPr>
+          <p:cNvPr id="9" name="Slide Number Placeholder 8">
+            <a:extLst>
+              <a:ext uri="{FF2B5EF4-FFF2-40B4-BE49-F238E27FC236}">
+                <a16:creationId xmlns:a16="http://schemas.microsoft.com/office/drawing/2014/main" id="{999B2253-74CC-409E-BEB0-F8EFCFCB5629}"/>
+              </a:ext>
+            </a:extLst>
+          </p:cNvPr>
+          <p:cNvSpPr>
+            <a:spLocks noGrp="1"/>
+          </p:cNvSpPr>
+          <p:nvPr>
+            <p:ph type="sldNum" sz="quarter" idx="12"/>
+          </p:nvPr>
+        </p:nvSpPr>
+        <p:spPr/>
+        <p:txBody>
+          <a:bodyPr/>
+          <a:lstStyle/>
+          <a:p>
+            <a:fld id="{3A98EE3D-8CD1-4C3F-BD1C-C98C9596463C}" type="slidenum">
+              <a:rPr lang="en-US" smtClean="0"/>
+              <a:t>‹#›</a:t>
+            </a:fld>
+            <a:endParaRPr lang="en-US" dirty="0"/>
+          </a:p>
+        </p:txBody>
+      </p:sp>
+    </p:spTree>
+    <p:extLst>
+      <p:ext uri="{BB962C8B-B14F-4D97-AF65-F5344CB8AC3E}">
+        <p14:creationId xmlns:p14="http://schemas.microsoft.com/office/powerpoint/2010/main" val="139741400"/>
+      </p:ext>
+    </p:extLst>
+  </p:cSld>
+  <p:clrMapOvr>
+    <a:masterClrMapping/>
+  </p:clrMapOvr>
+</p:sldLayout>
+</file>
+
+<file path=ppt/slideLayouts/slideLayout29.xml><?xml version="1.0" encoding="utf-8"?>
+<p:sldLayout xmlns:a="http://schemas.openxmlformats.org/drawingml/2006/main" xmlns:r="http://schemas.openxmlformats.org/officeDocument/2006/relationships" xmlns:p="http://schemas.openxmlformats.org/presentationml/2006/main" showMasterSp="0" type="vertTitleAndTx" preserve="1">
+  <p:cSld name="Vertical Title and Text">
+    <p:spTree>
+      <p:nvGrpSpPr>
+        <p:cNvPr id="1" name=""/>
+        <p:cNvGrpSpPr/>
+        <p:nvPr/>
+      </p:nvGrpSpPr>
+      <p:grpSpPr>
+        <a:xfrm>
+          <a:off x="0" y="0"/>
+          <a:ext cx="0" cy="0"/>
+          <a:chOff x="0" y="0"/>
+          <a:chExt cx="0" cy="0"/>
+        </a:xfrm>
+      </p:grpSpPr>
+      <p:sp>
+        <p:nvSpPr>
+          <p:cNvPr id="9" name="Rectangle 8">
+            <a:extLst>
+              <a:ext uri="{FF2B5EF4-FFF2-40B4-BE49-F238E27FC236}">
+                <a16:creationId xmlns:a16="http://schemas.microsoft.com/office/drawing/2014/main" id="{E1B68A5B-D9FA-424B-A4EB-30E7223836B3}"/>
+              </a:ext>
+            </a:extLst>
+          </p:cNvPr>
+          <p:cNvSpPr/>
+          <p:nvPr/>
+        </p:nvSpPr>
+        <p:spPr>
+          <a:xfrm>
+            <a:off x="3175" y="6400800"/>
+            <a:ext cx="12188825" cy="457200"/>
+          </a:xfrm>
+          <a:prstGeom prst="rect">
+            <a:avLst/>
+          </a:prstGeom>
+          <a:solidFill>
+            <a:srgbClr val="262626"/>
+          </a:solidFill>
+          <a:ln>
+            <a:noFill/>
+          </a:ln>
+        </p:spPr>
+        <p:style>
+          <a:lnRef idx="2">
+            <a:schemeClr val="accent1">
+              <a:shade val="50000"/>
+            </a:schemeClr>
+          </a:lnRef>
+          <a:fillRef idx="1">
+            <a:schemeClr val="accent1"/>
+          </a:fillRef>
+          <a:effectRef idx="0">
+            <a:schemeClr val="accent1"/>
+          </a:effectRef>
+          <a:fontRef idx="minor">
+            <a:schemeClr val="lt1"/>
+          </a:fontRef>
+        </p:style>
+      </p:sp>
+      <p:sp>
+        <p:nvSpPr>
+          <p:cNvPr id="2" name="Vertical Title 1"/>
+          <p:cNvSpPr>
+            <a:spLocks noGrp="1"/>
+          </p:cNvSpPr>
+          <p:nvPr>
+            <p:ph type="title" orient="vert"/>
+          </p:nvPr>
+        </p:nvSpPr>
+        <p:spPr>
+          <a:xfrm>
+            <a:off x="8724900" y="412302"/>
+            <a:ext cx="2628900" cy="5759898"/>
+          </a:xfrm>
+        </p:spPr>
+        <p:txBody>
+          <a:bodyPr vert="eaVert"/>
+          <a:lstStyle/>
+          <a:p>
+            <a:r>
+              <a:rPr lang="en-US"/>
+              <a:t>Click to edit Master title style</a:t>
+            </a:r>
+            <a:endParaRPr lang="en-US" dirty="0"/>
+          </a:p>
+        </p:txBody>
+      </p:sp>
+      <p:sp>
+        <p:nvSpPr>
+          <p:cNvPr id="3" name="Vertical Text Placeholder 2"/>
+          <p:cNvSpPr>
+            <a:spLocks noGrp="1"/>
+          </p:cNvSpPr>
+          <p:nvPr>
+            <p:ph type="body" orient="vert" idx="1"/>
+          </p:nvPr>
+        </p:nvSpPr>
+        <p:spPr>
+          <a:xfrm>
+            <a:off x="838200" y="412302"/>
+            <a:ext cx="7734300" cy="5759898"/>
+          </a:xfrm>
+        </p:spPr>
+        <p:txBody>
+          <a:bodyPr vert="eaVert" lIns="45720" tIns="0" rIns="45720" bIns="0"/>
+          <a:lstStyle/>
+          <a:p>
+            <a:pPr lvl="0"/>
+            <a:r>
+              <a:rPr lang="en-US"/>
+              <a:t>Click to edit Master text styles</a:t>
+            </a:r>
+          </a:p>
+          <a:p>
+            <a:pPr lvl="1"/>
+            <a:r>
+              <a:rPr lang="en-US"/>
+              <a:t>Second level</a:t>
+            </a:r>
+          </a:p>
+          <a:p>
+            <a:pPr lvl="2"/>
+            <a:r>
+              <a:rPr lang="en-US"/>
+              <a:t>Third level</a:t>
+            </a:r>
+          </a:p>
+          <a:p>
+            <a:pPr lvl="3"/>
+            <a:r>
+              <a:rPr lang="en-US"/>
+              <a:t>Fourth level</a:t>
+            </a:r>
+          </a:p>
+          <a:p>
+            <a:pPr lvl="4"/>
+            <a:r>
+              <a:rPr lang="en-US"/>
+              <a:t>Fifth level</a:t>
+            </a:r>
+            <a:endParaRPr lang="en-US" dirty="0"/>
+          </a:p>
+        </p:txBody>
+      </p:sp>
+      <p:sp>
+        <p:nvSpPr>
+          <p:cNvPr id="7" name="Date Placeholder 6">
+            <a:extLst>
+              <a:ext uri="{FF2B5EF4-FFF2-40B4-BE49-F238E27FC236}">
+                <a16:creationId xmlns:a16="http://schemas.microsoft.com/office/drawing/2014/main" id="{AF33D6B0-F070-45C4-A472-19F432BE3932}"/>
+              </a:ext>
+            </a:extLst>
+          </p:cNvPr>
+          <p:cNvSpPr>
+            <a:spLocks noGrp="1"/>
+          </p:cNvSpPr>
+          <p:nvPr>
+            <p:ph type="dt" sz="half" idx="10"/>
+          </p:nvPr>
+        </p:nvSpPr>
+        <p:spPr/>
+        <p:txBody>
+          <a:bodyPr/>
+          <a:lstStyle/>
+          <a:p>
+            <a:fld id="{6587DA83-5663-4C9C-B9AA-0B40A3DAFF81}" type="datetime1">
+              <a:rPr lang="en-US" smtClean="0"/>
+              <a:t>6/28/2021</a:t>
+            </a:fld>
+            <a:endParaRPr lang="en-US" dirty="0"/>
+          </a:p>
+        </p:txBody>
+      </p:sp>
+      <p:sp>
+        <p:nvSpPr>
+          <p:cNvPr id="8" name="Footer Placeholder 7">
+            <a:extLst>
+              <a:ext uri="{FF2B5EF4-FFF2-40B4-BE49-F238E27FC236}">
+                <a16:creationId xmlns:a16="http://schemas.microsoft.com/office/drawing/2014/main" id="{9975399F-DAB2-410D-967F-ED17E6F796E7}"/>
+              </a:ext>
+            </a:extLst>
+          </p:cNvPr>
+          <p:cNvSpPr>
+            <a:spLocks noGrp="1"/>
+          </p:cNvSpPr>
+          <p:nvPr>
+            <p:ph type="ftr" sz="quarter" idx="11"/>
+          </p:nvPr>
+        </p:nvSpPr>
+        <p:spPr/>
+        <p:txBody>
+          <a:bodyPr/>
+          <a:lstStyle/>
+          <a:p>
+            <a:endParaRPr lang="en-US" dirty="0"/>
+          </a:p>
+        </p:txBody>
+      </p:sp>
+      <p:sp>
+        <p:nvSpPr>
+          <p:cNvPr id="10" name="Slide Number Placeholder 9">
+            <a:extLst>
+              <a:ext uri="{FF2B5EF4-FFF2-40B4-BE49-F238E27FC236}">
+                <a16:creationId xmlns:a16="http://schemas.microsoft.com/office/drawing/2014/main" id="{F762A46F-6BE5-4D12-9412-5CA7672EA8EC}"/>
+              </a:ext>
+            </a:extLst>
+          </p:cNvPr>
+          <p:cNvSpPr>
+            <a:spLocks noGrp="1"/>
+          </p:cNvSpPr>
+          <p:nvPr>
+            <p:ph type="sldNum" sz="quarter" idx="12"/>
+          </p:nvPr>
+        </p:nvSpPr>
+        <p:spPr/>
+        <p:txBody>
+          <a:bodyPr/>
+          <a:lstStyle/>
+          <a:p>
+            <a:fld id="{3A98EE3D-8CD1-4C3F-BD1C-C98C9596463C}" type="slidenum">
+              <a:rPr lang="en-US" smtClean="0"/>
+              <a:t>‹#›</a:t>
+            </a:fld>
+            <a:endParaRPr lang="en-US" dirty="0"/>
+          </a:p>
+        </p:txBody>
+      </p:sp>
+    </p:spTree>
+    <p:extLst>
+      <p:ext uri="{BB962C8B-B14F-4D97-AF65-F5344CB8AC3E}">
+        <p14:creationId xmlns:p14="http://schemas.microsoft.com/office/powerpoint/2010/main" val="300741428"/>
+      </p:ext>
+    </p:extLst>
+  </p:cSld>
+  <p:clrMapOvr>
+    <a:masterClrMapping/>
+  </p:clrMapOvr>
 </p:sldLayout>
 </file>
 
@@ -6767,6 +9779,706 @@
 </p:sldMaster>
 </file>
 
+<file path=ppt/slideMasters/slideMaster2.xml><?xml version="1.0" encoding="utf-8"?>
+<p:sldMaster xmlns:a="http://schemas.openxmlformats.org/drawingml/2006/main" xmlns:r="http://schemas.openxmlformats.org/officeDocument/2006/relationships" xmlns:p="http://schemas.openxmlformats.org/presentationml/2006/main">
+  <p:cSld>
+    <p:bg>
+      <p:bgRef idx="1001">
+        <a:schemeClr val="bg1"/>
+      </p:bgRef>
+    </p:bg>
+    <p:spTree>
+      <p:nvGrpSpPr>
+        <p:cNvPr id="1" name=""/>
+        <p:cNvGrpSpPr/>
+        <p:nvPr/>
+      </p:nvGrpSpPr>
+      <p:grpSpPr>
+        <a:xfrm>
+          <a:off x="0" y="0"/>
+          <a:ext cx="0" cy="0"/>
+          <a:chOff x="0" y="0"/>
+          <a:chExt cx="0" cy="0"/>
+        </a:xfrm>
+      </p:grpSpPr>
+      <p:sp>
+        <p:nvSpPr>
+          <p:cNvPr id="7" name="Rectangle 6">
+            <a:extLst>
+              <a:ext uri="{FF2B5EF4-FFF2-40B4-BE49-F238E27FC236}">
+                <a16:creationId xmlns:a16="http://schemas.microsoft.com/office/drawing/2014/main" id="{416A0E3C-60E6-4F39-BC55-5F7C224E1F7C}"/>
+              </a:ext>
+            </a:extLst>
+          </p:cNvPr>
+          <p:cNvSpPr/>
+          <p:nvPr/>
+        </p:nvSpPr>
+        <p:spPr>
+          <a:xfrm>
+            <a:off x="3175" y="6400800"/>
+            <a:ext cx="12188825" cy="457200"/>
+          </a:xfrm>
+          <a:prstGeom prst="rect">
+            <a:avLst/>
+          </a:prstGeom>
+          <a:solidFill>
+            <a:srgbClr val="262626"/>
+          </a:solidFill>
+          <a:ln>
+            <a:noFill/>
+          </a:ln>
+        </p:spPr>
+        <p:style>
+          <a:lnRef idx="2">
+            <a:schemeClr val="accent1">
+              <a:shade val="50000"/>
+            </a:schemeClr>
+          </a:lnRef>
+          <a:fillRef idx="1">
+            <a:schemeClr val="accent1"/>
+          </a:fillRef>
+          <a:effectRef idx="0">
+            <a:schemeClr val="accent1"/>
+          </a:effectRef>
+          <a:fontRef idx="minor">
+            <a:schemeClr val="lt1"/>
+          </a:fontRef>
+        </p:style>
+      </p:sp>
+      <p:sp>
+        <p:nvSpPr>
+          <p:cNvPr id="2" name="Title Placeholder 1"/>
+          <p:cNvSpPr>
+            <a:spLocks noGrp="1"/>
+          </p:cNvSpPr>
+          <p:nvPr>
+            <p:ph type="title"/>
+          </p:nvPr>
+        </p:nvSpPr>
+        <p:spPr>
+          <a:xfrm>
+            <a:off x="1097280" y="286603"/>
+            <a:ext cx="10058400" cy="1450757"/>
+          </a:xfrm>
+          <a:prstGeom prst="rect">
+            <a:avLst/>
+          </a:prstGeom>
+        </p:spPr>
+        <p:txBody>
+          <a:bodyPr vert="horz" lIns="91440" tIns="45720" rIns="91440" bIns="45720" rtlCol="0" anchor="b">
+            <a:normAutofit/>
+          </a:bodyPr>
+          <a:lstStyle/>
+          <a:p>
+            <a:r>
+              <a:rPr lang="en-US"/>
+              <a:t>Click to edit Master title style</a:t>
+            </a:r>
+            <a:endParaRPr lang="en-US" dirty="0"/>
+          </a:p>
+        </p:txBody>
+      </p:sp>
+      <p:sp>
+        <p:nvSpPr>
+          <p:cNvPr id="3" name="Text Placeholder 2"/>
+          <p:cNvSpPr>
+            <a:spLocks noGrp="1"/>
+          </p:cNvSpPr>
+          <p:nvPr>
+            <p:ph type="body" idx="1"/>
+          </p:nvPr>
+        </p:nvSpPr>
+        <p:spPr>
+          <a:xfrm>
+            <a:off x="1097280" y="2108201"/>
+            <a:ext cx="10058400" cy="3760891"/>
+          </a:xfrm>
+          <a:prstGeom prst="rect">
+            <a:avLst/>
+          </a:prstGeom>
+        </p:spPr>
+        <p:txBody>
+          <a:bodyPr vert="horz" lIns="0" tIns="45720" rIns="0" bIns="45720" rtlCol="0">
+            <a:normAutofit/>
+          </a:bodyPr>
+          <a:lstStyle/>
+          <a:p>
+            <a:pPr lvl="0"/>
+            <a:r>
+              <a:rPr lang="en-US"/>
+              <a:t>Click to edit Master text styles</a:t>
+            </a:r>
+          </a:p>
+          <a:p>
+            <a:pPr lvl="1"/>
+            <a:r>
+              <a:rPr lang="en-US"/>
+              <a:t>Second level</a:t>
+            </a:r>
+          </a:p>
+          <a:p>
+            <a:pPr lvl="2"/>
+            <a:r>
+              <a:rPr lang="en-US"/>
+              <a:t>Third level</a:t>
+            </a:r>
+          </a:p>
+          <a:p>
+            <a:pPr lvl="3"/>
+            <a:r>
+              <a:rPr lang="en-US"/>
+              <a:t>Fourth level</a:t>
+            </a:r>
+          </a:p>
+          <a:p>
+            <a:pPr lvl="4"/>
+            <a:r>
+              <a:rPr lang="en-US"/>
+              <a:t>Fifth level</a:t>
+            </a:r>
+            <a:endParaRPr lang="en-US" dirty="0"/>
+          </a:p>
+        </p:txBody>
+      </p:sp>
+      <p:sp>
+        <p:nvSpPr>
+          <p:cNvPr id="4" name="Date Placeholder 3"/>
+          <p:cNvSpPr>
+            <a:spLocks noGrp="1"/>
+          </p:cNvSpPr>
+          <p:nvPr>
+            <p:ph type="dt" sz="half" idx="2"/>
+          </p:nvPr>
+        </p:nvSpPr>
+        <p:spPr>
+          <a:xfrm>
+            <a:off x="8218426" y="6446838"/>
+            <a:ext cx="2584850" cy="365125"/>
+          </a:xfrm>
+          <a:prstGeom prst="rect">
+            <a:avLst/>
+          </a:prstGeom>
+        </p:spPr>
+        <p:txBody>
+          <a:bodyPr vert="horz" lIns="91440" tIns="45720" rIns="91440" bIns="45720" rtlCol="0" anchor="ctr"/>
+          <a:lstStyle>
+            <a:lvl1pPr algn="r">
+              <a:defRPr sz="800">
+                <a:solidFill>
+                  <a:srgbClr val="FFFFFF"/>
+                </a:solidFill>
+              </a:defRPr>
+            </a:lvl1pPr>
+          </a:lstStyle>
+          <a:p>
+            <a:fld id="{62D6E202-B606-4609-B914-27C9371A1F6D}" type="datetime1">
+              <a:rPr lang="en-US" smtClean="0"/>
+              <a:t>6/28/2021</a:t>
+            </a:fld>
+            <a:endParaRPr lang="en-US" dirty="0"/>
+          </a:p>
+        </p:txBody>
+      </p:sp>
+      <p:sp>
+        <p:nvSpPr>
+          <p:cNvPr id="5" name="Footer Placeholder 4"/>
+          <p:cNvSpPr>
+            <a:spLocks noGrp="1"/>
+          </p:cNvSpPr>
+          <p:nvPr>
+            <p:ph type="ftr" sz="quarter" idx="3"/>
+          </p:nvPr>
+        </p:nvSpPr>
+        <p:spPr>
+          <a:xfrm>
+            <a:off x="1097279" y="6446838"/>
+            <a:ext cx="6818262" cy="365125"/>
+          </a:xfrm>
+          <a:prstGeom prst="rect">
+            <a:avLst/>
+          </a:prstGeom>
+        </p:spPr>
+        <p:txBody>
+          <a:bodyPr vert="horz" lIns="91440" tIns="45720" rIns="91440" bIns="45720" rtlCol="0" anchor="ctr"/>
+          <a:lstStyle>
+            <a:lvl1pPr algn="l">
+              <a:defRPr sz="800" cap="all" baseline="0">
+                <a:solidFill>
+                  <a:srgbClr val="FFFFFF"/>
+                </a:solidFill>
+              </a:defRPr>
+            </a:lvl1pPr>
+          </a:lstStyle>
+          <a:p>
+            <a:endParaRPr lang="en-US" dirty="0"/>
+          </a:p>
+        </p:txBody>
+      </p:sp>
+      <p:sp>
+        <p:nvSpPr>
+          <p:cNvPr id="6" name="Slide Number Placeholder 5"/>
+          <p:cNvSpPr>
+            <a:spLocks noGrp="1"/>
+          </p:cNvSpPr>
+          <p:nvPr>
+            <p:ph type="sldNum" sz="quarter" idx="4"/>
+          </p:nvPr>
+        </p:nvSpPr>
+        <p:spPr>
+          <a:xfrm>
+            <a:off x="10993582" y="6446838"/>
+            <a:ext cx="780010" cy="365125"/>
+          </a:xfrm>
+          <a:prstGeom prst="rect">
+            <a:avLst/>
+          </a:prstGeom>
+        </p:spPr>
+        <p:txBody>
+          <a:bodyPr vert="horz" lIns="91440" tIns="45720" rIns="91440" bIns="45720" rtlCol="0" anchor="ctr"/>
+          <a:lstStyle>
+            <a:lvl1pPr algn="l">
+              <a:defRPr sz="800">
+                <a:solidFill>
+                  <a:srgbClr val="FFFFFF"/>
+                </a:solidFill>
+              </a:defRPr>
+            </a:lvl1pPr>
+          </a:lstStyle>
+          <a:p>
+            <a:fld id="{3A98EE3D-8CD1-4C3F-BD1C-C98C9596463C}" type="slidenum">
+              <a:rPr lang="en-US" smtClean="0"/>
+              <a:t>‹#›</a:t>
+            </a:fld>
+            <a:endParaRPr lang="en-US" dirty="0"/>
+          </a:p>
+        </p:txBody>
+      </p:sp>
+      <p:cxnSp>
+        <p:nvCxnSpPr>
+          <p:cNvPr id="10" name="Straight Connector 9">
+            <a:extLst>
+              <a:ext uri="{FF2B5EF4-FFF2-40B4-BE49-F238E27FC236}">
+                <a16:creationId xmlns:a16="http://schemas.microsoft.com/office/drawing/2014/main" id="{C5025DAC-8B93-4160-B017-3A274A5828C0}"/>
+              </a:ext>
+            </a:extLst>
+          </p:cNvPr>
+          <p:cNvCxnSpPr/>
+          <p:nvPr/>
+        </p:nvCxnSpPr>
+        <p:spPr>
+          <a:xfrm>
+            <a:off x="1193532" y="1897380"/>
+            <a:ext cx="9966960" cy="0"/>
+          </a:xfrm>
+          <a:prstGeom prst="line">
+            <a:avLst/>
+          </a:prstGeom>
+          <a:ln w="12700">
+            <a:solidFill>
+              <a:schemeClr val="tx1">
+                <a:lumMod val="75000"/>
+                <a:lumOff val="25000"/>
+              </a:schemeClr>
+            </a:solidFill>
+          </a:ln>
+        </p:spPr>
+        <p:style>
+          <a:lnRef idx="1">
+            <a:schemeClr val="accent1"/>
+          </a:lnRef>
+          <a:fillRef idx="0">
+            <a:schemeClr val="accent1"/>
+          </a:fillRef>
+          <a:effectRef idx="0">
+            <a:schemeClr val="accent1"/>
+          </a:effectRef>
+          <a:fontRef idx="minor">
+            <a:schemeClr val="tx1"/>
+          </a:fontRef>
+        </p:style>
+      </p:cxnSp>
+    </p:spTree>
+    <p:extLst>
+      <p:ext uri="{BB962C8B-B14F-4D97-AF65-F5344CB8AC3E}">
+        <p14:creationId xmlns:p14="http://schemas.microsoft.com/office/powerpoint/2010/main" val="333124323"/>
+      </p:ext>
+    </p:extLst>
+  </p:cSld>
+  <p:clrMap bg1="lt1" tx1="dk1" bg2="lt2" tx2="dk2" accent1="accent1" accent2="accent2" accent3="accent3" accent4="accent4" accent5="accent5" accent6="accent6" hlink="hlink" folHlink="folHlink"/>
+  <p:sldLayoutIdLst>
+    <p:sldLayoutId id="2147483763" r:id="rId1"/>
+    <p:sldLayoutId id="2147483764" r:id="rId2"/>
+    <p:sldLayoutId id="2147483765" r:id="rId3"/>
+    <p:sldLayoutId id="2147483766" r:id="rId4"/>
+    <p:sldLayoutId id="2147483767" r:id="rId5"/>
+    <p:sldLayoutId id="2147483768" r:id="rId6"/>
+    <p:sldLayoutId id="2147483769" r:id="rId7"/>
+    <p:sldLayoutId id="2147483770" r:id="rId8"/>
+    <p:sldLayoutId id="2147483771" r:id="rId9"/>
+    <p:sldLayoutId id="2147483772" r:id="rId10"/>
+    <p:sldLayoutId id="2147483773" r:id="rId11"/>
+  </p:sldLayoutIdLst>
+  <p:hf sldNum="0" hdr="0" ftr="0" dt="0"/>
+  <p:txStyles>
+    <p:titleStyle>
+      <a:lvl1pPr algn="l" defTabSz="914400" rtl="0" eaLnBrk="1" latinLnBrk="0" hangingPunct="1">
+        <a:lnSpc>
+          <a:spcPct val="90000"/>
+        </a:lnSpc>
+        <a:spcBef>
+          <a:spcPct val="0"/>
+        </a:spcBef>
+        <a:buNone/>
+        <a:defRPr sz="4200" kern="1200" spc="-50" baseline="0">
+          <a:solidFill>
+            <a:schemeClr val="tx1">
+              <a:lumMod val="75000"/>
+              <a:lumOff val="25000"/>
+            </a:schemeClr>
+          </a:solidFill>
+          <a:latin typeface="+mj-lt"/>
+          <a:ea typeface="+mj-ea"/>
+          <a:cs typeface="+mj-cs"/>
+        </a:defRPr>
+      </a:lvl1pPr>
+    </p:titleStyle>
+    <p:bodyStyle>
+      <a:lvl1pPr marL="91440" indent="-91440" algn="l" defTabSz="914400" rtl="0" eaLnBrk="1" latinLnBrk="0" hangingPunct="1">
+        <a:lnSpc>
+          <a:spcPct val="120000"/>
+        </a:lnSpc>
+        <a:spcBef>
+          <a:spcPts val="1200"/>
+        </a:spcBef>
+        <a:spcAft>
+          <a:spcPts val="200"/>
+        </a:spcAft>
+        <a:buClr>
+          <a:schemeClr val="accent1"/>
+        </a:buClr>
+        <a:buSzPct val="100000"/>
+        <a:buFont typeface="Calibri" panose="020F0502020204030204" pitchFamily="34" charset="0"/>
+        <a:buChar char=" "/>
+        <a:defRPr sz="1800" kern="1200">
+          <a:solidFill>
+            <a:schemeClr val="tx1">
+              <a:lumMod val="75000"/>
+              <a:lumOff val="25000"/>
+            </a:schemeClr>
+          </a:solidFill>
+          <a:latin typeface="+mn-lt"/>
+          <a:ea typeface="+mn-ea"/>
+          <a:cs typeface="+mn-cs"/>
+        </a:defRPr>
+      </a:lvl1pPr>
+      <a:lvl2pPr marL="384048" indent="-182880" algn="l" defTabSz="914400" rtl="0" eaLnBrk="1" latinLnBrk="0" hangingPunct="1">
+        <a:lnSpc>
+          <a:spcPct val="100000"/>
+        </a:lnSpc>
+        <a:spcBef>
+          <a:spcPts val="200"/>
+        </a:spcBef>
+        <a:spcAft>
+          <a:spcPts val="400"/>
+        </a:spcAft>
+        <a:buClrTx/>
+        <a:buFont typeface="Calibri" pitchFamily="34" charset="0"/>
+        <a:buChar char="◦"/>
+        <a:defRPr sz="1600" kern="1200">
+          <a:solidFill>
+            <a:schemeClr val="tx1">
+              <a:lumMod val="75000"/>
+              <a:lumOff val="25000"/>
+            </a:schemeClr>
+          </a:solidFill>
+          <a:latin typeface="+mn-lt"/>
+          <a:ea typeface="+mn-ea"/>
+          <a:cs typeface="+mn-cs"/>
+        </a:defRPr>
+      </a:lvl2pPr>
+      <a:lvl3pPr marL="566928" indent="-182880" algn="l" defTabSz="914400" rtl="0" eaLnBrk="1" latinLnBrk="0" hangingPunct="1">
+        <a:lnSpc>
+          <a:spcPct val="100000"/>
+        </a:lnSpc>
+        <a:spcBef>
+          <a:spcPts val="200"/>
+        </a:spcBef>
+        <a:spcAft>
+          <a:spcPts val="400"/>
+        </a:spcAft>
+        <a:buClrTx/>
+        <a:buFont typeface="Calibri" pitchFamily="34" charset="0"/>
+        <a:buChar char="◦"/>
+        <a:defRPr sz="1200" kern="1200">
+          <a:solidFill>
+            <a:schemeClr val="tx1">
+              <a:lumMod val="75000"/>
+              <a:lumOff val="25000"/>
+            </a:schemeClr>
+          </a:solidFill>
+          <a:latin typeface="+mn-lt"/>
+          <a:ea typeface="+mn-ea"/>
+          <a:cs typeface="+mn-cs"/>
+        </a:defRPr>
+      </a:lvl3pPr>
+      <a:lvl4pPr marL="749808" indent="-182880" algn="l" defTabSz="914400" rtl="0" eaLnBrk="1" latinLnBrk="0" hangingPunct="1">
+        <a:lnSpc>
+          <a:spcPct val="100000"/>
+        </a:lnSpc>
+        <a:spcBef>
+          <a:spcPts val="200"/>
+        </a:spcBef>
+        <a:spcAft>
+          <a:spcPts val="400"/>
+        </a:spcAft>
+        <a:buClrTx/>
+        <a:buFont typeface="Calibri" pitchFamily="34" charset="0"/>
+        <a:buChar char="◦"/>
+        <a:defRPr sz="1200" kern="1200">
+          <a:solidFill>
+            <a:schemeClr val="tx1">
+              <a:lumMod val="75000"/>
+              <a:lumOff val="25000"/>
+            </a:schemeClr>
+          </a:solidFill>
+          <a:latin typeface="+mn-lt"/>
+          <a:ea typeface="+mn-ea"/>
+          <a:cs typeface="+mn-cs"/>
+        </a:defRPr>
+      </a:lvl4pPr>
+      <a:lvl5pPr marL="932688" indent="-182880" algn="l" defTabSz="914400" rtl="0" eaLnBrk="1" latinLnBrk="0" hangingPunct="1">
+        <a:lnSpc>
+          <a:spcPct val="100000"/>
+        </a:lnSpc>
+        <a:spcBef>
+          <a:spcPts val="200"/>
+        </a:spcBef>
+        <a:spcAft>
+          <a:spcPts val="400"/>
+        </a:spcAft>
+        <a:buClrTx/>
+        <a:buFont typeface="Calibri" pitchFamily="34" charset="0"/>
+        <a:buChar char="◦"/>
+        <a:defRPr sz="1200" kern="1200">
+          <a:solidFill>
+            <a:schemeClr val="tx1">
+              <a:lumMod val="75000"/>
+              <a:lumOff val="25000"/>
+            </a:schemeClr>
+          </a:solidFill>
+          <a:latin typeface="+mn-lt"/>
+          <a:ea typeface="+mn-ea"/>
+          <a:cs typeface="+mn-cs"/>
+        </a:defRPr>
+      </a:lvl5pPr>
+      <a:lvl6pPr marL="1100000" indent="-228600" algn="l" defTabSz="914400" rtl="0" eaLnBrk="1" latinLnBrk="0" hangingPunct="1">
+        <a:lnSpc>
+          <a:spcPct val="90000"/>
+        </a:lnSpc>
+        <a:spcBef>
+          <a:spcPts val="200"/>
+        </a:spcBef>
+        <a:spcAft>
+          <a:spcPts val="400"/>
+        </a:spcAft>
+        <a:buClr>
+          <a:schemeClr val="accent1"/>
+        </a:buClr>
+        <a:buFont typeface="Calibri" pitchFamily="34" charset="0"/>
+        <a:buChar char="◦"/>
+        <a:defRPr sz="1400" kern="1200">
+          <a:solidFill>
+            <a:schemeClr val="tx1">
+              <a:lumMod val="75000"/>
+              <a:lumOff val="25000"/>
+            </a:schemeClr>
+          </a:solidFill>
+          <a:latin typeface="+mn-lt"/>
+          <a:ea typeface="+mn-ea"/>
+          <a:cs typeface="+mn-cs"/>
+        </a:defRPr>
+      </a:lvl6pPr>
+      <a:lvl7pPr marL="1300000" indent="-228600" algn="l" defTabSz="914400" rtl="0" eaLnBrk="1" latinLnBrk="0" hangingPunct="1">
+        <a:lnSpc>
+          <a:spcPct val="90000"/>
+        </a:lnSpc>
+        <a:spcBef>
+          <a:spcPts val="200"/>
+        </a:spcBef>
+        <a:spcAft>
+          <a:spcPts val="400"/>
+        </a:spcAft>
+        <a:buClr>
+          <a:schemeClr val="accent1"/>
+        </a:buClr>
+        <a:buFont typeface="Calibri" pitchFamily="34" charset="0"/>
+        <a:buChar char="◦"/>
+        <a:defRPr sz="1400" kern="1200">
+          <a:solidFill>
+            <a:schemeClr val="tx1">
+              <a:lumMod val="75000"/>
+              <a:lumOff val="25000"/>
+            </a:schemeClr>
+          </a:solidFill>
+          <a:latin typeface="+mn-lt"/>
+          <a:ea typeface="+mn-ea"/>
+          <a:cs typeface="+mn-cs"/>
+        </a:defRPr>
+      </a:lvl7pPr>
+      <a:lvl8pPr marL="1500000" indent="-228600" algn="l" defTabSz="914400" rtl="0" eaLnBrk="1" latinLnBrk="0" hangingPunct="1">
+        <a:lnSpc>
+          <a:spcPct val="90000"/>
+        </a:lnSpc>
+        <a:spcBef>
+          <a:spcPts val="200"/>
+        </a:spcBef>
+        <a:spcAft>
+          <a:spcPts val="400"/>
+        </a:spcAft>
+        <a:buClr>
+          <a:schemeClr val="accent1"/>
+        </a:buClr>
+        <a:buFont typeface="Calibri" pitchFamily="34" charset="0"/>
+        <a:buChar char="◦"/>
+        <a:defRPr sz="1400" kern="1200">
+          <a:solidFill>
+            <a:schemeClr val="tx1">
+              <a:lumMod val="75000"/>
+              <a:lumOff val="25000"/>
+            </a:schemeClr>
+          </a:solidFill>
+          <a:latin typeface="+mn-lt"/>
+          <a:ea typeface="+mn-ea"/>
+          <a:cs typeface="+mn-cs"/>
+        </a:defRPr>
+      </a:lvl8pPr>
+      <a:lvl9pPr marL="1700000" indent="-228600" algn="l" defTabSz="914400" rtl="0" eaLnBrk="1" latinLnBrk="0" hangingPunct="1">
+        <a:lnSpc>
+          <a:spcPct val="90000"/>
+        </a:lnSpc>
+        <a:spcBef>
+          <a:spcPts val="200"/>
+        </a:spcBef>
+        <a:spcAft>
+          <a:spcPts val="400"/>
+        </a:spcAft>
+        <a:buClr>
+          <a:schemeClr val="accent1"/>
+        </a:buClr>
+        <a:buFont typeface="Calibri" pitchFamily="34" charset="0"/>
+        <a:buChar char="◦"/>
+        <a:defRPr sz="1400" kern="1200">
+          <a:solidFill>
+            <a:schemeClr val="tx1">
+              <a:lumMod val="75000"/>
+              <a:lumOff val="25000"/>
+            </a:schemeClr>
+          </a:solidFill>
+          <a:latin typeface="+mn-lt"/>
+          <a:ea typeface="+mn-ea"/>
+          <a:cs typeface="+mn-cs"/>
+        </a:defRPr>
+      </a:lvl9pPr>
+    </p:bodyStyle>
+    <p:otherStyle>
+      <a:defPPr>
+        <a:defRPr lang="en-US"/>
+      </a:defPPr>
+      <a:lvl1pPr marL="0" algn="l" defTabSz="914400" rtl="0" eaLnBrk="1" latinLnBrk="0" hangingPunct="1">
+        <a:defRPr sz="1800" kern="1200">
+          <a:solidFill>
+            <a:schemeClr val="tx1"/>
+          </a:solidFill>
+          <a:latin typeface="+mn-lt"/>
+          <a:ea typeface="+mn-ea"/>
+          <a:cs typeface="+mn-cs"/>
+        </a:defRPr>
+      </a:lvl1pPr>
+      <a:lvl2pPr marL="457200" algn="l" defTabSz="914400" rtl="0" eaLnBrk="1" latinLnBrk="0" hangingPunct="1">
+        <a:defRPr sz="1800" kern="1200">
+          <a:solidFill>
+            <a:schemeClr val="tx1"/>
+          </a:solidFill>
+          <a:latin typeface="+mn-lt"/>
+          <a:ea typeface="+mn-ea"/>
+          <a:cs typeface="+mn-cs"/>
+        </a:defRPr>
+      </a:lvl2pPr>
+      <a:lvl3pPr marL="914400" algn="l" defTabSz="914400" rtl="0" eaLnBrk="1" latinLnBrk="0" hangingPunct="1">
+        <a:defRPr sz="1800" kern="1200">
+          <a:solidFill>
+            <a:schemeClr val="tx1"/>
+          </a:solidFill>
+          <a:latin typeface="+mn-lt"/>
+          <a:ea typeface="+mn-ea"/>
+          <a:cs typeface="+mn-cs"/>
+        </a:defRPr>
+      </a:lvl3pPr>
+      <a:lvl4pPr marL="1371600" algn="l" defTabSz="914400" rtl="0" eaLnBrk="1" latinLnBrk="0" hangingPunct="1">
+        <a:defRPr sz="1800" kern="1200">
+          <a:solidFill>
+            <a:schemeClr val="tx1"/>
+          </a:solidFill>
+          <a:latin typeface="+mn-lt"/>
+          <a:ea typeface="+mn-ea"/>
+          <a:cs typeface="+mn-cs"/>
+        </a:defRPr>
+      </a:lvl4pPr>
+      <a:lvl5pPr marL="1828800" algn="l" defTabSz="914400" rtl="0" eaLnBrk="1" latinLnBrk="0" hangingPunct="1">
+        <a:defRPr sz="1800" kern="1200">
+          <a:solidFill>
+            <a:schemeClr val="tx1"/>
+          </a:solidFill>
+          <a:latin typeface="+mn-lt"/>
+          <a:ea typeface="+mn-ea"/>
+          <a:cs typeface="+mn-cs"/>
+        </a:defRPr>
+      </a:lvl5pPr>
+      <a:lvl6pPr marL="2286000" algn="l" defTabSz="914400" rtl="0" eaLnBrk="1" latinLnBrk="0" hangingPunct="1">
+        <a:defRPr sz="1800" kern="1200">
+          <a:solidFill>
+            <a:schemeClr val="tx1"/>
+          </a:solidFill>
+          <a:latin typeface="+mn-lt"/>
+          <a:ea typeface="+mn-ea"/>
+          <a:cs typeface="+mn-cs"/>
+        </a:defRPr>
+      </a:lvl6pPr>
+      <a:lvl7pPr marL="2743200" algn="l" defTabSz="914400" rtl="0" eaLnBrk="1" latinLnBrk="0" hangingPunct="1">
+        <a:defRPr sz="1800" kern="1200">
+          <a:solidFill>
+            <a:schemeClr val="tx1"/>
+          </a:solidFill>
+          <a:latin typeface="+mn-lt"/>
+          <a:ea typeface="+mn-ea"/>
+          <a:cs typeface="+mn-cs"/>
+        </a:defRPr>
+      </a:lvl7pPr>
+      <a:lvl8pPr marL="3200400" algn="l" defTabSz="914400" rtl="0" eaLnBrk="1" latinLnBrk="0" hangingPunct="1">
+        <a:defRPr sz="1800" kern="1200">
+          <a:solidFill>
+            <a:schemeClr val="tx1"/>
+          </a:solidFill>
+          <a:latin typeface="+mn-lt"/>
+          <a:ea typeface="+mn-ea"/>
+          <a:cs typeface="+mn-cs"/>
+        </a:defRPr>
+      </a:lvl8pPr>
+      <a:lvl9pPr marL="3657600" algn="l" defTabSz="914400" rtl="0" eaLnBrk="1" latinLnBrk="0" hangingPunct="1">
+        <a:defRPr sz="1800" kern="1200">
+          <a:solidFill>
+            <a:schemeClr val="tx1"/>
+          </a:solidFill>
+          <a:latin typeface="+mn-lt"/>
+          <a:ea typeface="+mn-ea"/>
+          <a:cs typeface="+mn-cs"/>
+        </a:defRPr>
+      </a:lvl9pPr>
+    </p:otherStyle>
+  </p:txStyles>
+</p:sldMaster>
+</file>
+
 <file path=ppt/slides/slide1.xml><?xml version="1.0" encoding="utf-8"?>
 <p:sld xmlns:a="http://schemas.openxmlformats.org/drawingml/2006/main" xmlns:r="http://schemas.openxmlformats.org/officeDocument/2006/relationships" xmlns:p="http://schemas.openxmlformats.org/presentationml/2006/main">
   <p:cSld>
@@ -6794,10 +10506,10 @@
       </p:grpSpPr>
       <p:pic>
         <p:nvPicPr>
-          <p:cNvPr id="11" name="รูปภาพ 10" descr="รูปภาพประกอบด้วย ตัวเชื่อมต่อ&#10;&#10;คำอธิบายที่สร้างโดยอัตโนมัติ">
+          <p:cNvPr id="6" name="รูปภาพ 5" descr="รูปภาพประกอบด้วย บุคคล, ผู้หญิง, คอมพิวเตอร์, โต๊ะ&#10;&#10;คำอธิบายที่สร้างขึ้นโดยอัตโนมัติ">
             <a:extLst>
               <a:ext uri="{FF2B5EF4-FFF2-40B4-BE49-F238E27FC236}">
-                <a16:creationId xmlns:a16="http://schemas.microsoft.com/office/drawing/2014/main" id="{15DCDAF2-FF85-45D3-A614-38FB8ADD948E}"/>
+                <a16:creationId xmlns:a16="http://schemas.microsoft.com/office/drawing/2014/main" id="{73416EE3-3846-4CAA-90A5-04B3F0D6DB8E}"/>
               </a:ext>
             </a:extLst>
           </p:cNvPr>
@@ -6814,19 +10526,74 @@
               </a:ext>
             </a:extLst>
           </a:blip>
-          <a:srcRect t="8432"/>
+          <a:srcRect t="3793" b="35812"/>
           <a:stretch/>
         </p:blipFill>
         <p:spPr>
           <a:xfrm>
-            <a:off x="0" y="-779268"/>
-            <a:ext cx="12190242" cy="6976533"/>
+            <a:off x="0" y="0"/>
+            <a:ext cx="12192031" cy="4915066"/>
           </a:xfrm>
           <a:prstGeom prst="rect">
             <a:avLst/>
           </a:prstGeom>
         </p:spPr>
       </p:pic>
+      <p:sp>
+        <p:nvSpPr>
+          <p:cNvPr id="44" name="Rectangle 22">
+            <a:extLst>
+              <a:ext uri="{FF2B5EF4-FFF2-40B4-BE49-F238E27FC236}">
+                <a16:creationId xmlns:a16="http://schemas.microsoft.com/office/drawing/2014/main" id="{0B4FB531-34DA-4777-9BD5-5B885DC38198}"/>
+              </a:ext>
+              <a:ext uri="{C183D7F6-B498-43B3-948B-1728B52AA6E4}">
+                <adec:decorative xmlns:adec="http://schemas.microsoft.com/office/drawing/2017/decorative" val="1"/>
+              </a:ext>
+            </a:extLst>
+          </p:cNvPr>
+          <p:cNvSpPr>
+            <a:spLocks noGrp="1" noRot="1" noChangeAspect="1" noMove="1" noResize="1" noEditPoints="1" noAdjustHandles="1" noChangeArrowheads="1" noChangeShapeType="1" noTextEdit="1"/>
+          </p:cNvSpPr>
+          <p:nvPr>
+            <p:extLst>
+              <p:ext uri="{386F3935-93C4-4BCD-93E2-E3B085C9AB24}">
+                <p16:designElem xmlns:p16="http://schemas.microsoft.com/office/powerpoint/2015/main" val="1"/>
+              </p:ext>
+            </p:extLst>
+          </p:nvPr>
+        </p:nvSpPr>
+        <p:spPr bwMode="white">
+          <a:xfrm>
+            <a:off x="1507" y="4915076"/>
+            <a:ext cx="12188952" cy="1942924"/>
+          </a:xfrm>
+          <a:prstGeom prst="rect">
+            <a:avLst/>
+          </a:prstGeom>
+          <a:solidFill>
+            <a:srgbClr val="262626"/>
+          </a:solidFill>
+          <a:ln>
+            <a:noFill/>
+          </a:ln>
+        </p:spPr>
+        <p:style>
+          <a:lnRef idx="2">
+            <a:schemeClr val="accent1">
+              <a:shade val="50000"/>
+            </a:schemeClr>
+          </a:lnRef>
+          <a:fillRef idx="1">
+            <a:schemeClr val="accent1"/>
+          </a:fillRef>
+          <a:effectRef idx="0">
+            <a:schemeClr val="accent1"/>
+          </a:effectRef>
+          <a:fontRef idx="minor">
+            <a:schemeClr val="lt1"/>
+          </a:fontRef>
+        </p:style>
+      </p:sp>
       <p:sp>
         <p:nvSpPr>
           <p:cNvPr id="2" name="ชื่อเรื่อง 1">
@@ -6845,7 +10612,7 @@
         </p:nvSpPr>
         <p:spPr>
           <a:xfrm>
-            <a:off x="828675" y="5120639"/>
+            <a:off x="908707" y="5136541"/>
             <a:ext cx="7137263" cy="1280161"/>
           </a:xfrm>
         </p:spPr>
@@ -6857,12 +10624,12 @@
           <a:p>
             <a:pPr algn="r"/>
             <a:r>
-              <a:rPr lang="en-US" sz="4800" dirty="0">
+              <a:rPr lang="en-US" sz="4100" dirty="0">
                 <a:solidFill>
                   <a:srgbClr val="FFFFFF"/>
                 </a:solidFill>
               </a:rPr>
-              <a:t>Thai rice project</a:t>
+              <a:t>Performance and Goal Management</a:t>
             </a:r>
           </a:p>
         </p:txBody>
@@ -6885,8 +10652,8 @@
         </p:nvSpPr>
         <p:spPr>
           <a:xfrm>
-            <a:off x="8382717" y="5120639"/>
-            <a:ext cx="3073745" cy="1280160"/>
+            <a:off x="8289580" y="5120639"/>
+            <a:ext cx="3382935" cy="1280160"/>
           </a:xfrm>
         </p:spPr>
         <p:txBody>
@@ -6896,42 +10663,97 @@
           <a:lstStyle/>
           <a:p>
             <a:r>
-              <a:rPr lang="en-US" sz="1500" b="1" dirty="0">
+              <a:rPr lang="th-TH" sz="2000" b="1" dirty="0">
                 <a:solidFill>
                   <a:srgbClr val="FFFFFF"/>
                 </a:solidFill>
                 <a:latin typeface="TH Sarabun New" panose="020B0500040200020003" pitchFamily="34" charset="-34"/>
                 <a:cs typeface="TH Sarabun New" panose="020B0500040200020003" pitchFamily="34" charset="-34"/>
               </a:rPr>
-              <a:t>Miss CHANANTHON MUNSRIKAEW</a:t>
-            </a:r>
-          </a:p>
-          <a:p>
-            <a:r>
-              <a:rPr lang="en-US" sz="1500" b="1" dirty="0">
+              <a:t>การจัดการ การวัดประเมินผลปฏิบัติงาน</a:t>
+            </a:r>
+            <a:r>
+              <a:rPr lang="en-US" sz="2000" b="1" dirty="0">
                 <a:solidFill>
                   <a:srgbClr val="FFFFFF"/>
                 </a:solidFill>
                 <a:latin typeface="TH Sarabun New" panose="020B0500040200020003" pitchFamily="34" charset="-34"/>
                 <a:cs typeface="TH Sarabun New" panose="020B0500040200020003" pitchFamily="34" charset="-34"/>
               </a:rPr>
-              <a:t>Mr. PHARADORN BOONRUAM</a:t>
-            </a:r>
-          </a:p>
-          <a:p>
-            <a:r>
-              <a:rPr lang="en-US" sz="1500" b="1" dirty="0">
+              <a:t>(</a:t>
+            </a:r>
+            <a:r>
+              <a:rPr lang="th-TH" sz="2000" b="1" dirty="0">
                 <a:solidFill>
                   <a:srgbClr val="FFFFFF"/>
                 </a:solidFill>
                 <a:latin typeface="TH Sarabun New" panose="020B0500040200020003" pitchFamily="34" charset="-34"/>
                 <a:cs typeface="TH Sarabun New" panose="020B0500040200020003" pitchFamily="34" charset="-34"/>
               </a:rPr>
-              <a:t>Mr. CHIDCHANSA WORACHIN</a:t>
-            </a:r>
-          </a:p>
-        </p:txBody>
-      </p:sp>
+              <a:t>สมรรถนะ) และเป้าหมาย</a:t>
+            </a:r>
+            <a:endParaRPr lang="en-US" sz="2000" b="1" dirty="0">
+              <a:solidFill>
+                <a:srgbClr val="FFFFFF"/>
+              </a:solidFill>
+              <a:latin typeface="TH Sarabun New" panose="020B0500040200020003" pitchFamily="34" charset="-34"/>
+              <a:cs typeface="TH Sarabun New" panose="020B0500040200020003" pitchFamily="34" charset="-34"/>
+            </a:endParaRPr>
+          </a:p>
+        </p:txBody>
+      </p:sp>
+      <p:cxnSp>
+        <p:nvCxnSpPr>
+          <p:cNvPr id="45" name="Straight Connector 24">
+            <a:extLst>
+              <a:ext uri="{FF2B5EF4-FFF2-40B4-BE49-F238E27FC236}">
+                <a16:creationId xmlns:a16="http://schemas.microsoft.com/office/drawing/2014/main" id="{D5B557D3-D7B4-404B-84A1-9BD182BE5B06}"/>
+              </a:ext>
+              <a:ext uri="{C183D7F6-B498-43B3-948B-1728B52AA6E4}">
+                <adec:decorative xmlns:adec="http://schemas.microsoft.com/office/drawing/2017/decorative" val="1"/>
+              </a:ext>
+            </a:extLst>
+          </p:cNvPr>
+          <p:cNvCxnSpPr>
+            <a:cxnSpLocks noGrp="1" noRot="1" noChangeAspect="1" noMove="1" noResize="1" noEditPoints="1" noAdjustHandles="1" noChangeArrowheads="1" noChangeShapeType="1"/>
+          </p:cNvCxnSpPr>
+          <p:nvPr>
+            <p:extLst>
+              <p:ext uri="{386F3935-93C4-4BCD-93E2-E3B085C9AB24}">
+                <p16:designElem xmlns:p16="http://schemas.microsoft.com/office/powerpoint/2015/main" val="1"/>
+              </p:ext>
+            </p:extLst>
+          </p:nvPr>
+        </p:nvCxnSpPr>
+        <p:spPr>
+          <a:xfrm rot="16200000">
+            <a:off x="7532813" y="5760720"/>
+            <a:ext cx="1188720" cy="0"/>
+          </a:xfrm>
+          <a:prstGeom prst="line">
+            <a:avLst/>
+          </a:prstGeom>
+          <a:ln w="19050">
+            <a:solidFill>
+              <a:schemeClr val="accent1"/>
+            </a:solidFill>
+          </a:ln>
+        </p:spPr>
+        <p:style>
+          <a:lnRef idx="1">
+            <a:schemeClr val="accent1"/>
+          </a:lnRef>
+          <a:fillRef idx="0">
+            <a:schemeClr val="accent1"/>
+          </a:fillRef>
+          <a:effectRef idx="0">
+            <a:schemeClr val="accent1"/>
+          </a:effectRef>
+          <a:fontRef idx="minor">
+            <a:schemeClr val="tx1"/>
+          </a:fontRef>
+        </p:style>
+      </p:cxnSp>
       <p:sp>
         <p:nvSpPr>
           <p:cNvPr id="7" name="ชื่อเรื่อง 1">
@@ -6948,8 +10770,8 @@
         </p:nvSpPr>
         <p:spPr>
           <a:xfrm>
-            <a:off x="8602133" y="117355"/>
-            <a:ext cx="3589867" cy="297511"/>
+            <a:off x="7552082" y="115294"/>
+            <a:ext cx="7137263" cy="343231"/>
           </a:xfrm>
           <a:prstGeom prst="rect">
             <a:avLst/>
@@ -6957,7 +10779,7 @@
         </p:spPr>
         <p:txBody>
           <a:bodyPr vert="horz" lIns="91440" tIns="45720" rIns="91440" bIns="45720" rtlCol="0" anchor="ctr">
-            <a:normAutofit fontScale="92500" lnSpcReduction="20000"/>
+            <a:normAutofit/>
           </a:bodyPr>
           <a:lstStyle>
             <a:lvl1pPr algn="l" defTabSz="914400" rtl="0" eaLnBrk="1" latinLnBrk="0" hangingPunct="1">
@@ -6982,56 +10804,47 @@
             </a:lvl1pPr>
           </a:lstStyle>
           <a:p>
-            <a:pPr>
+            <a:pPr marL="0" marR="0" lvl="0" indent="0" algn="l" defTabSz="914400" rtl="0" eaLnBrk="1" fontAlgn="auto" latinLnBrk="0" hangingPunct="1">
+              <a:lnSpc>
+                <a:spcPct val="90000"/>
+              </a:lnSpc>
+              <a:spcBef>
+                <a:spcPct val="0"/>
+              </a:spcBef>
               <a:spcAft>
                 <a:spcPts val="600"/>
               </a:spcAft>
+              <a:buClrTx/>
+              <a:buSzTx/>
+              <a:buFontTx/>
+              <a:buNone/>
+              <a:tabLst/>
+              <a:defRPr/>
             </a:pPr>
             <a:r>
-              <a:rPr lang="en-US" sz="1800" dirty="0">
+              <a:rPr kumimoji="0" lang="en-US" sz="1800" b="0" i="0" u="none" strike="noStrike" kern="1200" cap="none" spc="-50" normalizeH="0" baseline="0" noProof="0" dirty="0">
+                <a:ln>
+                  <a:noFill/>
+                </a:ln>
                 <a:solidFill>
                   <a:srgbClr val="FF0000"/>
                 </a:solidFill>
+                <a:effectLst/>
+                <a:uLnTx/>
+                <a:uFillTx/>
+                <a:latin typeface="Arial Nova Light" panose="020F0302020204030204"/>
+                <a:ea typeface="+mj-ea"/>
+                <a:cs typeface="+mj-cs"/>
               </a:rPr>
-              <a:t>214331 - Semantic Web Development</a:t>
-            </a:r>
-          </a:p>
-        </p:txBody>
-      </p:sp>
-      <p:pic>
-        <p:nvPicPr>
-          <p:cNvPr id="8" name="รูปภาพ 7">
-            <a:extLst>
-              <a:ext uri="{FF2B5EF4-FFF2-40B4-BE49-F238E27FC236}">
-                <a16:creationId xmlns:a16="http://schemas.microsoft.com/office/drawing/2014/main" id="{A5CFCFBC-F310-4CEB-802E-1813D7F81E1B}"/>
-              </a:ext>
-            </a:extLst>
-          </p:cNvPr>
-          <p:cNvPicPr>
-            <a:picLocks noChangeAspect="1"/>
-          </p:cNvPicPr>
-          <p:nvPr/>
-        </p:nvPicPr>
-        <p:blipFill>
-          <a:blip r:embed="rId4"/>
-          <a:stretch>
-            <a:fillRect/>
-          </a:stretch>
-        </p:blipFill>
-        <p:spPr>
-          <a:xfrm>
-            <a:off x="1096622" y="779221"/>
-            <a:ext cx="10115550" cy="3790950"/>
-          </a:xfrm>
-          <a:prstGeom prst="rect">
-            <a:avLst/>
-          </a:prstGeom>
-        </p:spPr>
-      </p:pic>
+              <a:t>Human Resource Management System (HRMS)</a:t>
+            </a:r>
+          </a:p>
+        </p:txBody>
+      </p:sp>
     </p:spTree>
     <p:extLst>
       <p:ext uri="{BB962C8B-B14F-4D97-AF65-F5344CB8AC3E}">
-        <p14:creationId xmlns:p14="http://schemas.microsoft.com/office/powerpoint/2010/main" val="4264366582"/>
+        <p14:creationId xmlns:p14="http://schemas.microsoft.com/office/powerpoint/2010/main" val="1398761058"/>
       </p:ext>
     </p:extLst>
   </p:cSld>
@@ -7042,6 +10855,503 @@
 </file>
 
 <file path=ppt/slides/slide10.xml><?xml version="1.0" encoding="utf-8"?>
+<p:sld xmlns:a="http://schemas.openxmlformats.org/drawingml/2006/main" xmlns:r="http://schemas.openxmlformats.org/officeDocument/2006/relationships" xmlns:p="http://schemas.openxmlformats.org/presentationml/2006/main">
+  <p:cSld>
+    <p:spTree>
+      <p:nvGrpSpPr>
+        <p:cNvPr id="1" name=""/>
+        <p:cNvGrpSpPr/>
+        <p:nvPr/>
+      </p:nvGrpSpPr>
+      <p:grpSpPr>
+        <a:xfrm>
+          <a:off x="0" y="0"/>
+          <a:ext cx="0" cy="0"/>
+          <a:chOff x="0" y="0"/>
+          <a:chExt cx="0" cy="0"/>
+        </a:xfrm>
+      </p:grpSpPr>
+      <p:sp>
+        <p:nvSpPr>
+          <p:cNvPr id="4" name="Title 1">
+            <a:extLst>
+              <a:ext uri="{FF2B5EF4-FFF2-40B4-BE49-F238E27FC236}">
+                <a16:creationId xmlns:a16="http://schemas.microsoft.com/office/drawing/2014/main" id="{73B9A7A3-796B-45BB-84BD-D441005E22CF}"/>
+              </a:ext>
+            </a:extLst>
+          </p:cNvPr>
+          <p:cNvSpPr>
+            <a:spLocks noGrp="1"/>
+          </p:cNvSpPr>
+          <p:nvPr>
+            <p:ph type="title"/>
+          </p:nvPr>
+        </p:nvSpPr>
+        <p:spPr>
+          <a:xfrm>
+            <a:off x="300825" y="397454"/>
+            <a:ext cx="2904599" cy="828446"/>
+          </a:xfrm>
+        </p:spPr>
+        <p:txBody>
+          <a:bodyPr/>
+          <a:lstStyle/>
+          <a:p>
+            <a:r>
+              <a:rPr lang="en-US" dirty="0"/>
+              <a:t>Individuals</a:t>
+            </a:r>
+          </a:p>
+        </p:txBody>
+      </p:sp>
+      <p:sp>
+        <p:nvSpPr>
+          <p:cNvPr id="5" name="Title 1">
+            <a:extLst>
+              <a:ext uri="{FF2B5EF4-FFF2-40B4-BE49-F238E27FC236}">
+                <a16:creationId xmlns:a16="http://schemas.microsoft.com/office/drawing/2014/main" id="{A165B036-8BA5-401F-BA24-C3F4464902F5}"/>
+              </a:ext>
+            </a:extLst>
+          </p:cNvPr>
+          <p:cNvSpPr txBox="1">
+            <a:spLocks/>
+          </p:cNvSpPr>
+          <p:nvPr/>
+        </p:nvSpPr>
+        <p:spPr>
+          <a:xfrm>
+            <a:off x="474246" y="1225900"/>
+            <a:ext cx="836394" cy="697493"/>
+          </a:xfrm>
+          <a:prstGeom prst="rect">
+            <a:avLst/>
+          </a:prstGeom>
+        </p:spPr>
+        <p:txBody>
+          <a:bodyPr vert="horz" lIns="91440" tIns="45720" rIns="91440" bIns="45720" rtlCol="0" anchor="ctr">
+            <a:normAutofit/>
+          </a:bodyPr>
+          <a:lstStyle>
+            <a:lvl1pPr algn="ctr" defTabSz="914400" rtl="0" eaLnBrk="1" latinLnBrk="0" hangingPunct="1">
+              <a:lnSpc>
+                <a:spcPct val="90000"/>
+              </a:lnSpc>
+              <a:spcBef>
+                <a:spcPct val="0"/>
+              </a:spcBef>
+              <a:buNone/>
+              <a:defRPr sz="3600" kern="1200" cap="all" baseline="0">
+                <a:solidFill>
+                  <a:schemeClr val="tx1"/>
+                </a:solidFill>
+                <a:effectLst/>
+                <a:latin typeface="+mj-lt"/>
+                <a:ea typeface="+mj-ea"/>
+                <a:cs typeface="+mj-cs"/>
+              </a:defRPr>
+            </a:lvl1pPr>
+          </a:lstStyle>
+          <a:p>
+            <a:r>
+              <a:rPr lang="en-US" sz="2400" dirty="0"/>
+              <a:t>leaf</a:t>
+            </a:r>
+            <a:endParaRPr lang="en-US" sz="1800" dirty="0"/>
+          </a:p>
+        </p:txBody>
+      </p:sp>
+      <p:sp>
+        <p:nvSpPr>
+          <p:cNvPr id="6" name="Title 1">
+            <a:extLst>
+              <a:ext uri="{FF2B5EF4-FFF2-40B4-BE49-F238E27FC236}">
+                <a16:creationId xmlns:a16="http://schemas.microsoft.com/office/drawing/2014/main" id="{9FB71EDC-28E6-4F1F-8B24-F059C0581FC9}"/>
+              </a:ext>
+            </a:extLst>
+          </p:cNvPr>
+          <p:cNvSpPr txBox="1">
+            <a:spLocks/>
+          </p:cNvSpPr>
+          <p:nvPr/>
+        </p:nvSpPr>
+        <p:spPr>
+          <a:xfrm>
+            <a:off x="474246" y="3247464"/>
+            <a:ext cx="2179320" cy="828446"/>
+          </a:xfrm>
+          <a:prstGeom prst="rect">
+            <a:avLst/>
+          </a:prstGeom>
+        </p:spPr>
+        <p:txBody>
+          <a:bodyPr vert="horz" lIns="91440" tIns="45720" rIns="91440" bIns="45720" rtlCol="0" anchor="ctr">
+            <a:normAutofit/>
+          </a:bodyPr>
+          <a:lstStyle>
+            <a:lvl1pPr algn="ctr" defTabSz="914400" rtl="0" eaLnBrk="1" latinLnBrk="0" hangingPunct="1">
+              <a:lnSpc>
+                <a:spcPct val="90000"/>
+              </a:lnSpc>
+              <a:spcBef>
+                <a:spcPct val="0"/>
+              </a:spcBef>
+              <a:buNone/>
+              <a:defRPr sz="3600" kern="1200" cap="all" baseline="0">
+                <a:solidFill>
+                  <a:schemeClr val="tx1"/>
+                </a:solidFill>
+                <a:effectLst/>
+                <a:latin typeface="+mj-lt"/>
+                <a:ea typeface="+mj-ea"/>
+                <a:cs typeface="+mj-cs"/>
+              </a:defRPr>
+            </a:lvl1pPr>
+          </a:lstStyle>
+          <a:p>
+            <a:r>
+              <a:rPr lang="en-US" dirty="0"/>
+              <a:t>7 data</a:t>
+            </a:r>
+          </a:p>
+        </p:txBody>
+      </p:sp>
+      <p:graphicFrame>
+        <p:nvGraphicFramePr>
+          <p:cNvPr id="7" name="Table 7">
+            <a:extLst>
+              <a:ext uri="{FF2B5EF4-FFF2-40B4-BE49-F238E27FC236}">
+                <a16:creationId xmlns:a16="http://schemas.microsoft.com/office/drawing/2014/main" id="{A8AF42CE-5C94-4D86-8C9F-502A4FE6FE36}"/>
+              </a:ext>
+            </a:extLst>
+          </p:cNvPr>
+          <p:cNvGraphicFramePr>
+            <a:graphicFrameLocks noGrp="1"/>
+          </p:cNvGraphicFramePr>
+          <p:nvPr>
+            <p:extLst>
+              <p:ext uri="{D42A27DB-BD31-4B8C-83A1-F6EECF244321}">
+                <p14:modId xmlns:p14="http://schemas.microsoft.com/office/powerpoint/2010/main" val="1073323783"/>
+              </p:ext>
+            </p:extLst>
+          </p:nvPr>
+        </p:nvGraphicFramePr>
+        <p:xfrm>
+          <a:off x="3312160" y="1574646"/>
+          <a:ext cx="8128000" cy="2966720"/>
+        </p:xfrm>
+        <a:graphic>
+          <a:graphicData uri="http://schemas.openxmlformats.org/drawingml/2006/table">
+            <a:tbl>
+              <a:tblPr firstRow="1" bandRow="1">
+                <a:tableStyleId>{5C22544A-7EE6-4342-B048-85BDC9FD1C3A}</a:tableStyleId>
+              </a:tblPr>
+              <a:tblGrid>
+                <a:gridCol w="4064000">
+                  <a:extLst>
+                    <a:ext uri="{9D8B030D-6E8A-4147-A177-3AD203B41FA5}">
+                      <a16:colId xmlns:a16="http://schemas.microsoft.com/office/drawing/2014/main" val="3554553576"/>
+                    </a:ext>
+                  </a:extLst>
+                </a:gridCol>
+                <a:gridCol w="4064000">
+                  <a:extLst>
+                    <a:ext uri="{9D8B030D-6E8A-4147-A177-3AD203B41FA5}">
+                      <a16:colId xmlns:a16="http://schemas.microsoft.com/office/drawing/2014/main" val="2064805966"/>
+                    </a:ext>
+                  </a:extLst>
+                </a:gridCol>
+              </a:tblGrid>
+              <a:tr h="370840">
+                <a:tc>
+                  <a:txBody>
+                    <a:bodyPr/>
+                    <a:lstStyle/>
+                    <a:p>
+                      <a:r>
+                        <a:rPr lang="en-US" dirty="0" err="1"/>
+                        <a:t>isPhysicalThaiName</a:t>
+                      </a:r>
+                      <a:endParaRPr lang="en-US" dirty="0"/>
+                    </a:p>
+                  </a:txBody>
+                  <a:tcPr/>
+                </a:tc>
+                <a:tc>
+                  <a:txBody>
+                    <a:bodyPr/>
+                    <a:lstStyle/>
+                    <a:p>
+                      <a:r>
+                        <a:rPr lang="en-US" dirty="0" err="1"/>
+                        <a:t>isPhysicalEngName</a:t>
+                      </a:r>
+                      <a:endParaRPr lang="en-US" dirty="0"/>
+                    </a:p>
+                  </a:txBody>
+                  <a:tcPr/>
+                </a:tc>
+                <a:extLst>
+                  <a:ext uri="{0D108BD9-81ED-4DB2-BD59-A6C34878D82A}">
+                    <a16:rowId xmlns:a16="http://schemas.microsoft.com/office/drawing/2014/main" val="983711188"/>
+                  </a:ext>
+                </a:extLst>
+              </a:tr>
+              <a:tr h="370840">
+                <a:tc>
+                  <a:txBody>
+                    <a:bodyPr/>
+                    <a:lstStyle/>
+                    <a:p>
+                      <a:r>
+                        <a:rPr lang="th-TH" dirty="0"/>
+                        <a:t>ใบธงทำมุม</a:t>
+                      </a:r>
+                      <a:endParaRPr lang="en-US" dirty="0"/>
+                    </a:p>
+                  </a:txBody>
+                  <a:tcPr/>
+                </a:tc>
+                <a:tc>
+                  <a:txBody>
+                    <a:bodyPr/>
+                    <a:lstStyle/>
+                    <a:p>
+                      <a:r>
+                        <a:rPr lang="en-US" dirty="0"/>
+                        <a:t>Angle Flag leaf</a:t>
+                      </a:r>
+                    </a:p>
+                  </a:txBody>
+                  <a:tcPr/>
+                </a:tc>
+                <a:extLst>
+                  <a:ext uri="{0D108BD9-81ED-4DB2-BD59-A6C34878D82A}">
+                    <a16:rowId xmlns:a16="http://schemas.microsoft.com/office/drawing/2014/main" val="406551315"/>
+                  </a:ext>
+                </a:extLst>
+              </a:tr>
+              <a:tr h="370840">
+                <a:tc>
+                  <a:txBody>
+                    <a:bodyPr/>
+                    <a:lstStyle/>
+                    <a:p>
+                      <a:r>
+                        <a:rPr lang="th-TH" dirty="0"/>
+                        <a:t>ใบธงตก</a:t>
+                      </a:r>
+                      <a:endParaRPr lang="en-US" dirty="0"/>
+                    </a:p>
+                  </a:txBody>
+                  <a:tcPr/>
+                </a:tc>
+                <a:tc>
+                  <a:txBody>
+                    <a:bodyPr/>
+                    <a:lstStyle/>
+                    <a:p>
+                      <a:r>
+                        <a:rPr lang="en-US" dirty="0"/>
+                        <a:t>Falling Flag leaf</a:t>
+                      </a:r>
+                    </a:p>
+                  </a:txBody>
+                  <a:tcPr/>
+                </a:tc>
+                <a:extLst>
+                  <a:ext uri="{0D108BD9-81ED-4DB2-BD59-A6C34878D82A}">
+                    <a16:rowId xmlns:a16="http://schemas.microsoft.com/office/drawing/2014/main" val="3732637416"/>
+                  </a:ext>
+                </a:extLst>
+              </a:tr>
+              <a:tr h="370840">
+                <a:tc>
+                  <a:txBody>
+                    <a:bodyPr/>
+                    <a:lstStyle/>
+                    <a:p>
+                      <a:r>
+                        <a:rPr lang="th-TH" dirty="0"/>
+                        <a:t>ใบธงเอน</a:t>
+                      </a:r>
+                      <a:endParaRPr lang="en-US" dirty="0"/>
+                    </a:p>
+                  </a:txBody>
+                  <a:tcPr/>
+                </a:tc>
+                <a:tc>
+                  <a:txBody>
+                    <a:bodyPr/>
+                    <a:lstStyle/>
+                    <a:p>
+                      <a:r>
+                        <a:rPr lang="en-US" dirty="0"/>
+                        <a:t>Inclined Flag leaf</a:t>
+                      </a:r>
+                    </a:p>
+                  </a:txBody>
+                  <a:tcPr/>
+                </a:tc>
+                <a:extLst>
+                  <a:ext uri="{0D108BD9-81ED-4DB2-BD59-A6C34878D82A}">
+                    <a16:rowId xmlns:a16="http://schemas.microsoft.com/office/drawing/2014/main" val="23350321"/>
+                  </a:ext>
+                </a:extLst>
+              </a:tr>
+              <a:tr h="370840">
+                <a:tc>
+                  <a:txBody>
+                    <a:bodyPr/>
+                    <a:lstStyle/>
+                    <a:p>
+                      <a:r>
+                        <a:rPr lang="th-TH" dirty="0"/>
+                        <a:t>ใบยาว</a:t>
+                      </a:r>
+                      <a:endParaRPr lang="en-US" dirty="0"/>
+                    </a:p>
+                  </a:txBody>
+                  <a:tcPr/>
+                </a:tc>
+                <a:tc>
+                  <a:txBody>
+                    <a:bodyPr/>
+                    <a:lstStyle/>
+                    <a:p>
+                      <a:r>
+                        <a:rPr lang="en-US" dirty="0"/>
+                        <a:t>Long leaf</a:t>
+                      </a:r>
+                    </a:p>
+                  </a:txBody>
+                  <a:tcPr/>
+                </a:tc>
+                <a:extLst>
+                  <a:ext uri="{0D108BD9-81ED-4DB2-BD59-A6C34878D82A}">
+                    <a16:rowId xmlns:a16="http://schemas.microsoft.com/office/drawing/2014/main" val="1622078560"/>
+                  </a:ext>
+                </a:extLst>
+              </a:tr>
+              <a:tr h="370840">
+                <a:tc>
+                  <a:txBody>
+                    <a:bodyPr/>
+                    <a:lstStyle/>
+                    <a:p>
+                      <a:r>
+                        <a:rPr lang="th-TH" dirty="0"/>
+                        <a:t>ใบธงยาว</a:t>
+                      </a:r>
+                      <a:endParaRPr lang="en-US" dirty="0"/>
+                    </a:p>
+                  </a:txBody>
+                  <a:tcPr/>
+                </a:tc>
+                <a:tc>
+                  <a:txBody>
+                    <a:bodyPr/>
+                    <a:lstStyle/>
+                    <a:p>
+                      <a:r>
+                        <a:rPr lang="en-US" dirty="0"/>
+                        <a:t>Long Flag leaf</a:t>
+                      </a:r>
+                    </a:p>
+                  </a:txBody>
+                  <a:tcPr/>
+                </a:tc>
+                <a:extLst>
+                  <a:ext uri="{0D108BD9-81ED-4DB2-BD59-A6C34878D82A}">
+                    <a16:rowId xmlns:a16="http://schemas.microsoft.com/office/drawing/2014/main" val="4258321017"/>
+                  </a:ext>
+                </a:extLst>
+              </a:tr>
+              <a:tr h="370840">
+                <a:tc>
+                  <a:txBody>
+                    <a:bodyPr/>
+                    <a:lstStyle/>
+                    <a:p>
+                      <a:r>
+                        <a:rPr lang="th-TH" dirty="0"/>
+                        <a:t>ใบธงตั้ง</a:t>
+                      </a:r>
+                      <a:endParaRPr lang="en-US" dirty="0"/>
+                    </a:p>
+                  </a:txBody>
+                  <a:tcPr/>
+                </a:tc>
+                <a:tc>
+                  <a:txBody>
+                    <a:bodyPr/>
+                    <a:lstStyle/>
+                    <a:p>
+                      <a:r>
+                        <a:rPr lang="en-US" dirty="0"/>
+                        <a:t>Set Flag leaf</a:t>
+                      </a:r>
+                    </a:p>
+                  </a:txBody>
+                  <a:tcPr/>
+                </a:tc>
+                <a:extLst>
+                  <a:ext uri="{0D108BD9-81ED-4DB2-BD59-A6C34878D82A}">
+                    <a16:rowId xmlns:a16="http://schemas.microsoft.com/office/drawing/2014/main" val="3013395802"/>
+                  </a:ext>
+                </a:extLst>
+              </a:tr>
+              <a:tr h="370840">
+                <a:tc>
+                  <a:txBody>
+                    <a:bodyPr/>
+                    <a:lstStyle/>
+                    <a:p>
+                      <a:r>
+                        <a:rPr lang="th-TH" dirty="0"/>
+                        <a:t>ใบธงตั้งตรง</a:t>
+                      </a:r>
+                      <a:endParaRPr lang="en-US" dirty="0"/>
+                    </a:p>
+                  </a:txBody>
+                  <a:tcPr/>
+                </a:tc>
+                <a:tc>
+                  <a:txBody>
+                    <a:bodyPr/>
+                    <a:lstStyle/>
+                    <a:p>
+                      <a:r>
+                        <a:rPr lang="en-US" dirty="0"/>
+                        <a:t>Set Straight Flag leaf</a:t>
+                      </a:r>
+                    </a:p>
+                  </a:txBody>
+                  <a:tcPr/>
+                </a:tc>
+                <a:extLst>
+                  <a:ext uri="{0D108BD9-81ED-4DB2-BD59-A6C34878D82A}">
+                    <a16:rowId xmlns:a16="http://schemas.microsoft.com/office/drawing/2014/main" val="2120709117"/>
+                  </a:ext>
+                </a:extLst>
+              </a:tr>
+            </a:tbl>
+          </a:graphicData>
+        </a:graphic>
+      </p:graphicFrame>
+    </p:spTree>
+    <p:extLst>
+      <p:ext uri="{BB962C8B-B14F-4D97-AF65-F5344CB8AC3E}">
+        <p14:creationId xmlns:p14="http://schemas.microsoft.com/office/powerpoint/2010/main" val="1836728272"/>
+      </p:ext>
+    </p:extLst>
+  </p:cSld>
+  <p:clrMapOvr>
+    <a:masterClrMapping/>
+  </p:clrMapOvr>
+</p:sld>
+</file>
+
+<file path=ppt/slides/slide11.xml><?xml version="1.0" encoding="utf-8"?>
 <p:sld xmlns:a="http://schemas.openxmlformats.org/drawingml/2006/main" xmlns:r="http://schemas.openxmlformats.org/officeDocument/2006/relationships" xmlns:p="http://schemas.openxmlformats.org/presentationml/2006/main">
   <p:cSld>
     <p:spTree>
@@ -7438,7 +11748,7 @@
 </p:sld>
 </file>
 
-<file path=ppt/slides/slide11.xml><?xml version="1.0" encoding="utf-8"?>
+<file path=ppt/slides/slide12.xml><?xml version="1.0" encoding="utf-8"?>
 <p:sld xmlns:a="http://schemas.openxmlformats.org/drawingml/2006/main" xmlns:r="http://schemas.openxmlformats.org/officeDocument/2006/relationships" xmlns:p="http://schemas.openxmlformats.org/presentationml/2006/main">
   <p:cSld>
     <p:spTree>
@@ -8045,7 +12355,7 @@
 </p:sld>
 </file>
 
-<file path=ppt/slides/slide12.xml><?xml version="1.0" encoding="utf-8"?>
+<file path=ppt/slides/slide13.xml><?xml version="1.0" encoding="utf-8"?>
 <p:sld xmlns:a="http://schemas.openxmlformats.org/drawingml/2006/main" xmlns:r="http://schemas.openxmlformats.org/officeDocument/2006/relationships" xmlns:p="http://schemas.openxmlformats.org/presentationml/2006/main">
   <p:cSld>
     <p:spTree>
@@ -8695,7 +13005,7 @@
 </p:sld>
 </file>
 
-<file path=ppt/slides/slide13.xml><?xml version="1.0" encoding="utf-8"?>
+<file path=ppt/slides/slide14.xml><?xml version="1.0" encoding="utf-8"?>
 <p:sld xmlns:a="http://schemas.openxmlformats.org/drawingml/2006/main" xmlns:r="http://schemas.openxmlformats.org/officeDocument/2006/relationships" xmlns:p="http://schemas.openxmlformats.org/presentationml/2006/main">
   <p:cSld>
     <p:spTree>
@@ -9175,7 +13485,7 @@
 </p:sld>
 </file>
 
-<file path=ppt/slides/slide14.xml><?xml version="1.0" encoding="utf-8"?>
+<file path=ppt/slides/slide15.xml><?xml version="1.0" encoding="utf-8"?>
 <p:sld xmlns:a="http://schemas.openxmlformats.org/drawingml/2006/main" xmlns:r="http://schemas.openxmlformats.org/officeDocument/2006/relationships" xmlns:p="http://schemas.openxmlformats.org/presentationml/2006/main">
   <p:cSld>
     <p:spTree>
@@ -10000,7 +14310,7 @@
 </p:sld>
 </file>
 
-<file path=ppt/slides/slide15.xml><?xml version="1.0" encoding="utf-8"?>
+<file path=ppt/slides/slide16.xml><?xml version="1.0" encoding="utf-8"?>
 <p:sld xmlns:a="http://schemas.openxmlformats.org/drawingml/2006/main" xmlns:r="http://schemas.openxmlformats.org/officeDocument/2006/relationships" xmlns:p="http://schemas.openxmlformats.org/presentationml/2006/main">
   <p:cSld>
     <p:spTree>
@@ -10136,7 +14446,7 @@
 </p:sld>
 </file>
 
-<file path=ppt/slides/slide16.xml><?xml version="1.0" encoding="utf-8"?>
+<file path=ppt/slides/slide17.xml><?xml version="1.0" encoding="utf-8"?>
 <p:sld xmlns:a="http://schemas.openxmlformats.org/drawingml/2006/main" xmlns:r="http://schemas.openxmlformats.org/officeDocument/2006/relationships" xmlns:p="http://schemas.openxmlformats.org/presentationml/2006/main">
   <p:cSld>
     <p:spTree>
@@ -10273,7 +14583,7 @@
 </p:sld>
 </file>
 
-<file path=ppt/slides/slide17.xml><?xml version="1.0" encoding="utf-8"?>
+<file path=ppt/slides/slide18.xml><?xml version="1.0" encoding="utf-8"?>
 <p:sld xmlns:a="http://schemas.openxmlformats.org/drawingml/2006/main" xmlns:r="http://schemas.openxmlformats.org/officeDocument/2006/relationships" xmlns:p="http://schemas.openxmlformats.org/presentationml/2006/main">
   <p:cSld>
     <p:spTree>
@@ -10410,7 +14720,7 @@
 </p:sld>
 </file>
 
-<file path=ppt/slides/slide18.xml><?xml version="1.0" encoding="utf-8"?>
+<file path=ppt/slides/slide19.xml><?xml version="1.0" encoding="utf-8"?>
 <p:sld xmlns:a="http://schemas.openxmlformats.org/drawingml/2006/main" xmlns:r="http://schemas.openxmlformats.org/officeDocument/2006/relationships" xmlns:p="http://schemas.openxmlformats.org/presentationml/2006/main">
   <p:cSld>
     <p:spTree>
@@ -10547,7 +14857,281 @@
 </p:sld>
 </file>
 
-<file path=ppt/slides/slide19.xml><?xml version="1.0" encoding="utf-8"?>
+<file path=ppt/slides/slide2.xml><?xml version="1.0" encoding="utf-8"?>
+<p:sld xmlns:a="http://schemas.openxmlformats.org/drawingml/2006/main" xmlns:r="http://schemas.openxmlformats.org/officeDocument/2006/relationships" xmlns:p="http://schemas.openxmlformats.org/presentationml/2006/main">
+  <p:cSld>
+    <p:bg>
+      <p:bgPr>
+        <a:solidFill>
+          <a:schemeClr val="bg1"/>
+        </a:solidFill>
+        <a:effectLst/>
+      </p:bgPr>
+    </p:bg>
+    <p:spTree>
+      <p:nvGrpSpPr>
+        <p:cNvPr id="1" name=""/>
+        <p:cNvGrpSpPr/>
+        <p:nvPr/>
+      </p:nvGrpSpPr>
+      <p:grpSpPr>
+        <a:xfrm>
+          <a:off x="0" y="0"/>
+          <a:ext cx="0" cy="0"/>
+          <a:chOff x="0" y="0"/>
+          <a:chExt cx="0" cy="0"/>
+        </a:xfrm>
+      </p:grpSpPr>
+      <p:pic>
+        <p:nvPicPr>
+          <p:cNvPr id="11" name="รูปภาพ 10" descr="รูปภาพประกอบด้วย ตัวเชื่อมต่อ&#10;&#10;คำอธิบายที่สร้างโดยอัตโนมัติ">
+            <a:extLst>
+              <a:ext uri="{FF2B5EF4-FFF2-40B4-BE49-F238E27FC236}">
+                <a16:creationId xmlns:a16="http://schemas.microsoft.com/office/drawing/2014/main" id="{15DCDAF2-FF85-45D3-A614-38FB8ADD948E}"/>
+              </a:ext>
+            </a:extLst>
+          </p:cNvPr>
+          <p:cNvPicPr>
+            <a:picLocks noChangeAspect="1"/>
+          </p:cNvPicPr>
+          <p:nvPr/>
+        </p:nvPicPr>
+        <p:blipFill rotWithShape="1">
+          <a:blip r:embed="rId3">
+            <a:extLst>
+              <a:ext uri="{28A0092B-C50C-407E-A947-70E740481C1C}">
+                <a14:useLocalDpi xmlns:a14="http://schemas.microsoft.com/office/drawing/2010/main" val="0"/>
+              </a:ext>
+            </a:extLst>
+          </a:blip>
+          <a:srcRect t="8432"/>
+          <a:stretch/>
+        </p:blipFill>
+        <p:spPr>
+          <a:xfrm>
+            <a:off x="0" y="-779268"/>
+            <a:ext cx="12190242" cy="6976533"/>
+          </a:xfrm>
+          <a:prstGeom prst="rect">
+            <a:avLst/>
+          </a:prstGeom>
+        </p:spPr>
+      </p:pic>
+      <p:sp>
+        <p:nvSpPr>
+          <p:cNvPr id="2" name="ชื่อเรื่อง 1">
+            <a:extLst>
+              <a:ext uri="{FF2B5EF4-FFF2-40B4-BE49-F238E27FC236}">
+                <a16:creationId xmlns:a16="http://schemas.microsoft.com/office/drawing/2014/main" id="{2FA6F3A6-C9FC-4396-9F20-D91FA03FC3C3}"/>
+              </a:ext>
+            </a:extLst>
+          </p:cNvPr>
+          <p:cNvSpPr>
+            <a:spLocks noGrp="1"/>
+          </p:cNvSpPr>
+          <p:nvPr>
+            <p:ph type="ctrTitle"/>
+          </p:nvPr>
+        </p:nvSpPr>
+        <p:spPr>
+          <a:xfrm>
+            <a:off x="828675" y="5120639"/>
+            <a:ext cx="7137263" cy="1280161"/>
+          </a:xfrm>
+        </p:spPr>
+        <p:txBody>
+          <a:bodyPr anchor="ctr">
+            <a:normAutofit/>
+          </a:bodyPr>
+          <a:lstStyle/>
+          <a:p>
+            <a:pPr algn="r"/>
+            <a:r>
+              <a:rPr lang="en-US" sz="4800" dirty="0">
+                <a:solidFill>
+                  <a:srgbClr val="FFFFFF"/>
+                </a:solidFill>
+              </a:rPr>
+              <a:t>Thai rice project</a:t>
+            </a:r>
+          </a:p>
+        </p:txBody>
+      </p:sp>
+      <p:sp>
+        <p:nvSpPr>
+          <p:cNvPr id="3" name="ชื่อเรื่องรอง 2">
+            <a:extLst>
+              <a:ext uri="{FF2B5EF4-FFF2-40B4-BE49-F238E27FC236}">
+                <a16:creationId xmlns:a16="http://schemas.microsoft.com/office/drawing/2014/main" id="{5BD7833E-3139-4061-BE4F-46D1C7B235BA}"/>
+              </a:ext>
+            </a:extLst>
+          </p:cNvPr>
+          <p:cNvSpPr>
+            <a:spLocks noGrp="1"/>
+          </p:cNvSpPr>
+          <p:nvPr>
+            <p:ph type="subTitle" idx="1"/>
+          </p:nvPr>
+        </p:nvSpPr>
+        <p:spPr>
+          <a:xfrm>
+            <a:off x="8382717" y="5120639"/>
+            <a:ext cx="3073745" cy="1280160"/>
+          </a:xfrm>
+        </p:spPr>
+        <p:txBody>
+          <a:bodyPr anchor="ctr">
+            <a:normAutofit/>
+          </a:bodyPr>
+          <a:lstStyle/>
+          <a:p>
+            <a:r>
+              <a:rPr lang="en-US" sz="1500" b="1" dirty="0">
+                <a:solidFill>
+                  <a:srgbClr val="FFFFFF"/>
+                </a:solidFill>
+                <a:latin typeface="TH Sarabun New" panose="020B0500040200020003" pitchFamily="34" charset="-34"/>
+                <a:cs typeface="TH Sarabun New" panose="020B0500040200020003" pitchFamily="34" charset="-34"/>
+              </a:rPr>
+              <a:t>Miss CHANANTHON MUNSRIKAEW</a:t>
+            </a:r>
+          </a:p>
+          <a:p>
+            <a:r>
+              <a:rPr lang="en-US" sz="1500" b="1" dirty="0">
+                <a:solidFill>
+                  <a:srgbClr val="FFFFFF"/>
+                </a:solidFill>
+                <a:latin typeface="TH Sarabun New" panose="020B0500040200020003" pitchFamily="34" charset="-34"/>
+                <a:cs typeface="TH Sarabun New" panose="020B0500040200020003" pitchFamily="34" charset="-34"/>
+              </a:rPr>
+              <a:t>Mr. PHARADORN BOONRUAM</a:t>
+            </a:r>
+          </a:p>
+          <a:p>
+            <a:r>
+              <a:rPr lang="en-US" sz="1500" b="1" dirty="0">
+                <a:solidFill>
+                  <a:srgbClr val="FFFFFF"/>
+                </a:solidFill>
+                <a:latin typeface="TH Sarabun New" panose="020B0500040200020003" pitchFamily="34" charset="-34"/>
+                <a:cs typeface="TH Sarabun New" panose="020B0500040200020003" pitchFamily="34" charset="-34"/>
+              </a:rPr>
+              <a:t>Mr. CHIDCHANSA WORACHIN</a:t>
+            </a:r>
+          </a:p>
+        </p:txBody>
+      </p:sp>
+      <p:sp>
+        <p:nvSpPr>
+          <p:cNvPr id="7" name="ชื่อเรื่อง 1">
+            <a:extLst>
+              <a:ext uri="{FF2B5EF4-FFF2-40B4-BE49-F238E27FC236}">
+                <a16:creationId xmlns:a16="http://schemas.microsoft.com/office/drawing/2014/main" id="{12657936-0D46-40FE-96C5-ADECBACD4F4E}"/>
+              </a:ext>
+            </a:extLst>
+          </p:cNvPr>
+          <p:cNvSpPr txBox="1">
+            <a:spLocks/>
+          </p:cNvSpPr>
+          <p:nvPr/>
+        </p:nvSpPr>
+        <p:spPr>
+          <a:xfrm>
+            <a:off x="8602133" y="117355"/>
+            <a:ext cx="3589867" cy="297511"/>
+          </a:xfrm>
+          <a:prstGeom prst="rect">
+            <a:avLst/>
+          </a:prstGeom>
+        </p:spPr>
+        <p:txBody>
+          <a:bodyPr vert="horz" lIns="91440" tIns="45720" rIns="91440" bIns="45720" rtlCol="0" anchor="ctr">
+            <a:normAutofit fontScale="92500" lnSpcReduction="20000"/>
+          </a:bodyPr>
+          <a:lstStyle>
+            <a:lvl1pPr algn="l" defTabSz="914400" rtl="0" eaLnBrk="1" latinLnBrk="0" hangingPunct="1">
+              <a:lnSpc>
+                <a:spcPct val="90000"/>
+              </a:lnSpc>
+              <a:spcBef>
+                <a:spcPct val="0"/>
+              </a:spcBef>
+              <a:buNone/>
+              <a:defRPr sz="8000" kern="1200" spc="-50" baseline="0">
+                <a:solidFill>
+                  <a:schemeClr val="tx1">
+                    <a:lumMod val="85000"/>
+                    <a:lumOff val="15000"/>
+                  </a:schemeClr>
+                </a:solidFill>
+                <a:latin typeface="+mj-lt"/>
+                <a:ea typeface="+mj-ea"/>
+                <a:cs typeface="+mj-cs"/>
+              </a:defRPr>
+            </a:lvl1pPr>
+          </a:lstStyle>
+          <a:p>
+            <a:pPr>
+              <a:spcAft>
+                <a:spcPts val="600"/>
+              </a:spcAft>
+            </a:pPr>
+            <a:r>
+              <a:rPr lang="en-US" sz="1800" dirty="0">
+                <a:solidFill>
+                  <a:srgbClr val="FF0000"/>
+                </a:solidFill>
+              </a:rPr>
+              <a:t>214331 - Semantic Web Development</a:t>
+            </a:r>
+          </a:p>
+        </p:txBody>
+      </p:sp>
+      <p:pic>
+        <p:nvPicPr>
+          <p:cNvPr id="8" name="รูปภาพ 7">
+            <a:extLst>
+              <a:ext uri="{FF2B5EF4-FFF2-40B4-BE49-F238E27FC236}">
+                <a16:creationId xmlns:a16="http://schemas.microsoft.com/office/drawing/2014/main" id="{A5CFCFBC-F310-4CEB-802E-1813D7F81E1B}"/>
+              </a:ext>
+            </a:extLst>
+          </p:cNvPr>
+          <p:cNvPicPr>
+            <a:picLocks noChangeAspect="1"/>
+          </p:cNvPicPr>
+          <p:nvPr/>
+        </p:nvPicPr>
+        <p:blipFill>
+          <a:blip r:embed="rId4"/>
+          <a:stretch>
+            <a:fillRect/>
+          </a:stretch>
+        </p:blipFill>
+        <p:spPr>
+          <a:xfrm>
+            <a:off x="1096622" y="779221"/>
+            <a:ext cx="10115550" cy="3790950"/>
+          </a:xfrm>
+          <a:prstGeom prst="rect">
+            <a:avLst/>
+          </a:prstGeom>
+        </p:spPr>
+      </p:pic>
+    </p:spTree>
+    <p:extLst>
+      <p:ext uri="{BB962C8B-B14F-4D97-AF65-F5344CB8AC3E}">
+        <p14:creationId xmlns:p14="http://schemas.microsoft.com/office/powerpoint/2010/main" val="4264366582"/>
+      </p:ext>
+    </p:extLst>
+  </p:cSld>
+  <p:clrMapOvr>
+    <a:overrideClrMapping bg1="dk1" tx1="lt1" bg2="dk2" tx2="lt2" accent1="accent1" accent2="accent2" accent3="accent3" accent4="accent4" accent5="accent5" accent6="accent6" hlink="hlink" folHlink="folHlink"/>
+  </p:clrMapOvr>
+</p:sld>
+</file>
+
+<file path=ppt/slides/slide20.xml><?xml version="1.0" encoding="utf-8"?>
 <p:sld xmlns:a="http://schemas.openxmlformats.org/drawingml/2006/main" xmlns:r="http://schemas.openxmlformats.org/officeDocument/2006/relationships" xmlns:p="http://schemas.openxmlformats.org/presentationml/2006/main">
   <p:cSld>
     <p:spTree>
@@ -10624,7 +15208,7 @@
 </p:sld>
 </file>
 
-<file path=ppt/slides/slide2.xml><?xml version="1.0" encoding="utf-8"?>
+<file path=ppt/slides/slide3.xml><?xml version="1.0" encoding="utf-8"?>
 <p:sld xmlns:a="http://schemas.openxmlformats.org/drawingml/2006/main" xmlns:r="http://schemas.openxmlformats.org/officeDocument/2006/relationships" xmlns:p="http://schemas.openxmlformats.org/presentationml/2006/main">
   <p:cSld>
     <p:spTree>
@@ -10698,7 +15282,7 @@
         </p:nvGraphicFramePr>
         <p:xfrm>
           <a:off x="5034225" y="471063"/>
-          <a:ext cx="6543435" cy="5915872"/>
+          <a:ext cx="6543435" cy="6028336"/>
         </p:xfrm>
         <a:graphic>
           <a:graphicData uri="http://schemas.openxmlformats.org/drawingml/2006/table">
@@ -11659,7 +16243,7 @@
                         </a:lnSpc>
                       </a:pPr>
                       <a:r>
-                        <a:rPr lang="en-US" sz="1600">
+                        <a:rPr lang="en-US" sz="1600" dirty="0" err="1">
                           <a:effectLst/>
                           <a:latin typeface="TH SarabunPSK" panose="020B0500040200020003" pitchFamily="34" charset="-34"/>
                           <a:ea typeface="Calibri" panose="020F0502020204030204" pitchFamily="34" charset="0"/>
@@ -11667,7 +16251,7 @@
                         </a:rPr>
                         <a:t>isRiceAdvantageThaiName</a:t>
                       </a:r>
-                      <a:endParaRPr lang="en-US" sz="1100">
+                      <a:endParaRPr lang="en-US" sz="1100" dirty="0">
                         <a:effectLst/>
                         <a:latin typeface="Calibri" panose="020F0502020204030204" pitchFamily="34" charset="0"/>
                         <a:ea typeface="Calibri" panose="020F0502020204030204" pitchFamily="34" charset="0"/>
@@ -13273,7 +17857,7 @@
 </p:sld>
 </file>
 
-<file path=ppt/slides/slide3.xml><?xml version="1.0" encoding="utf-8"?>
+<file path=ppt/slides/slide4.xml><?xml version="1.0" encoding="utf-8"?>
 <p:sld xmlns:a="http://schemas.openxmlformats.org/drawingml/2006/main" xmlns:r="http://schemas.openxmlformats.org/officeDocument/2006/relationships" xmlns:p="http://schemas.openxmlformats.org/presentationml/2006/main">
   <p:cSld>
     <p:spTree>
@@ -14794,7 +19378,7 @@
 </p:sld>
 </file>
 
-<file path=ppt/slides/slide4.xml><?xml version="1.0" encoding="utf-8"?>
+<file path=ppt/slides/slide5.xml><?xml version="1.0" encoding="utf-8"?>
 <p:sld xmlns:a="http://schemas.openxmlformats.org/drawingml/2006/main" xmlns:r="http://schemas.openxmlformats.org/officeDocument/2006/relationships" xmlns:p="http://schemas.openxmlformats.org/presentationml/2006/main">
   <p:cSld>
     <p:spTree>
@@ -15226,7 +19810,7 @@
 </p:sld>
 </file>
 
-<file path=ppt/slides/slide5.xml><?xml version="1.0" encoding="utf-8"?>
+<file path=ppt/slides/slide6.xml><?xml version="1.0" encoding="utf-8"?>
 <p:sld xmlns:a="http://schemas.openxmlformats.org/drawingml/2006/main" xmlns:r="http://schemas.openxmlformats.org/officeDocument/2006/relationships" xmlns:p="http://schemas.openxmlformats.org/presentationml/2006/main">
   <p:cSld>
     <p:spTree>
@@ -15872,7 +20456,7 @@
 </p:sld>
 </file>
 
-<file path=ppt/slides/slide6.xml><?xml version="1.0" encoding="utf-8"?>
+<file path=ppt/slides/slide7.xml><?xml version="1.0" encoding="utf-8"?>
 <p:sld xmlns:a="http://schemas.openxmlformats.org/drawingml/2006/main" xmlns:r="http://schemas.openxmlformats.org/officeDocument/2006/relationships" xmlns:p="http://schemas.openxmlformats.org/presentationml/2006/main">
   <p:cSld>
     <p:spTree>
@@ -16396,7 +20980,7 @@
 </p:sld>
 </file>
 
-<file path=ppt/slides/slide7.xml><?xml version="1.0" encoding="utf-8"?>
+<file path=ppt/slides/slide8.xml><?xml version="1.0" encoding="utf-8"?>
 <p:sld xmlns:a="http://schemas.openxmlformats.org/drawingml/2006/main" xmlns:r="http://schemas.openxmlformats.org/officeDocument/2006/relationships" xmlns:p="http://schemas.openxmlformats.org/presentationml/2006/main">
   <p:cSld>
     <p:spTree>
@@ -16773,7 +21357,7 @@
 </p:sld>
 </file>
 
-<file path=ppt/slides/slide8.xml><?xml version="1.0" encoding="utf-8"?>
+<file path=ppt/slides/slide9.xml><?xml version="1.0" encoding="utf-8"?>
 <p:sld xmlns:a="http://schemas.openxmlformats.org/drawingml/2006/main" xmlns:r="http://schemas.openxmlformats.org/officeDocument/2006/relationships" xmlns:p="http://schemas.openxmlformats.org/presentationml/2006/main">
   <p:cSld>
     <p:spTree>
@@ -17253,503 +21837,6 @@
     <p:extLst>
       <p:ext uri="{BB962C8B-B14F-4D97-AF65-F5344CB8AC3E}">
         <p14:creationId xmlns:p14="http://schemas.microsoft.com/office/powerpoint/2010/main" val="1281095877"/>
-      </p:ext>
-    </p:extLst>
-  </p:cSld>
-  <p:clrMapOvr>
-    <a:masterClrMapping/>
-  </p:clrMapOvr>
-</p:sld>
-</file>
-
-<file path=ppt/slides/slide9.xml><?xml version="1.0" encoding="utf-8"?>
-<p:sld xmlns:a="http://schemas.openxmlformats.org/drawingml/2006/main" xmlns:r="http://schemas.openxmlformats.org/officeDocument/2006/relationships" xmlns:p="http://schemas.openxmlformats.org/presentationml/2006/main">
-  <p:cSld>
-    <p:spTree>
-      <p:nvGrpSpPr>
-        <p:cNvPr id="1" name=""/>
-        <p:cNvGrpSpPr/>
-        <p:nvPr/>
-      </p:nvGrpSpPr>
-      <p:grpSpPr>
-        <a:xfrm>
-          <a:off x="0" y="0"/>
-          <a:ext cx="0" cy="0"/>
-          <a:chOff x="0" y="0"/>
-          <a:chExt cx="0" cy="0"/>
-        </a:xfrm>
-      </p:grpSpPr>
-      <p:sp>
-        <p:nvSpPr>
-          <p:cNvPr id="4" name="Title 1">
-            <a:extLst>
-              <a:ext uri="{FF2B5EF4-FFF2-40B4-BE49-F238E27FC236}">
-                <a16:creationId xmlns:a16="http://schemas.microsoft.com/office/drawing/2014/main" id="{73B9A7A3-796B-45BB-84BD-D441005E22CF}"/>
-              </a:ext>
-            </a:extLst>
-          </p:cNvPr>
-          <p:cNvSpPr>
-            <a:spLocks noGrp="1"/>
-          </p:cNvSpPr>
-          <p:nvPr>
-            <p:ph type="title"/>
-          </p:nvPr>
-        </p:nvSpPr>
-        <p:spPr>
-          <a:xfrm>
-            <a:off x="300825" y="397454"/>
-            <a:ext cx="2904599" cy="828446"/>
-          </a:xfrm>
-        </p:spPr>
-        <p:txBody>
-          <a:bodyPr/>
-          <a:lstStyle/>
-          <a:p>
-            <a:r>
-              <a:rPr lang="en-US" dirty="0"/>
-              <a:t>Individuals</a:t>
-            </a:r>
-          </a:p>
-        </p:txBody>
-      </p:sp>
-      <p:sp>
-        <p:nvSpPr>
-          <p:cNvPr id="5" name="Title 1">
-            <a:extLst>
-              <a:ext uri="{FF2B5EF4-FFF2-40B4-BE49-F238E27FC236}">
-                <a16:creationId xmlns:a16="http://schemas.microsoft.com/office/drawing/2014/main" id="{A165B036-8BA5-401F-BA24-C3F4464902F5}"/>
-              </a:ext>
-            </a:extLst>
-          </p:cNvPr>
-          <p:cNvSpPr txBox="1">
-            <a:spLocks/>
-          </p:cNvSpPr>
-          <p:nvPr/>
-        </p:nvSpPr>
-        <p:spPr>
-          <a:xfrm>
-            <a:off x="474246" y="1225900"/>
-            <a:ext cx="836394" cy="697493"/>
-          </a:xfrm>
-          <a:prstGeom prst="rect">
-            <a:avLst/>
-          </a:prstGeom>
-        </p:spPr>
-        <p:txBody>
-          <a:bodyPr vert="horz" lIns="91440" tIns="45720" rIns="91440" bIns="45720" rtlCol="0" anchor="ctr">
-            <a:normAutofit/>
-          </a:bodyPr>
-          <a:lstStyle>
-            <a:lvl1pPr algn="ctr" defTabSz="914400" rtl="0" eaLnBrk="1" latinLnBrk="0" hangingPunct="1">
-              <a:lnSpc>
-                <a:spcPct val="90000"/>
-              </a:lnSpc>
-              <a:spcBef>
-                <a:spcPct val="0"/>
-              </a:spcBef>
-              <a:buNone/>
-              <a:defRPr sz="3600" kern="1200" cap="all" baseline="0">
-                <a:solidFill>
-                  <a:schemeClr val="tx1"/>
-                </a:solidFill>
-                <a:effectLst/>
-                <a:latin typeface="+mj-lt"/>
-                <a:ea typeface="+mj-ea"/>
-                <a:cs typeface="+mj-cs"/>
-              </a:defRPr>
-            </a:lvl1pPr>
-          </a:lstStyle>
-          <a:p>
-            <a:r>
-              <a:rPr lang="en-US" sz="2400" dirty="0"/>
-              <a:t>leaf</a:t>
-            </a:r>
-            <a:endParaRPr lang="en-US" sz="1800" dirty="0"/>
-          </a:p>
-        </p:txBody>
-      </p:sp>
-      <p:sp>
-        <p:nvSpPr>
-          <p:cNvPr id="6" name="Title 1">
-            <a:extLst>
-              <a:ext uri="{FF2B5EF4-FFF2-40B4-BE49-F238E27FC236}">
-                <a16:creationId xmlns:a16="http://schemas.microsoft.com/office/drawing/2014/main" id="{9FB71EDC-28E6-4F1F-8B24-F059C0581FC9}"/>
-              </a:ext>
-            </a:extLst>
-          </p:cNvPr>
-          <p:cNvSpPr txBox="1">
-            <a:spLocks/>
-          </p:cNvSpPr>
-          <p:nvPr/>
-        </p:nvSpPr>
-        <p:spPr>
-          <a:xfrm>
-            <a:off x="474246" y="3247464"/>
-            <a:ext cx="2179320" cy="828446"/>
-          </a:xfrm>
-          <a:prstGeom prst="rect">
-            <a:avLst/>
-          </a:prstGeom>
-        </p:spPr>
-        <p:txBody>
-          <a:bodyPr vert="horz" lIns="91440" tIns="45720" rIns="91440" bIns="45720" rtlCol="0" anchor="ctr">
-            <a:normAutofit/>
-          </a:bodyPr>
-          <a:lstStyle>
-            <a:lvl1pPr algn="ctr" defTabSz="914400" rtl="0" eaLnBrk="1" latinLnBrk="0" hangingPunct="1">
-              <a:lnSpc>
-                <a:spcPct val="90000"/>
-              </a:lnSpc>
-              <a:spcBef>
-                <a:spcPct val="0"/>
-              </a:spcBef>
-              <a:buNone/>
-              <a:defRPr sz="3600" kern="1200" cap="all" baseline="0">
-                <a:solidFill>
-                  <a:schemeClr val="tx1"/>
-                </a:solidFill>
-                <a:effectLst/>
-                <a:latin typeface="+mj-lt"/>
-                <a:ea typeface="+mj-ea"/>
-                <a:cs typeface="+mj-cs"/>
-              </a:defRPr>
-            </a:lvl1pPr>
-          </a:lstStyle>
-          <a:p>
-            <a:r>
-              <a:rPr lang="en-US" dirty="0"/>
-              <a:t>7 data</a:t>
-            </a:r>
-          </a:p>
-        </p:txBody>
-      </p:sp>
-      <p:graphicFrame>
-        <p:nvGraphicFramePr>
-          <p:cNvPr id="7" name="Table 7">
-            <a:extLst>
-              <a:ext uri="{FF2B5EF4-FFF2-40B4-BE49-F238E27FC236}">
-                <a16:creationId xmlns:a16="http://schemas.microsoft.com/office/drawing/2014/main" id="{A8AF42CE-5C94-4D86-8C9F-502A4FE6FE36}"/>
-              </a:ext>
-            </a:extLst>
-          </p:cNvPr>
-          <p:cNvGraphicFramePr>
-            <a:graphicFrameLocks noGrp="1"/>
-          </p:cNvGraphicFramePr>
-          <p:nvPr>
-            <p:extLst>
-              <p:ext uri="{D42A27DB-BD31-4B8C-83A1-F6EECF244321}">
-                <p14:modId xmlns:p14="http://schemas.microsoft.com/office/powerpoint/2010/main" val="1073323783"/>
-              </p:ext>
-            </p:extLst>
-          </p:nvPr>
-        </p:nvGraphicFramePr>
-        <p:xfrm>
-          <a:off x="3312160" y="1574646"/>
-          <a:ext cx="8128000" cy="2966720"/>
-        </p:xfrm>
-        <a:graphic>
-          <a:graphicData uri="http://schemas.openxmlformats.org/drawingml/2006/table">
-            <a:tbl>
-              <a:tblPr firstRow="1" bandRow="1">
-                <a:tableStyleId>{5C22544A-7EE6-4342-B048-85BDC9FD1C3A}</a:tableStyleId>
-              </a:tblPr>
-              <a:tblGrid>
-                <a:gridCol w="4064000">
-                  <a:extLst>
-                    <a:ext uri="{9D8B030D-6E8A-4147-A177-3AD203B41FA5}">
-                      <a16:colId xmlns:a16="http://schemas.microsoft.com/office/drawing/2014/main" val="3554553576"/>
-                    </a:ext>
-                  </a:extLst>
-                </a:gridCol>
-                <a:gridCol w="4064000">
-                  <a:extLst>
-                    <a:ext uri="{9D8B030D-6E8A-4147-A177-3AD203B41FA5}">
-                      <a16:colId xmlns:a16="http://schemas.microsoft.com/office/drawing/2014/main" val="2064805966"/>
-                    </a:ext>
-                  </a:extLst>
-                </a:gridCol>
-              </a:tblGrid>
-              <a:tr h="370840">
-                <a:tc>
-                  <a:txBody>
-                    <a:bodyPr/>
-                    <a:lstStyle/>
-                    <a:p>
-                      <a:r>
-                        <a:rPr lang="en-US" dirty="0" err="1"/>
-                        <a:t>isPhysicalThaiName</a:t>
-                      </a:r>
-                      <a:endParaRPr lang="en-US" dirty="0"/>
-                    </a:p>
-                  </a:txBody>
-                  <a:tcPr/>
-                </a:tc>
-                <a:tc>
-                  <a:txBody>
-                    <a:bodyPr/>
-                    <a:lstStyle/>
-                    <a:p>
-                      <a:r>
-                        <a:rPr lang="en-US" dirty="0" err="1"/>
-                        <a:t>isPhysicalEngName</a:t>
-                      </a:r>
-                      <a:endParaRPr lang="en-US" dirty="0"/>
-                    </a:p>
-                  </a:txBody>
-                  <a:tcPr/>
-                </a:tc>
-                <a:extLst>
-                  <a:ext uri="{0D108BD9-81ED-4DB2-BD59-A6C34878D82A}">
-                    <a16:rowId xmlns:a16="http://schemas.microsoft.com/office/drawing/2014/main" val="983711188"/>
-                  </a:ext>
-                </a:extLst>
-              </a:tr>
-              <a:tr h="370840">
-                <a:tc>
-                  <a:txBody>
-                    <a:bodyPr/>
-                    <a:lstStyle/>
-                    <a:p>
-                      <a:r>
-                        <a:rPr lang="th-TH" dirty="0"/>
-                        <a:t>ใบธงทำมุม</a:t>
-                      </a:r>
-                      <a:endParaRPr lang="en-US" dirty="0"/>
-                    </a:p>
-                  </a:txBody>
-                  <a:tcPr/>
-                </a:tc>
-                <a:tc>
-                  <a:txBody>
-                    <a:bodyPr/>
-                    <a:lstStyle/>
-                    <a:p>
-                      <a:r>
-                        <a:rPr lang="en-US" dirty="0"/>
-                        <a:t>Angle Flag leaf</a:t>
-                      </a:r>
-                    </a:p>
-                  </a:txBody>
-                  <a:tcPr/>
-                </a:tc>
-                <a:extLst>
-                  <a:ext uri="{0D108BD9-81ED-4DB2-BD59-A6C34878D82A}">
-                    <a16:rowId xmlns:a16="http://schemas.microsoft.com/office/drawing/2014/main" val="406551315"/>
-                  </a:ext>
-                </a:extLst>
-              </a:tr>
-              <a:tr h="370840">
-                <a:tc>
-                  <a:txBody>
-                    <a:bodyPr/>
-                    <a:lstStyle/>
-                    <a:p>
-                      <a:r>
-                        <a:rPr lang="th-TH" dirty="0"/>
-                        <a:t>ใบธงตก</a:t>
-                      </a:r>
-                      <a:endParaRPr lang="en-US" dirty="0"/>
-                    </a:p>
-                  </a:txBody>
-                  <a:tcPr/>
-                </a:tc>
-                <a:tc>
-                  <a:txBody>
-                    <a:bodyPr/>
-                    <a:lstStyle/>
-                    <a:p>
-                      <a:r>
-                        <a:rPr lang="en-US" dirty="0"/>
-                        <a:t>Falling Flag leaf</a:t>
-                      </a:r>
-                    </a:p>
-                  </a:txBody>
-                  <a:tcPr/>
-                </a:tc>
-                <a:extLst>
-                  <a:ext uri="{0D108BD9-81ED-4DB2-BD59-A6C34878D82A}">
-                    <a16:rowId xmlns:a16="http://schemas.microsoft.com/office/drawing/2014/main" val="3732637416"/>
-                  </a:ext>
-                </a:extLst>
-              </a:tr>
-              <a:tr h="370840">
-                <a:tc>
-                  <a:txBody>
-                    <a:bodyPr/>
-                    <a:lstStyle/>
-                    <a:p>
-                      <a:r>
-                        <a:rPr lang="th-TH" dirty="0"/>
-                        <a:t>ใบธงเอน</a:t>
-                      </a:r>
-                      <a:endParaRPr lang="en-US" dirty="0"/>
-                    </a:p>
-                  </a:txBody>
-                  <a:tcPr/>
-                </a:tc>
-                <a:tc>
-                  <a:txBody>
-                    <a:bodyPr/>
-                    <a:lstStyle/>
-                    <a:p>
-                      <a:r>
-                        <a:rPr lang="en-US" dirty="0"/>
-                        <a:t>Inclined Flag leaf</a:t>
-                      </a:r>
-                    </a:p>
-                  </a:txBody>
-                  <a:tcPr/>
-                </a:tc>
-                <a:extLst>
-                  <a:ext uri="{0D108BD9-81ED-4DB2-BD59-A6C34878D82A}">
-                    <a16:rowId xmlns:a16="http://schemas.microsoft.com/office/drawing/2014/main" val="23350321"/>
-                  </a:ext>
-                </a:extLst>
-              </a:tr>
-              <a:tr h="370840">
-                <a:tc>
-                  <a:txBody>
-                    <a:bodyPr/>
-                    <a:lstStyle/>
-                    <a:p>
-                      <a:r>
-                        <a:rPr lang="th-TH" dirty="0"/>
-                        <a:t>ใบยาว</a:t>
-                      </a:r>
-                      <a:endParaRPr lang="en-US" dirty="0"/>
-                    </a:p>
-                  </a:txBody>
-                  <a:tcPr/>
-                </a:tc>
-                <a:tc>
-                  <a:txBody>
-                    <a:bodyPr/>
-                    <a:lstStyle/>
-                    <a:p>
-                      <a:r>
-                        <a:rPr lang="en-US" dirty="0"/>
-                        <a:t>Long leaf</a:t>
-                      </a:r>
-                    </a:p>
-                  </a:txBody>
-                  <a:tcPr/>
-                </a:tc>
-                <a:extLst>
-                  <a:ext uri="{0D108BD9-81ED-4DB2-BD59-A6C34878D82A}">
-                    <a16:rowId xmlns:a16="http://schemas.microsoft.com/office/drawing/2014/main" val="1622078560"/>
-                  </a:ext>
-                </a:extLst>
-              </a:tr>
-              <a:tr h="370840">
-                <a:tc>
-                  <a:txBody>
-                    <a:bodyPr/>
-                    <a:lstStyle/>
-                    <a:p>
-                      <a:r>
-                        <a:rPr lang="th-TH" dirty="0"/>
-                        <a:t>ใบธงยาว</a:t>
-                      </a:r>
-                      <a:endParaRPr lang="en-US" dirty="0"/>
-                    </a:p>
-                  </a:txBody>
-                  <a:tcPr/>
-                </a:tc>
-                <a:tc>
-                  <a:txBody>
-                    <a:bodyPr/>
-                    <a:lstStyle/>
-                    <a:p>
-                      <a:r>
-                        <a:rPr lang="en-US" dirty="0"/>
-                        <a:t>Long Flag leaf</a:t>
-                      </a:r>
-                    </a:p>
-                  </a:txBody>
-                  <a:tcPr/>
-                </a:tc>
-                <a:extLst>
-                  <a:ext uri="{0D108BD9-81ED-4DB2-BD59-A6C34878D82A}">
-                    <a16:rowId xmlns:a16="http://schemas.microsoft.com/office/drawing/2014/main" val="4258321017"/>
-                  </a:ext>
-                </a:extLst>
-              </a:tr>
-              <a:tr h="370840">
-                <a:tc>
-                  <a:txBody>
-                    <a:bodyPr/>
-                    <a:lstStyle/>
-                    <a:p>
-                      <a:r>
-                        <a:rPr lang="th-TH" dirty="0"/>
-                        <a:t>ใบธงตั้ง</a:t>
-                      </a:r>
-                      <a:endParaRPr lang="en-US" dirty="0"/>
-                    </a:p>
-                  </a:txBody>
-                  <a:tcPr/>
-                </a:tc>
-                <a:tc>
-                  <a:txBody>
-                    <a:bodyPr/>
-                    <a:lstStyle/>
-                    <a:p>
-                      <a:r>
-                        <a:rPr lang="en-US" dirty="0"/>
-                        <a:t>Set Flag leaf</a:t>
-                      </a:r>
-                    </a:p>
-                  </a:txBody>
-                  <a:tcPr/>
-                </a:tc>
-                <a:extLst>
-                  <a:ext uri="{0D108BD9-81ED-4DB2-BD59-A6C34878D82A}">
-                    <a16:rowId xmlns:a16="http://schemas.microsoft.com/office/drawing/2014/main" val="3013395802"/>
-                  </a:ext>
-                </a:extLst>
-              </a:tr>
-              <a:tr h="370840">
-                <a:tc>
-                  <a:txBody>
-                    <a:bodyPr/>
-                    <a:lstStyle/>
-                    <a:p>
-                      <a:r>
-                        <a:rPr lang="th-TH" dirty="0"/>
-                        <a:t>ใบธงตั้งตรง</a:t>
-                      </a:r>
-                      <a:endParaRPr lang="en-US" dirty="0"/>
-                    </a:p>
-                  </a:txBody>
-                  <a:tcPr/>
-                </a:tc>
-                <a:tc>
-                  <a:txBody>
-                    <a:bodyPr/>
-                    <a:lstStyle/>
-                    <a:p>
-                      <a:r>
-                        <a:rPr lang="en-US" dirty="0"/>
-                        <a:t>Set Straight Flag leaf</a:t>
-                      </a:r>
-                    </a:p>
-                  </a:txBody>
-                  <a:tcPr/>
-                </a:tc>
-                <a:extLst>
-                  <a:ext uri="{0D108BD9-81ED-4DB2-BD59-A6C34878D82A}">
-                    <a16:rowId xmlns:a16="http://schemas.microsoft.com/office/drawing/2014/main" val="2120709117"/>
-                  </a:ext>
-                </a:extLst>
-              </a:tr>
-            </a:tbl>
-          </a:graphicData>
-        </a:graphic>
-      </p:graphicFrame>
-    </p:spTree>
-    <p:extLst>
-      <p:ext uri="{BB962C8B-B14F-4D97-AF65-F5344CB8AC3E}">
-        <p14:creationId xmlns:p14="http://schemas.microsoft.com/office/powerpoint/2010/main" val="1836728272"/>
       </p:ext>
     </p:extLst>
   </p:cSld>
@@ -18024,6 +22111,289 @@
 </file>
 
 <file path=ppt/theme/theme2.xml><?xml version="1.0" encoding="utf-8"?>
+<a:theme xmlns:a="http://schemas.openxmlformats.org/drawingml/2006/main" name="RetrospectVTI">
+  <a:themeElements>
+    <a:clrScheme name="AnalogousFromDarkSeedLeftStep">
+      <a:dk1>
+        <a:srgbClr val="000000"/>
+      </a:dk1>
+      <a:lt1>
+        <a:srgbClr val="FFFFFF"/>
+      </a:lt1>
+      <a:dk2>
+        <a:srgbClr val="243441"/>
+      </a:dk2>
+      <a:lt2>
+        <a:srgbClr val="E5E8E2"/>
+      </a:lt2>
+      <a:accent1>
+        <a:srgbClr val="8E29E7"/>
+      </a:accent1>
+      <a:accent2>
+        <a:srgbClr val="5645DD"/>
+      </a:accent2>
+      <a:accent3>
+        <a:srgbClr val="2963E7"/>
+      </a:accent3>
+      <a:accent4>
+        <a:srgbClr val="17A0D5"/>
+      </a:accent4>
+      <a:accent5>
+        <a:srgbClr val="21B8A3"/>
+      </a:accent5>
+      <a:accent6>
+        <a:srgbClr val="14BB5F"/>
+      </a:accent6>
+      <a:hlink>
+        <a:srgbClr val="319194"/>
+      </a:hlink>
+      <a:folHlink>
+        <a:srgbClr val="7F7F7F"/>
+      </a:folHlink>
+    </a:clrScheme>
+    <a:fontScheme name="Retrospect">
+      <a:majorFont>
+        <a:latin typeface="Arial Nova Light" panose="020F0302020204030204"/>
+        <a:ea typeface=""/>
+        <a:cs typeface=""/>
+        <a:font script="Jpan" typeface="ＭＳ Ｐゴシック"/>
+        <a:font script="Hang" typeface="맑은 고딕"/>
+        <a:font script="Hans" typeface="宋体"/>
+        <a:font script="Hant" typeface="新細明體"/>
+        <a:font script="Arab" typeface="Times New Roman"/>
+        <a:font script="Hebr" typeface="Times New Roman"/>
+        <a:font script="Thai" typeface="Angsana New"/>
+        <a:font script="Ethi" typeface="Nyala"/>
+        <a:font script="Beng" typeface="Vrinda"/>
+        <a:font script="Gujr" typeface="Shruti"/>
+        <a:font script="Khmr" typeface="MoolBoran"/>
+        <a:font script="Knda" typeface="Tunga"/>
+        <a:font script="Guru" typeface="Raavi"/>
+        <a:font script="Cans" typeface="Euphemia"/>
+        <a:font script="Cher" typeface="Plantagenet Cherokee"/>
+        <a:font script="Yiii" typeface="Microsoft Yi Baiti"/>
+        <a:font script="Tibt" typeface="Microsoft Himalaya"/>
+        <a:font script="Thaa" typeface="MV Boli"/>
+        <a:font script="Deva" typeface="Mangal"/>
+        <a:font script="Telu" typeface="Gautami"/>
+        <a:font script="Taml" typeface="Latha"/>
+        <a:font script="Syrc" typeface="Estrangelo Edessa"/>
+        <a:font script="Orya" typeface="Kalinga"/>
+        <a:font script="Mlym" typeface="Kartika"/>
+        <a:font script="Laoo" typeface="DokChampa"/>
+        <a:font script="Sinh" typeface="Iskoola Pota"/>
+        <a:font script="Mong" typeface="Mongolian Baiti"/>
+        <a:font script="Viet" typeface="Times New Roman"/>
+        <a:font script="Uigh" typeface="Microsoft Uighur"/>
+        <a:font script="Geor" typeface="Sylfaen"/>
+      </a:majorFont>
+      <a:minorFont>
+        <a:latin typeface="Arial Nova" panose="020F0502020204030204"/>
+        <a:ea typeface=""/>
+        <a:cs typeface=""/>
+        <a:font script="Jpan" typeface="ＭＳ Ｐゴシック"/>
+        <a:font script="Hang" typeface="맑은 고딕"/>
+        <a:font script="Hans" typeface="宋体"/>
+        <a:font script="Hant" typeface="新細明體"/>
+        <a:font script="Arab" typeface="Arial"/>
+        <a:font script="Hebr" typeface="Arial"/>
+        <a:font script="Thai" typeface="Cordia New"/>
+        <a:font script="Ethi" typeface="Nyala"/>
+        <a:font script="Beng" typeface="Vrinda"/>
+        <a:font script="Gujr" typeface="Shruti"/>
+        <a:font script="Khmr" typeface="DaunPenh"/>
+        <a:font script="Knda" typeface="Tunga"/>
+        <a:font script="Guru" typeface="Raavi"/>
+        <a:font script="Cans" typeface="Euphemia"/>
+        <a:font script="Cher" typeface="Plantagenet Cherokee"/>
+        <a:font script="Yiii" typeface="Microsoft Yi Baiti"/>
+        <a:font script="Tibt" typeface="Microsoft Himalaya"/>
+        <a:font script="Thaa" typeface="MV Boli"/>
+        <a:font script="Deva" typeface="Mangal"/>
+        <a:font script="Telu" typeface="Gautami"/>
+        <a:font script="Taml" typeface="Latha"/>
+        <a:font script="Syrc" typeface="Estrangelo Edessa"/>
+        <a:font script="Orya" typeface="Kalinga"/>
+        <a:font script="Mlym" typeface="Kartika"/>
+        <a:font script="Laoo" typeface="DokChampa"/>
+        <a:font script="Sinh" typeface="Iskoola Pota"/>
+        <a:font script="Mong" typeface="Mongolian Baiti"/>
+        <a:font script="Viet" typeface="Arial"/>
+        <a:font script="Uigh" typeface="Microsoft Uighur"/>
+        <a:font script="Geor" typeface="Sylfaen"/>
+      </a:minorFont>
+    </a:fontScheme>
+    <a:fmtScheme name="Retrospect">
+      <a:fillStyleLst>
+        <a:solidFill>
+          <a:schemeClr val="phClr"/>
+        </a:solidFill>
+        <a:gradFill rotWithShape="1">
+          <a:gsLst>
+            <a:gs pos="0">
+              <a:schemeClr val="phClr">
+                <a:tint val="65000"/>
+                <a:shade val="92000"/>
+                <a:satMod val="130000"/>
+              </a:schemeClr>
+            </a:gs>
+            <a:gs pos="45000">
+              <a:schemeClr val="phClr">
+                <a:tint val="60000"/>
+                <a:shade val="99000"/>
+                <a:satMod val="120000"/>
+              </a:schemeClr>
+            </a:gs>
+            <a:gs pos="100000">
+              <a:schemeClr val="phClr">
+                <a:tint val="55000"/>
+                <a:satMod val="140000"/>
+              </a:schemeClr>
+            </a:gs>
+          </a:gsLst>
+          <a:path path="circle">
+            <a:fillToRect l="100000" t="100000" r="100000" b="100000"/>
+          </a:path>
+        </a:gradFill>
+        <a:gradFill rotWithShape="1">
+          <a:gsLst>
+            <a:gs pos="0">
+              <a:schemeClr val="phClr">
+                <a:shade val="85000"/>
+                <a:satMod val="130000"/>
+              </a:schemeClr>
+            </a:gs>
+            <a:gs pos="34000">
+              <a:schemeClr val="phClr">
+                <a:shade val="87000"/>
+                <a:satMod val="125000"/>
+              </a:schemeClr>
+            </a:gs>
+            <a:gs pos="70000">
+              <a:schemeClr val="phClr">
+                <a:tint val="100000"/>
+                <a:shade val="90000"/>
+                <a:satMod val="130000"/>
+              </a:schemeClr>
+            </a:gs>
+            <a:gs pos="100000">
+              <a:schemeClr val="phClr">
+                <a:tint val="100000"/>
+                <a:shade val="100000"/>
+                <a:satMod val="110000"/>
+              </a:schemeClr>
+            </a:gs>
+          </a:gsLst>
+          <a:path path="circle">
+            <a:fillToRect l="100000" t="100000" r="100000" b="100000"/>
+          </a:path>
+        </a:gradFill>
+      </a:fillStyleLst>
+      <a:lnStyleLst>
+        <a:ln w="12700" cap="flat" cmpd="sng" algn="ctr">
+          <a:solidFill>
+            <a:schemeClr val="phClr"/>
+          </a:solidFill>
+          <a:prstDash val="solid"/>
+        </a:ln>
+        <a:ln w="15875" cap="flat" cmpd="sng" algn="ctr">
+          <a:solidFill>
+            <a:schemeClr val="phClr"/>
+          </a:solidFill>
+          <a:prstDash val="solid"/>
+        </a:ln>
+        <a:ln w="25400" cap="flat" cmpd="sng" algn="ctr">
+          <a:solidFill>
+            <a:schemeClr val="phClr"/>
+          </a:solidFill>
+          <a:prstDash val="solid"/>
+        </a:ln>
+      </a:lnStyleLst>
+      <a:effectStyleLst>
+        <a:effectStyle>
+          <a:effectLst/>
+        </a:effectStyle>
+        <a:effectStyle>
+          <a:effectLst>
+            <a:outerShdw blurRad="38100" dist="25400" dir="2700000" algn="br" rotWithShape="0">
+              <a:srgbClr val="000000">
+                <a:alpha val="60000"/>
+              </a:srgbClr>
+            </a:outerShdw>
+          </a:effectLst>
+        </a:effectStyle>
+        <a:effectStyle>
+          <a:effectLst>
+            <a:outerShdw blurRad="44450" dist="25400" dir="2700000" algn="br" rotWithShape="0">
+              <a:srgbClr val="000000">
+                <a:alpha val="60000"/>
+              </a:srgbClr>
+            </a:outerShdw>
+          </a:effectLst>
+          <a:scene3d>
+            <a:camera prst="orthographicFront">
+              <a:rot lat="0" lon="0" rev="0"/>
+            </a:camera>
+            <a:lightRig rig="threePt" dir="t">
+              <a:rot lat="0" lon="0" rev="19800000"/>
+            </a:lightRig>
+          </a:scene3d>
+          <a:sp3d prstMaterial="flat">
+            <a:bevelT w="25400" h="31750"/>
+          </a:sp3d>
+        </a:effectStyle>
+      </a:effectStyleLst>
+      <a:bgFillStyleLst>
+        <a:solidFill>
+          <a:schemeClr val="phClr"/>
+        </a:solidFill>
+        <a:solidFill>
+          <a:schemeClr val="phClr">
+            <a:tint val="90000"/>
+            <a:shade val="97000"/>
+            <a:satMod val="130000"/>
+          </a:schemeClr>
+        </a:solidFill>
+        <a:gradFill rotWithShape="1">
+          <a:gsLst>
+            <a:gs pos="0">
+              <a:schemeClr val="phClr">
+                <a:tint val="96000"/>
+                <a:shade val="99000"/>
+                <a:satMod val="140000"/>
+              </a:schemeClr>
+            </a:gs>
+            <a:gs pos="65000">
+              <a:schemeClr val="phClr">
+                <a:tint val="100000"/>
+                <a:shade val="80000"/>
+                <a:satMod val="130000"/>
+              </a:schemeClr>
+            </a:gs>
+            <a:gs pos="100000">
+              <a:schemeClr val="phClr">
+                <a:tint val="100000"/>
+                <a:shade val="48000"/>
+                <a:satMod val="120000"/>
+              </a:schemeClr>
+            </a:gs>
+          </a:gsLst>
+          <a:lin ang="16200000" scaled="0"/>
+        </a:gradFill>
+      </a:bgFillStyleLst>
+    </a:fmtScheme>
+  </a:themeElements>
+  <a:objectDefaults/>
+  <a:extraClrSchemeLst/>
+  <a:extLst>
+    <a:ext uri="{05A4C25C-085E-4340-85A3-A5531E510DB2}">
+      <thm15:themeFamily xmlns:thm15="http://schemas.microsoft.com/office/thememl/2012/main" name="RetrospectVTI" id="{ABE3C30C-0FC0-4450-828E-52DE70F1BCCB}" vid="{A6E2497D-935A-4CFD-B9FD-6DCB15FA68BF}"/>
+    </a:ext>
+  </a:extLst>
+</a:theme>
+</file>
+
+<file path=ppt/theme/theme3.xml><?xml version="1.0" encoding="utf-8"?>
 <a:theme xmlns:a="http://schemas.openxmlformats.org/drawingml/2006/main" name="ธีมของ Office">
   <a:themeElements>
     <a:clrScheme name="Office">
